--- a/ipsa/slides/java.pptx
+++ b/ipsa/slides/java.pptx
@@ -141,13 +141,181 @@
 <file path=ppt/revisionInfo.xml><?xml version="1.0" encoding="utf-8"?>
 <p1510:revInfo xmlns:a="http://schemas.openxmlformats.org/drawingml/2006/main" xmlns:r="http://schemas.openxmlformats.org/officeDocument/2006/relationships" xmlns:p1510="http://schemas.microsoft.com/office/powerpoint/2015/10/main">
   <p1510:revLst>
-    <p1510:client id="{1833E81B-E5FD-4821-A578-BF7F0E32FE7F}" v="11" dt="2022-05-08T21:07:24.697"/>
+    <p1510:client id="{062599EF-C02E-413A-A5B3-1F0C51E292A5}" v="1" dt="2023-05-08T05:51:30.194"/>
   </p1510:revLst>
 </p1510:revInfo>
 </file>
 
 <file path=ppt/changesInfos/changesInfo1.xml><?xml version="1.0" encoding="utf-8"?>
 <pc:chgInfo xmlns:a="http://schemas.openxmlformats.org/drawingml/2006/main" xmlns:r="http://schemas.openxmlformats.org/officeDocument/2006/relationships" xmlns:ac="http://schemas.microsoft.com/office/drawing/2013/main/command" xmlns:pc="http://schemas.microsoft.com/office/powerpoint/2013/main/command">
+  <pc:docChgLst>
+    <pc:chgData name="Gerth Stølting Brodal" userId="04ef4784-6591-4f86-a140-f5c3b108582a" providerId="ADAL" clId="{062599EF-C02E-413A-A5B3-1F0C51E292A5}"/>
+    <pc:docChg chg="undo redo custSel modSld">
+      <pc:chgData name="Gerth Stølting Brodal" userId="04ef4784-6591-4f86-a140-f5c3b108582a" providerId="ADAL" clId="{062599EF-C02E-413A-A5B3-1F0C51E292A5}" dt="2023-05-08T06:36:10.897" v="510" actId="1076"/>
+      <pc:docMkLst>
+        <pc:docMk/>
+      </pc:docMkLst>
+      <pc:sldChg chg="addSp delSp modSp mod">
+        <pc:chgData name="Gerth Stølting Brodal" userId="04ef4784-6591-4f86-a140-f5c3b108582a" providerId="ADAL" clId="{062599EF-C02E-413A-A5B3-1F0C51E292A5}" dt="2023-05-08T05:52:17.745" v="340" actId="1036"/>
+        <pc:sldMkLst>
+          <pc:docMk/>
+          <pc:sldMk cId="324096631" sldId="702"/>
+        </pc:sldMkLst>
+        <pc:picChg chg="add mod ord modCrop">
+          <ac:chgData name="Gerth Stølting Brodal" userId="04ef4784-6591-4f86-a140-f5c3b108582a" providerId="ADAL" clId="{062599EF-C02E-413A-A5B3-1F0C51E292A5}" dt="2023-05-08T05:52:12.880" v="330" actId="732"/>
+          <ac:picMkLst>
+            <pc:docMk/>
+            <pc:sldMk cId="324096631" sldId="702"/>
+            <ac:picMk id="4" creationId="{ACA3CEFE-A3F0-DC61-C6BF-B114F64DDB96}"/>
+          </ac:picMkLst>
+        </pc:picChg>
+        <pc:picChg chg="del">
+          <ac:chgData name="Gerth Stølting Brodal" userId="04ef4784-6591-4f86-a140-f5c3b108582a" providerId="ADAL" clId="{062599EF-C02E-413A-A5B3-1F0C51E292A5}" dt="2023-05-08T05:51:39.252" v="321" actId="478"/>
+          <ac:picMkLst>
+            <pc:docMk/>
+            <pc:sldMk cId="324096631" sldId="702"/>
+            <ac:picMk id="5" creationId="{225B95A3-5339-4C30-A260-D85C229A2800}"/>
+          </ac:picMkLst>
+        </pc:picChg>
+        <pc:picChg chg="mod">
+          <ac:chgData name="Gerth Stølting Brodal" userId="04ef4784-6591-4f86-a140-f5c3b108582a" providerId="ADAL" clId="{062599EF-C02E-413A-A5B3-1F0C51E292A5}" dt="2023-05-08T05:52:17.745" v="340" actId="1036"/>
+          <ac:picMkLst>
+            <pc:docMk/>
+            <pc:sldMk cId="324096631" sldId="702"/>
+            <ac:picMk id="7" creationId="{9908D829-A712-4BAE-8893-B0DBE967C335}"/>
+          </ac:picMkLst>
+        </pc:picChg>
+      </pc:sldChg>
+      <pc:sldChg chg="modSp mod">
+        <pc:chgData name="Gerth Stølting Brodal" userId="04ef4784-6591-4f86-a140-f5c3b108582a" providerId="ADAL" clId="{062599EF-C02E-413A-A5B3-1F0C51E292A5}" dt="2023-05-08T06:00:01.553" v="415" actId="20577"/>
+        <pc:sldMkLst>
+          <pc:docMk/>
+          <pc:sldMk cId="1863959164" sldId="704"/>
+        </pc:sldMkLst>
+        <pc:spChg chg="mod">
+          <ac:chgData name="Gerth Stølting Brodal" userId="04ef4784-6591-4f86-a140-f5c3b108582a" providerId="ADAL" clId="{062599EF-C02E-413A-A5B3-1F0C51E292A5}" dt="2023-05-08T06:00:01.553" v="415" actId="20577"/>
+          <ac:spMkLst>
+            <pc:docMk/>
+            <pc:sldMk cId="1863959164" sldId="704"/>
+            <ac:spMk id="3" creationId="{00000000-0000-0000-0000-000000000000}"/>
+          </ac:spMkLst>
+        </pc:spChg>
+      </pc:sldChg>
+      <pc:sldChg chg="modNotesTx">
+        <pc:chgData name="Gerth Stølting Brodal" userId="04ef4784-6591-4f86-a140-f5c3b108582a" providerId="ADAL" clId="{062599EF-C02E-413A-A5B3-1F0C51E292A5}" dt="2023-05-06T11:07:24.817" v="134" actId="20577"/>
+        <pc:sldMkLst>
+          <pc:docMk/>
+          <pc:sldMk cId="873390135" sldId="705"/>
+        </pc:sldMkLst>
+      </pc:sldChg>
+      <pc:sldChg chg="modSp mod">
+        <pc:chgData name="Gerth Stølting Brodal" userId="04ef4784-6591-4f86-a140-f5c3b108582a" providerId="ADAL" clId="{062599EF-C02E-413A-A5B3-1F0C51E292A5}" dt="2023-05-06T11:15:01.635" v="239" actId="6549"/>
+        <pc:sldMkLst>
+          <pc:docMk/>
+          <pc:sldMk cId="285957609" sldId="712"/>
+        </pc:sldMkLst>
+        <pc:graphicFrameChg chg="modGraphic">
+          <ac:chgData name="Gerth Stølting Brodal" userId="04ef4784-6591-4f86-a140-f5c3b108582a" providerId="ADAL" clId="{062599EF-C02E-413A-A5B3-1F0C51E292A5}" dt="2023-05-06T11:15:01.635" v="239" actId="6549"/>
+          <ac:graphicFrameMkLst>
+            <pc:docMk/>
+            <pc:sldMk cId="285957609" sldId="712"/>
+            <ac:graphicFrameMk id="4" creationId="{00000000-0000-0000-0000-000000000000}"/>
+          </ac:graphicFrameMkLst>
+        </pc:graphicFrameChg>
+      </pc:sldChg>
+      <pc:sldChg chg="modNotesTx">
+        <pc:chgData name="Gerth Stølting Brodal" userId="04ef4784-6591-4f86-a140-f5c3b108582a" providerId="ADAL" clId="{062599EF-C02E-413A-A5B3-1F0C51E292A5}" dt="2023-05-06T11:28:58.619" v="316" actId="20577"/>
+        <pc:sldMkLst>
+          <pc:docMk/>
+          <pc:sldMk cId="3651206223" sldId="714"/>
+        </pc:sldMkLst>
+      </pc:sldChg>
+      <pc:sldChg chg="modSp mod modNotesTx">
+        <pc:chgData name="Gerth Stølting Brodal" userId="04ef4784-6591-4f86-a140-f5c3b108582a" providerId="ADAL" clId="{062599EF-C02E-413A-A5B3-1F0C51E292A5}" dt="2023-05-08T06:09:47.682" v="418" actId="14100"/>
+        <pc:sldMkLst>
+          <pc:docMk/>
+          <pc:sldMk cId="2312210166" sldId="718"/>
+        </pc:sldMkLst>
+        <pc:spChg chg="mod">
+          <ac:chgData name="Gerth Stølting Brodal" userId="04ef4784-6591-4f86-a140-f5c3b108582a" providerId="ADAL" clId="{062599EF-C02E-413A-A5B3-1F0C51E292A5}" dt="2023-05-08T06:08:40.517" v="416" actId="2711"/>
+          <ac:spMkLst>
+            <pc:docMk/>
+            <pc:sldMk cId="2312210166" sldId="718"/>
+            <ac:spMk id="38" creationId="{00000000-0000-0000-0000-000000000000}"/>
+          </ac:spMkLst>
+        </pc:spChg>
+        <pc:grpChg chg="mod">
+          <ac:chgData name="Gerth Stølting Brodal" userId="04ef4784-6591-4f86-a140-f5c3b108582a" providerId="ADAL" clId="{062599EF-C02E-413A-A5B3-1F0C51E292A5}" dt="2023-05-06T11:03:02.638" v="1" actId="1076"/>
+          <ac:grpSpMkLst>
+            <pc:docMk/>
+            <pc:sldMk cId="2312210166" sldId="718"/>
+            <ac:grpSpMk id="69" creationId="{00000000-0000-0000-0000-000000000000}"/>
+          </ac:grpSpMkLst>
+        </pc:grpChg>
+        <pc:grpChg chg="mod">
+          <ac:chgData name="Gerth Stølting Brodal" userId="04ef4784-6591-4f86-a140-f5c3b108582a" providerId="ADAL" clId="{062599EF-C02E-413A-A5B3-1F0C51E292A5}" dt="2023-05-08T06:09:47.682" v="418" actId="14100"/>
+          <ac:grpSpMkLst>
+            <pc:docMk/>
+            <pc:sldMk cId="2312210166" sldId="718"/>
+            <ac:grpSpMk id="77" creationId="{00000000-0000-0000-0000-000000000000}"/>
+          </ac:grpSpMkLst>
+        </pc:grpChg>
+        <pc:cxnChg chg="mod">
+          <ac:chgData name="Gerth Stølting Brodal" userId="04ef4784-6591-4f86-a140-f5c3b108582a" providerId="ADAL" clId="{062599EF-C02E-413A-A5B3-1F0C51E292A5}" dt="2023-05-08T06:09:34.182" v="417" actId="14100"/>
+          <ac:cxnSpMkLst>
+            <pc:docMk/>
+            <pc:sldMk cId="2312210166" sldId="718"/>
+            <ac:cxnSpMk id="57" creationId="{00000000-0000-0000-0000-000000000000}"/>
+          </ac:cxnSpMkLst>
+        </pc:cxnChg>
+      </pc:sldChg>
+      <pc:sldChg chg="modNotesTx">
+        <pc:chgData name="Gerth Stølting Brodal" userId="04ef4784-6591-4f86-a140-f5c3b108582a" providerId="ADAL" clId="{062599EF-C02E-413A-A5B3-1F0C51E292A5}" dt="2023-05-08T05:55:36.934" v="411" actId="20577"/>
+        <pc:sldMkLst>
+          <pc:docMk/>
+          <pc:sldMk cId="3957855327" sldId="721"/>
+        </pc:sldMkLst>
+      </pc:sldChg>
+      <pc:sldChg chg="modSp mod modNotesTx">
+        <pc:chgData name="Gerth Stølting Brodal" userId="04ef4784-6591-4f86-a140-f5c3b108582a" providerId="ADAL" clId="{062599EF-C02E-413A-A5B3-1F0C51E292A5}" dt="2023-05-08T06:34:16.875" v="505" actId="20577"/>
+        <pc:sldMkLst>
+          <pc:docMk/>
+          <pc:sldMk cId="3676626356" sldId="722"/>
+        </pc:sldMkLst>
+        <pc:spChg chg="mod">
+          <ac:chgData name="Gerth Stølting Brodal" userId="04ef4784-6591-4f86-a140-f5c3b108582a" providerId="ADAL" clId="{062599EF-C02E-413A-A5B3-1F0C51E292A5}" dt="2023-05-08T06:33:00.923" v="426" actId="14100"/>
+          <ac:spMkLst>
+            <pc:docMk/>
+            <pc:sldMk cId="3676626356" sldId="722"/>
+            <ac:spMk id="3" creationId="{00000000-0000-0000-0000-000000000000}"/>
+          </ac:spMkLst>
+        </pc:spChg>
+      </pc:sldChg>
+      <pc:sldChg chg="modSp mod modNotesTx">
+        <pc:chgData name="Gerth Stølting Brodal" userId="04ef4784-6591-4f86-a140-f5c3b108582a" providerId="ADAL" clId="{062599EF-C02E-413A-A5B3-1F0C51E292A5}" dt="2023-05-08T06:36:10.897" v="510" actId="1076"/>
+        <pc:sldMkLst>
+          <pc:docMk/>
+          <pc:sldMk cId="2975332178" sldId="724"/>
+        </pc:sldMkLst>
+        <pc:spChg chg="mod">
+          <ac:chgData name="Gerth Stølting Brodal" userId="04ef4784-6591-4f86-a140-f5c3b108582a" providerId="ADAL" clId="{062599EF-C02E-413A-A5B3-1F0C51E292A5}" dt="2023-05-06T11:33:50.941" v="317" actId="20577"/>
+          <ac:spMkLst>
+            <pc:docMk/>
+            <pc:sldMk cId="2975332178" sldId="724"/>
+            <ac:spMk id="3" creationId="{00000000-0000-0000-0000-000000000000}"/>
+          </ac:spMkLst>
+        </pc:spChg>
+        <pc:graphicFrameChg chg="mod modGraphic">
+          <ac:chgData name="Gerth Stølting Brodal" userId="04ef4784-6591-4f86-a140-f5c3b108582a" providerId="ADAL" clId="{062599EF-C02E-413A-A5B3-1F0C51E292A5}" dt="2023-05-08T06:36:10.897" v="510" actId="1076"/>
+          <ac:graphicFrameMkLst>
+            <pc:docMk/>
+            <pc:sldMk cId="2975332178" sldId="724"/>
+            <ac:graphicFrameMk id="5" creationId="{00000000-0000-0000-0000-000000000000}"/>
+          </ac:graphicFrameMkLst>
+        </pc:graphicFrameChg>
+      </pc:sldChg>
+    </pc:docChg>
+  </pc:docChgLst>
   <pc:docChgLst>
     <pc:chgData name="Gerth Stølting Brodal" userId="04ef4784-6591-4f86-a140-f5c3b108582a" providerId="ADAL" clId="{1833E81B-E5FD-4821-A578-BF7F0E32FE7F}"/>
     <pc:docChg chg="undo custSel modSld">
@@ -494,7 +662,7 @@
           <a:p>
             <a:fld id="{FB1A172F-81D4-4DC4-9113-1DBD56EC3646}" type="datetimeFigureOut">
               <a:rPr lang="en-US" smtClean="0"/>
-              <a:t>5/7/2022</a:t>
+              <a:t>5/8/2023</a:t>
             </a:fld>
             <a:endParaRPr lang="en-US"/>
           </a:p>
@@ -890,79 +1058,28 @@
           <a:lstStyle/>
           <a:p>
             <a:r>
+              <a:rPr lang="en-US" dirty="0" err="1"/>
+              <a:t>ArrayList</a:t>
+            </a:r>
+            <a:r>
+              <a:rPr lang="en-US" b="1" dirty="0"/>
+              <a:t>&lt;&gt;</a:t>
+            </a:r>
+            <a:r>
               <a:rPr lang="en-US" dirty="0"/>
-              <a:t>When a method or a variable is marked as </a:t>
+              <a:t> x = new </a:t>
+            </a:r>
+            <a:r>
+              <a:rPr lang="en-US" dirty="0" err="1"/>
+              <a:t>ArrayList</a:t>
+            </a:r>
+            <a:r>
+              <a:rPr lang="en-US" dirty="0"/>
+              <a:t>&lt;String&gt;();  --- </a:t>
             </a:r>
             <a:r>
               <a:rPr lang="en-US" b="1" dirty="0"/>
-              <a:t>protected</a:t>
-            </a:r>
-            <a:r>
-              <a:rPr lang="en-US" dirty="0"/>
-              <a:t>, it can be accessed from:</a:t>
-            </a:r>
-          </a:p>
-          <a:p>
-            <a:pPr lvl="1"/>
-            <a:r>
-              <a:rPr lang="en-US" sz="700" kern="1200" dirty="0">
-                <a:solidFill>
-                  <a:schemeClr val="tx1"/>
-                </a:solidFill>
-                <a:effectLst/>
-                <a:latin typeface="+mn-lt"/>
-                <a:ea typeface="+mn-ea"/>
-                <a:cs typeface="+mn-cs"/>
-              </a:rPr>
-              <a:t>          1) </a:t>
-            </a:r>
-            <a:r>
-              <a:rPr lang="en-US" dirty="0">
-                <a:effectLst/>
-              </a:rPr>
-              <a:t>Within the enclosing class.</a:t>
-            </a:r>
-          </a:p>
-          <a:p>
-            <a:pPr lvl="1"/>
-            <a:r>
-              <a:rPr lang="en-US" sz="700" kern="1200" dirty="0">
-                <a:solidFill>
-                  <a:schemeClr val="tx1"/>
-                </a:solidFill>
-                <a:effectLst/>
-                <a:latin typeface="+mn-lt"/>
-                <a:ea typeface="+mn-ea"/>
-                <a:cs typeface="+mn-cs"/>
-              </a:rPr>
-              <a:t>          2) </a:t>
-            </a:r>
-            <a:r>
-              <a:rPr lang="en-US" dirty="0">
-                <a:effectLst/>
-              </a:rPr>
-              <a:t>Other classes in the same package as the enclosing class.</a:t>
-            </a:r>
-          </a:p>
-          <a:p>
-            <a:pPr lvl="1"/>
-            <a:r>
-              <a:rPr lang="en-US" sz="700" kern="1200" dirty="0">
-                <a:solidFill>
-                  <a:schemeClr val="tx1"/>
-                </a:solidFill>
-                <a:effectLst/>
-                <a:latin typeface="+mn-lt"/>
-                <a:ea typeface="+mn-ea"/>
-                <a:cs typeface="+mn-cs"/>
-              </a:rPr>
-              <a:t>          3) </a:t>
-            </a:r>
-            <a:r>
-              <a:rPr lang="en-US" dirty="0">
-                <a:effectLst/>
-              </a:rPr>
-              <a:t>Sub classes, regardless of packages</a:t>
+              <a:t>does not work</a:t>
             </a:r>
           </a:p>
           <a:p>
@@ -987,7 +1104,7 @@
           <a:p>
             <a:fld id="{CD563DD8-32AB-41BE-B1C6-8EAC45222ACE}" type="slidenum">
               <a:rPr lang="en-US" smtClean="0"/>
-              <a:t>17</a:t>
+              <a:t>14</a:t>
             </a:fld>
             <a:endParaRPr lang="en-US"/>
           </a:p>
@@ -996,7 +1113,7 @@
     </p:spTree>
     <p:extLst>
       <p:ext uri="{BB962C8B-B14F-4D97-AF65-F5344CB8AC3E}">
-        <p14:creationId xmlns:p14="http://schemas.microsoft.com/office/powerpoint/2010/main" val="1808976318"/>
+        <p14:creationId xmlns:p14="http://schemas.microsoft.com/office/powerpoint/2010/main" val="2363256891"/>
       </p:ext>
     </p:extLst>
   </p:cSld>
@@ -1052,19 +1169,19 @@
           <a:p>
             <a:r>
               <a:rPr lang="en-US" dirty="0"/>
-              <a:t>Uses “</a:t>
-            </a:r>
-            <a:r>
-              <a:rPr lang="en-US" dirty="0" err="1"/>
-              <a:t>var</a:t>
-            </a:r>
-            <a:r>
-              <a:rPr lang="en-US" dirty="0"/>
-              <a:t> p” to avoid writing</a:t>
+              <a:t>+ = example</a:t>
             </a:r>
             <a:r>
               <a:rPr lang="en-US" baseline="0" dirty="0"/>
-              <a:t> “Pair&lt;Integer&gt; p”</a:t>
+              <a:t> of </a:t>
+            </a:r>
+            <a:r>
+              <a:rPr lang="en-US" baseline="0" dirty="0" err="1"/>
+              <a:t>builtin</a:t>
+            </a:r>
+            <a:r>
+              <a:rPr lang="en-US" baseline="0" dirty="0"/>
+              <a:t> overloaded operator</a:t>
             </a:r>
             <a:endParaRPr lang="en-US" dirty="0"/>
           </a:p>
@@ -1087,7 +1204,7 @@
           <a:p>
             <a:fld id="{CD563DD8-32AB-41BE-B1C6-8EAC45222ACE}" type="slidenum">
               <a:rPr lang="en-US" smtClean="0"/>
-              <a:t>18</a:t>
+              <a:t>15</a:t>
             </a:fld>
             <a:endParaRPr lang="en-US"/>
           </a:p>
@@ -1096,7 +1213,7 @@
     </p:spTree>
     <p:extLst>
       <p:ext uri="{BB962C8B-B14F-4D97-AF65-F5344CB8AC3E}">
-        <p14:creationId xmlns:p14="http://schemas.microsoft.com/office/powerpoint/2010/main" val="3511152455"/>
+        <p14:creationId xmlns:p14="http://schemas.microsoft.com/office/powerpoint/2010/main" val="3028435154"/>
       </p:ext>
     </p:extLst>
   </p:cSld>
@@ -1151,49 +1268,14 @@
           <a:lstStyle/>
           <a:p>
             <a:r>
-              <a:rPr lang="da-DK" dirty="0"/>
-              <a:t>Int / </a:t>
-            </a:r>
-            <a:r>
-              <a:rPr lang="da-DK" dirty="0" err="1"/>
-              <a:t>int</a:t>
-            </a:r>
-            <a:r>
-              <a:rPr lang="da-DK" dirty="0"/>
-              <a:t> returns </a:t>
-            </a:r>
-            <a:r>
-              <a:rPr lang="da-DK" dirty="0" err="1"/>
-              <a:t>int</a:t>
-            </a:r>
-            <a:r>
-              <a:rPr lang="da-DK" dirty="0"/>
-              <a:t> (</a:t>
-            </a:r>
-            <a:r>
-              <a:rPr lang="da-DK" dirty="0" err="1"/>
-              <a:t>integer</a:t>
-            </a:r>
-            <a:r>
-              <a:rPr lang="da-DK" dirty="0"/>
-              <a:t> division), </a:t>
-            </a:r>
-            <a:r>
-              <a:rPr lang="da-DK" dirty="0" err="1"/>
-              <a:t>whereas</a:t>
-            </a:r>
-            <a:r>
-              <a:rPr lang="da-DK" dirty="0"/>
-              <a:t> x / y is type double </a:t>
-            </a:r>
-            <a:r>
-              <a:rPr lang="da-DK" dirty="0" err="1"/>
-              <a:t>if</a:t>
-            </a:r>
-            <a:r>
-              <a:rPr lang="da-DK" dirty="0"/>
-              <a:t> x and/or y is double</a:t>
-            </a:r>
+              <a:rPr lang="en-US" dirty="0"/>
+              <a:t>when having multiple</a:t>
+            </a:r>
+            <a:r>
+              <a:rPr lang="en-US" baseline="0" dirty="0"/>
+              <a:t> class definitions in a file, only one can be public – and must have same name as the file.</a:t>
+            </a:r>
+            <a:endParaRPr lang="en-US" dirty="0"/>
           </a:p>
         </p:txBody>
       </p:sp>
@@ -1204,7 +1286,7 @@
             <a:spLocks noGrp="1"/>
           </p:cNvSpPr>
           <p:nvPr>
-            <p:ph type="sldNum" sz="quarter" idx="5"/>
+            <p:ph type="sldNum" sz="quarter" idx="10"/>
           </p:nvPr>
         </p:nvSpPr>
         <p:spPr/>
@@ -1214,7 +1296,7 @@
           <a:p>
             <a:fld id="{CD563DD8-32AB-41BE-B1C6-8EAC45222ACE}" type="slidenum">
               <a:rPr lang="en-US" smtClean="0"/>
-              <a:t>20</a:t>
+              <a:t>16</a:t>
             </a:fld>
             <a:endParaRPr lang="en-US"/>
           </a:p>
@@ -1223,7 +1305,7 @@
     </p:spTree>
     <p:extLst>
       <p:ext uri="{BB962C8B-B14F-4D97-AF65-F5344CB8AC3E}">
-        <p14:creationId xmlns:p14="http://schemas.microsoft.com/office/powerpoint/2010/main" val="3890235294"/>
+        <p14:creationId xmlns:p14="http://schemas.microsoft.com/office/powerpoint/2010/main" val="2544648723"/>
       </p:ext>
     </p:extLst>
   </p:cSld>
@@ -1278,288 +1360,82 @@
           <a:lstStyle/>
           <a:p>
             <a:r>
-              <a:rPr lang="da-DK" sz="1200" dirty="0">
-                <a:latin typeface="Courier New" panose="02070309020205020404" pitchFamily="49" charset="0"/>
-                <a:cs typeface="Courier New" panose="02070309020205020404" pitchFamily="49" charset="0"/>
-              </a:rPr>
-              <a:t>@override</a:t>
-            </a:r>
-            <a:r>
-              <a:rPr lang="da-DK" sz="1200" dirty="0"/>
-              <a:t> </a:t>
-            </a:r>
-            <a:r>
-              <a:rPr lang="da-DK" sz="1200" dirty="0" err="1"/>
-              <a:t>helps</a:t>
-            </a:r>
-            <a:r>
-              <a:rPr lang="da-DK" sz="1200" baseline="0" dirty="0"/>
-              <a:t> to spot </a:t>
-            </a:r>
-            <a:r>
-              <a:rPr lang="da-DK" sz="1200" baseline="0" dirty="0" err="1"/>
-              <a:t>misspellings</a:t>
-            </a:r>
-            <a:r>
-              <a:rPr lang="da-DK" sz="1200" baseline="0" dirty="0"/>
-              <a:t> </a:t>
+              <a:rPr lang="en-US" dirty="0"/>
+              <a:t>When a method or a variable is marked as </a:t>
+            </a:r>
+            <a:r>
+              <a:rPr lang="en-US" b="1" dirty="0"/>
+              <a:t>protected</a:t>
+            </a:r>
+            <a:r>
+              <a:rPr lang="en-US" dirty="0"/>
+              <a:t>, it can be accessed from:</a:t>
             </a:r>
           </a:p>
           <a:p>
-            <a:r>
-              <a:rPr lang="da-DK" sz="1200" baseline="0" dirty="0"/>
-              <a:t>If C </a:t>
-            </a:r>
-            <a:r>
-              <a:rPr lang="da-DK" sz="1200" baseline="0" dirty="0" err="1"/>
-              <a:t>does</a:t>
-            </a:r>
-            <a:r>
-              <a:rPr lang="da-DK" sz="1200" baseline="0" dirty="0"/>
-              <a:t> </a:t>
-            </a:r>
-            <a:r>
-              <a:rPr lang="da-DK" sz="1200" baseline="0" dirty="0" err="1"/>
-              <a:t>definde</a:t>
-            </a:r>
-            <a:r>
-              <a:rPr lang="da-DK" sz="1200" baseline="0" dirty="0"/>
-              <a:t> </a:t>
-            </a:r>
-            <a:r>
-              <a:rPr lang="da-DK" sz="1200" baseline="0" dirty="0" err="1"/>
-              <a:t>sayHi</a:t>
-            </a:r>
-            <a:r>
-              <a:rPr lang="da-DK" sz="1200" baseline="0" dirty="0"/>
-              <a:t>, </a:t>
-            </a:r>
-            <a:r>
-              <a:rPr lang="da-DK" sz="1200" baseline="0" dirty="0" err="1"/>
-              <a:t>we</a:t>
-            </a:r>
-            <a:r>
-              <a:rPr lang="da-DK" sz="1200" baseline="0" dirty="0"/>
-              <a:t> </a:t>
-            </a:r>
-            <a:r>
-              <a:rPr lang="da-DK" sz="1200" baseline="0" dirty="0" err="1"/>
-              <a:t>will</a:t>
-            </a:r>
-            <a:r>
-              <a:rPr lang="da-DK" sz="1200" baseline="0" dirty="0"/>
-              <a:t> </a:t>
-            </a:r>
-            <a:r>
-              <a:rPr lang="da-DK" sz="1200" baseline="0" dirty="0" err="1"/>
-              <a:t>get</a:t>
-            </a:r>
-            <a:r>
-              <a:rPr lang="da-DK" sz="1200" baseline="0" dirty="0"/>
-              <a:t> an ”</a:t>
-            </a:r>
-            <a:r>
-              <a:rPr lang="da-DK" sz="1200" baseline="0" dirty="0" err="1"/>
-              <a:t>Unresolved</a:t>
-            </a:r>
-            <a:r>
-              <a:rPr lang="da-DK" sz="1200" baseline="0" dirty="0"/>
-              <a:t> compilation problem, </a:t>
-            </a:r>
-            <a:r>
-              <a:rPr lang="da-DK" sz="1200" baseline="0" dirty="0" err="1"/>
-              <a:t>duplicate</a:t>
-            </a:r>
-            <a:r>
-              <a:rPr lang="da-DK" sz="1200" baseline="0" dirty="0"/>
-              <a:t> default </a:t>
-            </a:r>
-            <a:r>
-              <a:rPr lang="da-DK" sz="1200" baseline="0" dirty="0" err="1"/>
-              <a:t>methods</a:t>
-            </a:r>
-            <a:r>
-              <a:rPr lang="da-DK" sz="1200" baseline="0" dirty="0"/>
-              <a:t>”</a:t>
-            </a:r>
-          </a:p>
-          <a:p>
-            <a:r>
-              <a:rPr lang="da-DK" sz="1200" b="0" baseline="0" dirty="0"/>
-              <a:t>If </a:t>
-            </a:r>
-            <a:r>
-              <a:rPr lang="pt-BR" sz="1200" b="0" u="none" dirty="0">
+            <a:pPr lvl="1"/>
+            <a:r>
+              <a:rPr lang="en-US" sz="700" kern="1200" dirty="0">
                 <a:solidFill>
                   <a:schemeClr val="tx1"/>
                 </a:solidFill>
-                <a:latin typeface="Courier New" panose="02070309020205020404" pitchFamily="49" charset="0"/>
-                <a:cs typeface="Courier New" panose="02070309020205020404" pitchFamily="49" charset="0"/>
+                <a:effectLst/>
+                <a:latin typeface="+mn-lt"/>
+                <a:ea typeface="+mn-ea"/>
+                <a:cs typeface="+mn-cs"/>
               </a:rPr>
-              <a:t>new </a:t>
-            </a:r>
-            <a:r>
-              <a:rPr lang="pt-BR" sz="1200" b="0" u="none" dirty="0">
-                <a:solidFill>
-                  <a:schemeClr val="accent1">
-                    <a:lumMod val="50000"/>
-                  </a:schemeClr>
-                </a:solidFill>
-                <a:latin typeface="Courier New" panose="02070309020205020404" pitchFamily="49" charset="0"/>
-                <a:cs typeface="Courier New" panose="02070309020205020404" pitchFamily="49" charset="0"/>
+              <a:t>          1) </a:t>
+            </a:r>
+            <a:r>
+              <a:rPr lang="en-US" dirty="0">
+                <a:effectLst/>
               </a:rPr>
-              <a:t>A</a:t>
-            </a:r>
-            <a:r>
-              <a:rPr lang="pt-BR" sz="1200" b="0" u="none" dirty="0">
+              <a:t>Within the enclosing class.</a:t>
+            </a:r>
+          </a:p>
+          <a:p>
+            <a:pPr lvl="1"/>
+            <a:r>
+              <a:rPr lang="en-US" sz="700" kern="1200" dirty="0">
                 <a:solidFill>
                   <a:schemeClr val="tx1"/>
                 </a:solidFill>
-                <a:latin typeface="Courier New" panose="02070309020205020404" pitchFamily="49" charset="0"/>
-                <a:cs typeface="Courier New" panose="02070309020205020404" pitchFamily="49" charset="0"/>
+                <a:effectLst/>
+                <a:latin typeface="+mn-lt"/>
+                <a:ea typeface="+mn-ea"/>
+                <a:cs typeface="+mn-cs"/>
               </a:rPr>
-              <a:t>(){} does not contain {}, then we get “</a:t>
-            </a:r>
-            <a:r>
-              <a:rPr lang="en-US" sz="1200" b="0" u="none" dirty="0">
+              <a:t>          2) </a:t>
+            </a:r>
+            <a:r>
+              <a:rPr lang="en-US" dirty="0">
+                <a:effectLst/>
+              </a:rPr>
+              <a:t>Other classes in the same package as the enclosing class.</a:t>
+            </a:r>
+          </a:p>
+          <a:p>
+            <a:pPr lvl="1"/>
+            <a:r>
+              <a:rPr lang="en-US" sz="700" kern="1200" dirty="0">
                 <a:solidFill>
                   <a:schemeClr val="tx1"/>
                 </a:solidFill>
-                <a:latin typeface="Courier New" panose="02070309020205020404" pitchFamily="49" charset="0"/>
-                <a:cs typeface="Courier New" panose="02070309020205020404" pitchFamily="49" charset="0"/>
+                <a:effectLst/>
+                <a:latin typeface="+mn-lt"/>
+                <a:ea typeface="+mn-ea"/>
+                <a:cs typeface="+mn-cs"/>
               </a:rPr>
-              <a:t>Unresolved compilation problem: Cannot instantiate the type A”</a:t>
-            </a:r>
-            <a:endParaRPr lang="da-DK" sz="1200" b="0" baseline="0" dirty="0"/>
+              <a:t>          3) </a:t>
+            </a:r>
+            <a:r>
+              <a:rPr lang="en-US" dirty="0">
+                <a:effectLst/>
+              </a:rPr>
+              <a:t>Sub classes, regardless of packages</a:t>
+            </a:r>
           </a:p>
           <a:p>
-            <a:r>
-              <a:rPr lang="da-DK" sz="1200" baseline="0" dirty="0"/>
-              <a:t>new A() {} : A is </a:t>
-            </a:r>
-            <a:r>
-              <a:rPr lang="da-DK" sz="1200" baseline="0" dirty="0" err="1"/>
-              <a:t>class</a:t>
-            </a:r>
-            <a:r>
-              <a:rPr lang="da-DK" sz="1200" baseline="0" dirty="0"/>
-              <a:t> or interface, () is </a:t>
-            </a:r>
-            <a:r>
-              <a:rPr lang="da-DK" sz="1200" baseline="0" dirty="0" err="1"/>
-              <a:t>calling</a:t>
-            </a:r>
-            <a:r>
-              <a:rPr lang="da-DK" sz="1200" baseline="0" dirty="0"/>
-              <a:t> the </a:t>
-            </a:r>
-            <a:r>
-              <a:rPr lang="da-DK" sz="1200" baseline="0" dirty="0" err="1"/>
-              <a:t>constructor</a:t>
-            </a:r>
-            <a:r>
-              <a:rPr lang="da-DK" sz="1200" baseline="0" dirty="0"/>
-              <a:t>, {} </a:t>
-            </a:r>
-            <a:r>
-              <a:rPr lang="da-DK" sz="1200" baseline="0" dirty="0" err="1"/>
-              <a:t>can</a:t>
-            </a:r>
-            <a:r>
-              <a:rPr lang="da-DK" sz="1200" baseline="0" dirty="0"/>
-              <a:t> </a:t>
-            </a:r>
-            <a:r>
-              <a:rPr lang="da-DK" sz="1200" baseline="0" dirty="0" err="1"/>
-              <a:t>contain</a:t>
-            </a:r>
-            <a:r>
-              <a:rPr lang="da-DK" sz="1200" baseline="0" dirty="0"/>
-              <a:t> </a:t>
-            </a:r>
-            <a:r>
-              <a:rPr lang="da-DK" sz="1200" baseline="0" dirty="0" err="1"/>
-              <a:t>further</a:t>
-            </a:r>
-            <a:r>
-              <a:rPr lang="da-DK" sz="1200" baseline="0" dirty="0"/>
-              <a:t> </a:t>
-            </a:r>
-            <a:r>
-              <a:rPr lang="da-DK" sz="1200" baseline="0" dirty="0" err="1"/>
-              <a:t>class</a:t>
-            </a:r>
-            <a:r>
-              <a:rPr lang="da-DK" sz="1200" baseline="0" dirty="0"/>
-              <a:t> </a:t>
-            </a:r>
-            <a:r>
-              <a:rPr lang="da-DK" sz="1200" baseline="0" dirty="0" err="1"/>
-              <a:t>implementations</a:t>
-            </a:r>
-            <a:r>
-              <a:rPr lang="da-DK" sz="1200" baseline="0" dirty="0"/>
-              <a:t> for </a:t>
-            </a:r>
-            <a:r>
-              <a:rPr lang="da-DK" sz="1200" baseline="0" dirty="0" err="1"/>
-              <a:t>this</a:t>
-            </a:r>
-            <a:r>
-              <a:rPr lang="da-DK" sz="1200" baseline="0" dirty="0"/>
-              <a:t> </a:t>
-            </a:r>
-            <a:r>
-              <a:rPr lang="da-DK" sz="1200" baseline="0" dirty="0" err="1"/>
-              <a:t>use-once</a:t>
-            </a:r>
-            <a:r>
-              <a:rPr lang="da-DK" sz="1200" baseline="0" dirty="0"/>
-              <a:t> </a:t>
-            </a:r>
-            <a:r>
-              <a:rPr lang="da-DK" sz="1200" baseline="0" dirty="0" err="1"/>
-              <a:t>class</a:t>
-            </a:r>
-            <a:endParaRPr lang="da-DK" sz="1200" baseline="0" dirty="0"/>
-          </a:p>
-          <a:p>
-            <a:r>
-              <a:rPr lang="da-DK" sz="1200" baseline="0" dirty="0"/>
-              <a:t>purporse is to </a:t>
-            </a:r>
-            <a:r>
-              <a:rPr lang="da-DK" sz="1200" baseline="0" dirty="0" err="1"/>
-              <a:t>avoid</a:t>
-            </a:r>
-            <a:r>
-              <a:rPr lang="da-DK" sz="1200" baseline="0" dirty="0"/>
-              <a:t> </a:t>
-            </a:r>
-            <a:r>
-              <a:rPr lang="da-DK" sz="1200" baseline="0" dirty="0" err="1"/>
-              <a:t>having</a:t>
-            </a:r>
-            <a:r>
-              <a:rPr lang="da-DK" sz="1200" baseline="0" dirty="0"/>
-              <a:t> to </a:t>
-            </a:r>
-            <a:r>
-              <a:rPr lang="da-DK" sz="1200" baseline="0" dirty="0" err="1"/>
-              <a:t>name</a:t>
-            </a:r>
-            <a:r>
-              <a:rPr lang="da-DK" sz="1200" baseline="0" dirty="0"/>
-              <a:t> the </a:t>
-            </a:r>
-            <a:r>
-              <a:rPr lang="da-DK" sz="1200" baseline="0" dirty="0" err="1"/>
-              <a:t>class</a:t>
-            </a:r>
-            <a:r>
-              <a:rPr lang="da-DK" sz="1200" baseline="0" dirty="0"/>
-              <a:t> </a:t>
-            </a:r>
             <a:endParaRPr lang="en-US" dirty="0"/>
           </a:p>
         </p:txBody>
@@ -1581,7 +1457,7 @@
           <a:p>
             <a:fld id="{CD563DD8-32AB-41BE-B1C6-8EAC45222ACE}" type="slidenum">
               <a:rPr lang="en-US" smtClean="0"/>
-              <a:t>22</a:t>
+              <a:t>17</a:t>
             </a:fld>
             <a:endParaRPr lang="en-US"/>
           </a:p>
@@ -1590,7 +1466,7 @@
     </p:spTree>
     <p:extLst>
       <p:ext uri="{BB962C8B-B14F-4D97-AF65-F5344CB8AC3E}">
-        <p14:creationId xmlns:p14="http://schemas.microsoft.com/office/powerpoint/2010/main" val="1187833949"/>
+        <p14:creationId xmlns:p14="http://schemas.microsoft.com/office/powerpoint/2010/main" val="1808976318"/>
       </p:ext>
     </p:extLst>
   </p:cSld>
@@ -1644,7 +1520,706 @@
           <a:bodyPr/>
           <a:lstStyle/>
           <a:p>
+            <a:r>
+              <a:rPr lang="en-US" dirty="0"/>
+              <a:t>Uses “</a:t>
+            </a:r>
+            <a:r>
+              <a:rPr lang="en-US" dirty="0" err="1"/>
+              <a:t>var</a:t>
+            </a:r>
+            <a:r>
+              <a:rPr lang="en-US" dirty="0"/>
+              <a:t> p” to avoid writing</a:t>
+            </a:r>
+            <a:r>
+              <a:rPr lang="en-US" baseline="0" dirty="0"/>
+              <a:t> “Pair&lt;Integer&gt; p”</a:t>
+            </a:r>
             <a:endParaRPr lang="en-US" dirty="0"/>
+          </a:p>
+        </p:txBody>
+      </p:sp>
+      <p:sp>
+        <p:nvSpPr>
+          <p:cNvPr id="4" name="Slide Number Placeholder 3"/>
+          <p:cNvSpPr>
+            <a:spLocks noGrp="1"/>
+          </p:cNvSpPr>
+          <p:nvPr>
+            <p:ph type="sldNum" sz="quarter" idx="10"/>
+          </p:nvPr>
+        </p:nvSpPr>
+        <p:spPr/>
+        <p:txBody>
+          <a:bodyPr/>
+          <a:lstStyle/>
+          <a:p>
+            <a:fld id="{CD563DD8-32AB-41BE-B1C6-8EAC45222ACE}" type="slidenum">
+              <a:rPr lang="en-US" smtClean="0"/>
+              <a:t>18</a:t>
+            </a:fld>
+            <a:endParaRPr lang="en-US"/>
+          </a:p>
+        </p:txBody>
+      </p:sp>
+    </p:spTree>
+    <p:extLst>
+      <p:ext uri="{BB962C8B-B14F-4D97-AF65-F5344CB8AC3E}">
+        <p14:creationId xmlns:p14="http://schemas.microsoft.com/office/powerpoint/2010/main" val="3511152455"/>
+      </p:ext>
+    </p:extLst>
+  </p:cSld>
+  <p:clrMapOvr>
+    <a:masterClrMapping/>
+  </p:clrMapOvr>
+</p:notes>
+</file>
+
+<file path=ppt/notesSlides/notesSlide15.xml><?xml version="1.0" encoding="utf-8"?>
+<p:notes xmlns:a="http://schemas.openxmlformats.org/drawingml/2006/main" xmlns:r="http://schemas.openxmlformats.org/officeDocument/2006/relationships" xmlns:p="http://schemas.openxmlformats.org/presentationml/2006/main">
+  <p:cSld>
+    <p:spTree>
+      <p:nvGrpSpPr>
+        <p:cNvPr id="1" name=""/>
+        <p:cNvGrpSpPr/>
+        <p:nvPr/>
+      </p:nvGrpSpPr>
+      <p:grpSpPr>
+        <a:xfrm>
+          <a:off x="0" y="0"/>
+          <a:ext cx="0" cy="0"/>
+          <a:chOff x="0" y="0"/>
+          <a:chExt cx="0" cy="0"/>
+        </a:xfrm>
+      </p:grpSpPr>
+      <p:sp>
+        <p:nvSpPr>
+          <p:cNvPr id="2" name="Slide Image Placeholder 1"/>
+          <p:cNvSpPr>
+            <a:spLocks noGrp="1" noRot="1" noChangeAspect="1"/>
+          </p:cNvSpPr>
+          <p:nvPr>
+            <p:ph type="sldImg"/>
+          </p:nvPr>
+        </p:nvSpPr>
+        <p:spPr/>
+      </p:sp>
+      <p:sp>
+        <p:nvSpPr>
+          <p:cNvPr id="3" name="Notes Placeholder 2"/>
+          <p:cNvSpPr>
+            <a:spLocks noGrp="1"/>
+          </p:cNvSpPr>
+          <p:nvPr>
+            <p:ph type="body" idx="1"/>
+          </p:nvPr>
+        </p:nvSpPr>
+        <p:spPr/>
+        <p:txBody>
+          <a:bodyPr/>
+          <a:lstStyle/>
+          <a:p>
+            <a:r>
+              <a:rPr lang="en-US" dirty="0"/>
+              <a:t>This ensures that at compile time we know that r has an area method</a:t>
+            </a:r>
+            <a:endParaRPr lang="da-DK" dirty="0"/>
+          </a:p>
+        </p:txBody>
+      </p:sp>
+      <p:sp>
+        <p:nvSpPr>
+          <p:cNvPr id="4" name="Slide Number Placeholder 3"/>
+          <p:cNvSpPr>
+            <a:spLocks noGrp="1"/>
+          </p:cNvSpPr>
+          <p:nvPr>
+            <p:ph type="sldNum" sz="quarter" idx="5"/>
+          </p:nvPr>
+        </p:nvSpPr>
+        <p:spPr/>
+        <p:txBody>
+          <a:bodyPr/>
+          <a:lstStyle/>
+          <a:p>
+            <a:fld id="{CD563DD8-32AB-41BE-B1C6-8EAC45222ACE}" type="slidenum">
+              <a:rPr lang="en-US" smtClean="0"/>
+              <a:t>19</a:t>
+            </a:fld>
+            <a:endParaRPr lang="en-US"/>
+          </a:p>
+        </p:txBody>
+      </p:sp>
+    </p:spTree>
+    <p:extLst>
+      <p:ext uri="{BB962C8B-B14F-4D97-AF65-F5344CB8AC3E}">
+        <p14:creationId xmlns:p14="http://schemas.microsoft.com/office/powerpoint/2010/main" val="1192878872"/>
+      </p:ext>
+    </p:extLst>
+  </p:cSld>
+  <p:clrMapOvr>
+    <a:masterClrMapping/>
+  </p:clrMapOvr>
+</p:notes>
+</file>
+
+<file path=ppt/notesSlides/notesSlide16.xml><?xml version="1.0" encoding="utf-8"?>
+<p:notes xmlns:a="http://schemas.openxmlformats.org/drawingml/2006/main" xmlns:r="http://schemas.openxmlformats.org/officeDocument/2006/relationships" xmlns:p="http://schemas.openxmlformats.org/presentationml/2006/main">
+  <p:cSld>
+    <p:spTree>
+      <p:nvGrpSpPr>
+        <p:cNvPr id="1" name=""/>
+        <p:cNvGrpSpPr/>
+        <p:nvPr/>
+      </p:nvGrpSpPr>
+      <p:grpSpPr>
+        <a:xfrm>
+          <a:off x="0" y="0"/>
+          <a:ext cx="0" cy="0"/>
+          <a:chOff x="0" y="0"/>
+          <a:chExt cx="0" cy="0"/>
+        </a:xfrm>
+      </p:grpSpPr>
+      <p:sp>
+        <p:nvSpPr>
+          <p:cNvPr id="2" name="Slide Image Placeholder 1"/>
+          <p:cNvSpPr>
+            <a:spLocks noGrp="1" noRot="1" noChangeAspect="1"/>
+          </p:cNvSpPr>
+          <p:nvPr>
+            <p:ph type="sldImg"/>
+          </p:nvPr>
+        </p:nvSpPr>
+        <p:spPr/>
+      </p:sp>
+      <p:sp>
+        <p:nvSpPr>
+          <p:cNvPr id="3" name="Notes Placeholder 2"/>
+          <p:cNvSpPr>
+            <a:spLocks noGrp="1"/>
+          </p:cNvSpPr>
+          <p:nvPr>
+            <p:ph type="body" idx="1"/>
+          </p:nvPr>
+        </p:nvSpPr>
+        <p:spPr/>
+        <p:txBody>
+          <a:bodyPr/>
+          <a:lstStyle/>
+          <a:p>
+            <a:r>
+              <a:rPr lang="da-DK" dirty="0"/>
+              <a:t>A variable </a:t>
+            </a:r>
+            <a:r>
+              <a:rPr lang="da-DK" dirty="0" err="1"/>
+              <a:t>can</a:t>
+            </a:r>
+            <a:r>
+              <a:rPr lang="da-DK" dirty="0"/>
+              <a:t> have type </a:t>
+            </a:r>
+            <a:r>
+              <a:rPr lang="da-DK" dirty="0" err="1"/>
+              <a:t>that</a:t>
+            </a:r>
+            <a:r>
+              <a:rPr lang="da-DK" dirty="0"/>
+              <a:t> is an abstract class</a:t>
+            </a:r>
+          </a:p>
+          <a:p>
+            <a:r>
+              <a:rPr lang="da-DK" dirty="0"/>
+              <a:t>Int / </a:t>
+            </a:r>
+            <a:r>
+              <a:rPr lang="da-DK" dirty="0" err="1"/>
+              <a:t>int</a:t>
+            </a:r>
+            <a:r>
+              <a:rPr lang="da-DK" dirty="0"/>
+              <a:t> returns </a:t>
+            </a:r>
+            <a:r>
+              <a:rPr lang="da-DK" dirty="0" err="1"/>
+              <a:t>int</a:t>
+            </a:r>
+            <a:r>
+              <a:rPr lang="da-DK" dirty="0"/>
+              <a:t> (</a:t>
+            </a:r>
+            <a:r>
+              <a:rPr lang="da-DK" dirty="0" err="1"/>
+              <a:t>integer</a:t>
+            </a:r>
+            <a:r>
+              <a:rPr lang="da-DK" dirty="0"/>
+              <a:t> division), </a:t>
+            </a:r>
+            <a:r>
+              <a:rPr lang="da-DK" dirty="0" err="1"/>
+              <a:t>whereas</a:t>
+            </a:r>
+            <a:r>
+              <a:rPr lang="da-DK" dirty="0"/>
+              <a:t> x / y is type double </a:t>
+            </a:r>
+            <a:r>
+              <a:rPr lang="da-DK" dirty="0" err="1"/>
+              <a:t>if</a:t>
+            </a:r>
+            <a:r>
+              <a:rPr lang="da-DK" dirty="0"/>
+              <a:t> x and/or y is double</a:t>
+            </a:r>
+          </a:p>
+        </p:txBody>
+      </p:sp>
+      <p:sp>
+        <p:nvSpPr>
+          <p:cNvPr id="4" name="Slide Number Placeholder 3"/>
+          <p:cNvSpPr>
+            <a:spLocks noGrp="1"/>
+          </p:cNvSpPr>
+          <p:nvPr>
+            <p:ph type="sldNum" sz="quarter" idx="5"/>
+          </p:nvPr>
+        </p:nvSpPr>
+        <p:spPr/>
+        <p:txBody>
+          <a:bodyPr/>
+          <a:lstStyle/>
+          <a:p>
+            <a:fld id="{CD563DD8-32AB-41BE-B1C6-8EAC45222ACE}" type="slidenum">
+              <a:rPr lang="en-US" smtClean="0"/>
+              <a:t>20</a:t>
+            </a:fld>
+            <a:endParaRPr lang="en-US"/>
+          </a:p>
+        </p:txBody>
+      </p:sp>
+    </p:spTree>
+    <p:extLst>
+      <p:ext uri="{BB962C8B-B14F-4D97-AF65-F5344CB8AC3E}">
+        <p14:creationId xmlns:p14="http://schemas.microsoft.com/office/powerpoint/2010/main" val="3890235294"/>
+      </p:ext>
+    </p:extLst>
+  </p:cSld>
+  <p:clrMapOvr>
+    <a:masterClrMapping/>
+  </p:clrMapOvr>
+</p:notes>
+</file>
+
+<file path=ppt/notesSlides/notesSlide17.xml><?xml version="1.0" encoding="utf-8"?>
+<p:notes xmlns:a="http://schemas.openxmlformats.org/drawingml/2006/main" xmlns:r="http://schemas.openxmlformats.org/officeDocument/2006/relationships" xmlns:p="http://schemas.openxmlformats.org/presentationml/2006/main">
+  <p:cSld>
+    <p:spTree>
+      <p:nvGrpSpPr>
+        <p:cNvPr id="1" name=""/>
+        <p:cNvGrpSpPr/>
+        <p:nvPr/>
+      </p:nvGrpSpPr>
+      <p:grpSpPr>
+        <a:xfrm>
+          <a:off x="0" y="0"/>
+          <a:ext cx="0" cy="0"/>
+          <a:chOff x="0" y="0"/>
+          <a:chExt cx="0" cy="0"/>
+        </a:xfrm>
+      </p:grpSpPr>
+      <p:sp>
+        <p:nvSpPr>
+          <p:cNvPr id="2" name="Slide Image Placeholder 1"/>
+          <p:cNvSpPr>
+            <a:spLocks noGrp="1" noRot="1" noChangeAspect="1"/>
+          </p:cNvSpPr>
+          <p:nvPr>
+            <p:ph type="sldImg"/>
+          </p:nvPr>
+        </p:nvSpPr>
+        <p:spPr/>
+      </p:sp>
+      <p:sp>
+        <p:nvSpPr>
+          <p:cNvPr id="3" name="Notes Placeholder 2"/>
+          <p:cNvSpPr>
+            <a:spLocks noGrp="1"/>
+          </p:cNvSpPr>
+          <p:nvPr>
+            <p:ph type="body" idx="1"/>
+          </p:nvPr>
+        </p:nvSpPr>
+        <p:spPr/>
+        <p:txBody>
+          <a:bodyPr/>
+          <a:lstStyle/>
+          <a:p>
+            <a:r>
+              <a:rPr lang="da-DK" sz="1200" dirty="0">
+                <a:latin typeface="Courier New" panose="02070309020205020404" pitchFamily="49" charset="0"/>
+                <a:cs typeface="Courier New" panose="02070309020205020404" pitchFamily="49" charset="0"/>
+              </a:rPr>
+              <a:t>@override</a:t>
+            </a:r>
+            <a:r>
+              <a:rPr lang="da-DK" sz="1200" dirty="0"/>
+              <a:t> </a:t>
+            </a:r>
+            <a:r>
+              <a:rPr lang="da-DK" sz="1200" dirty="0" err="1"/>
+              <a:t>helps</a:t>
+            </a:r>
+            <a:r>
+              <a:rPr lang="da-DK" sz="1200" baseline="0" dirty="0"/>
+              <a:t> to spot </a:t>
+            </a:r>
+            <a:r>
+              <a:rPr lang="da-DK" sz="1200" baseline="0" dirty="0" err="1"/>
+              <a:t>misspellings</a:t>
+            </a:r>
+            <a:r>
+              <a:rPr lang="da-DK" sz="1200" baseline="0" dirty="0"/>
+              <a:t> </a:t>
+            </a:r>
+          </a:p>
+          <a:p>
+            <a:r>
+              <a:rPr lang="da-DK" sz="1200" baseline="0" dirty="0"/>
+              <a:t>If C </a:t>
+            </a:r>
+            <a:r>
+              <a:rPr lang="da-DK" sz="1200" baseline="0" dirty="0" err="1"/>
+              <a:t>does</a:t>
+            </a:r>
+            <a:r>
+              <a:rPr lang="da-DK" sz="1200" baseline="0" dirty="0"/>
+              <a:t> </a:t>
+            </a:r>
+            <a:r>
+              <a:rPr lang="da-DK" sz="1200" baseline="0" dirty="0" err="1"/>
+              <a:t>definde</a:t>
+            </a:r>
+            <a:r>
+              <a:rPr lang="da-DK" sz="1200" baseline="0" dirty="0"/>
+              <a:t> </a:t>
+            </a:r>
+            <a:r>
+              <a:rPr lang="da-DK" sz="1200" baseline="0" dirty="0" err="1"/>
+              <a:t>sayHi</a:t>
+            </a:r>
+            <a:r>
+              <a:rPr lang="da-DK" sz="1200" baseline="0" dirty="0"/>
+              <a:t>, </a:t>
+            </a:r>
+            <a:r>
+              <a:rPr lang="da-DK" sz="1200" baseline="0" dirty="0" err="1"/>
+              <a:t>we</a:t>
+            </a:r>
+            <a:r>
+              <a:rPr lang="da-DK" sz="1200" baseline="0" dirty="0"/>
+              <a:t> </a:t>
+            </a:r>
+            <a:r>
+              <a:rPr lang="da-DK" sz="1200" baseline="0" dirty="0" err="1"/>
+              <a:t>will</a:t>
+            </a:r>
+            <a:r>
+              <a:rPr lang="da-DK" sz="1200" baseline="0" dirty="0"/>
+              <a:t> </a:t>
+            </a:r>
+            <a:r>
+              <a:rPr lang="da-DK" sz="1200" baseline="0" dirty="0" err="1"/>
+              <a:t>get</a:t>
+            </a:r>
+            <a:r>
+              <a:rPr lang="da-DK" sz="1200" baseline="0" dirty="0"/>
+              <a:t> an ”</a:t>
+            </a:r>
+            <a:r>
+              <a:rPr lang="da-DK" sz="1200" baseline="0" dirty="0" err="1"/>
+              <a:t>Unresolved</a:t>
+            </a:r>
+            <a:r>
+              <a:rPr lang="da-DK" sz="1200" baseline="0" dirty="0"/>
+              <a:t> compilation problem, </a:t>
+            </a:r>
+            <a:r>
+              <a:rPr lang="da-DK" sz="1200" baseline="0" dirty="0" err="1"/>
+              <a:t>duplicate</a:t>
+            </a:r>
+            <a:r>
+              <a:rPr lang="da-DK" sz="1200" baseline="0" dirty="0"/>
+              <a:t> default </a:t>
+            </a:r>
+            <a:r>
+              <a:rPr lang="da-DK" sz="1200" baseline="0" dirty="0" err="1"/>
+              <a:t>methods</a:t>
+            </a:r>
+            <a:r>
+              <a:rPr lang="da-DK" sz="1200" baseline="0" dirty="0"/>
+              <a:t>”</a:t>
+            </a:r>
+          </a:p>
+          <a:p>
+            <a:r>
+              <a:rPr lang="da-DK" sz="1200" b="0" baseline="0" dirty="0"/>
+              <a:t>If </a:t>
+            </a:r>
+            <a:r>
+              <a:rPr lang="pt-BR" sz="1200" b="0" u="none" dirty="0">
+                <a:solidFill>
+                  <a:schemeClr val="tx1"/>
+                </a:solidFill>
+                <a:latin typeface="Courier New" panose="02070309020205020404" pitchFamily="49" charset="0"/>
+                <a:cs typeface="Courier New" panose="02070309020205020404" pitchFamily="49" charset="0"/>
+              </a:rPr>
+              <a:t>new </a:t>
+            </a:r>
+            <a:r>
+              <a:rPr lang="pt-BR" sz="1200" b="0" u="none" dirty="0">
+                <a:solidFill>
+                  <a:schemeClr val="accent1">
+                    <a:lumMod val="50000"/>
+                  </a:schemeClr>
+                </a:solidFill>
+                <a:latin typeface="Courier New" panose="02070309020205020404" pitchFamily="49" charset="0"/>
+                <a:cs typeface="Courier New" panose="02070309020205020404" pitchFamily="49" charset="0"/>
+              </a:rPr>
+              <a:t>A</a:t>
+            </a:r>
+            <a:r>
+              <a:rPr lang="pt-BR" sz="1200" b="0" u="none" dirty="0">
+                <a:solidFill>
+                  <a:schemeClr val="tx1"/>
+                </a:solidFill>
+                <a:latin typeface="Courier New" panose="02070309020205020404" pitchFamily="49" charset="0"/>
+                <a:cs typeface="Courier New" panose="02070309020205020404" pitchFamily="49" charset="0"/>
+              </a:rPr>
+              <a:t>(){} does not contain {}, then we get “</a:t>
+            </a:r>
+            <a:r>
+              <a:rPr lang="en-US" sz="1200" b="0" u="none" dirty="0">
+                <a:solidFill>
+                  <a:schemeClr val="tx1"/>
+                </a:solidFill>
+                <a:latin typeface="Courier New" panose="02070309020205020404" pitchFamily="49" charset="0"/>
+                <a:cs typeface="Courier New" panose="02070309020205020404" pitchFamily="49" charset="0"/>
+              </a:rPr>
+              <a:t>Unresolved compilation problem: Cannot instantiate the type A”</a:t>
+            </a:r>
+            <a:endParaRPr lang="da-DK" sz="1200" b="0" baseline="0" dirty="0"/>
+          </a:p>
+          <a:p>
+            <a:r>
+              <a:rPr lang="da-DK" sz="1200" baseline="0" dirty="0"/>
+              <a:t>new A() {} : A is </a:t>
+            </a:r>
+            <a:r>
+              <a:rPr lang="da-DK" sz="1200" baseline="0" dirty="0" err="1"/>
+              <a:t>class</a:t>
+            </a:r>
+            <a:r>
+              <a:rPr lang="da-DK" sz="1200" baseline="0" dirty="0"/>
+              <a:t> or interface, () is </a:t>
+            </a:r>
+            <a:r>
+              <a:rPr lang="da-DK" sz="1200" baseline="0" dirty="0" err="1"/>
+              <a:t>calling</a:t>
+            </a:r>
+            <a:r>
+              <a:rPr lang="da-DK" sz="1200" baseline="0" dirty="0"/>
+              <a:t> the </a:t>
+            </a:r>
+            <a:r>
+              <a:rPr lang="da-DK" sz="1200" baseline="0" dirty="0" err="1"/>
+              <a:t>constructor</a:t>
+            </a:r>
+            <a:r>
+              <a:rPr lang="da-DK" sz="1200" baseline="0" dirty="0"/>
+              <a:t>, {} </a:t>
+            </a:r>
+            <a:r>
+              <a:rPr lang="da-DK" sz="1200" baseline="0" dirty="0" err="1"/>
+              <a:t>can</a:t>
+            </a:r>
+            <a:r>
+              <a:rPr lang="da-DK" sz="1200" baseline="0" dirty="0"/>
+              <a:t> </a:t>
+            </a:r>
+            <a:r>
+              <a:rPr lang="da-DK" sz="1200" baseline="0" dirty="0" err="1"/>
+              <a:t>contain</a:t>
+            </a:r>
+            <a:r>
+              <a:rPr lang="da-DK" sz="1200" baseline="0" dirty="0"/>
+              <a:t> </a:t>
+            </a:r>
+            <a:r>
+              <a:rPr lang="da-DK" sz="1200" baseline="0" dirty="0" err="1"/>
+              <a:t>further</a:t>
+            </a:r>
+            <a:r>
+              <a:rPr lang="da-DK" sz="1200" baseline="0" dirty="0"/>
+              <a:t> </a:t>
+            </a:r>
+            <a:r>
+              <a:rPr lang="da-DK" sz="1200" baseline="0" dirty="0" err="1"/>
+              <a:t>class</a:t>
+            </a:r>
+            <a:r>
+              <a:rPr lang="da-DK" sz="1200" baseline="0" dirty="0"/>
+              <a:t> </a:t>
+            </a:r>
+            <a:r>
+              <a:rPr lang="da-DK" sz="1200" baseline="0" dirty="0" err="1"/>
+              <a:t>implementations</a:t>
+            </a:r>
+            <a:r>
+              <a:rPr lang="da-DK" sz="1200" baseline="0" dirty="0"/>
+              <a:t> for </a:t>
+            </a:r>
+            <a:r>
+              <a:rPr lang="da-DK" sz="1200" baseline="0" dirty="0" err="1"/>
+              <a:t>this</a:t>
+            </a:r>
+            <a:r>
+              <a:rPr lang="da-DK" sz="1200" baseline="0" dirty="0"/>
+              <a:t> </a:t>
+            </a:r>
+            <a:r>
+              <a:rPr lang="da-DK" sz="1200" baseline="0" dirty="0" err="1"/>
+              <a:t>use-once</a:t>
+            </a:r>
+            <a:r>
+              <a:rPr lang="da-DK" sz="1200" baseline="0" dirty="0"/>
+              <a:t> </a:t>
+            </a:r>
+            <a:r>
+              <a:rPr lang="da-DK" sz="1200" baseline="0" dirty="0" err="1"/>
+              <a:t>class</a:t>
+            </a:r>
+            <a:endParaRPr lang="da-DK" sz="1200" baseline="0" dirty="0"/>
+          </a:p>
+          <a:p>
+            <a:r>
+              <a:rPr lang="da-DK" sz="1200" baseline="0" dirty="0"/>
+              <a:t>purpose is to </a:t>
+            </a:r>
+            <a:r>
+              <a:rPr lang="da-DK" sz="1200" baseline="0" dirty="0" err="1"/>
+              <a:t>avoid</a:t>
+            </a:r>
+            <a:r>
+              <a:rPr lang="da-DK" sz="1200" baseline="0" dirty="0"/>
+              <a:t> </a:t>
+            </a:r>
+            <a:r>
+              <a:rPr lang="da-DK" sz="1200" baseline="0" dirty="0" err="1"/>
+              <a:t>having</a:t>
+            </a:r>
+            <a:r>
+              <a:rPr lang="da-DK" sz="1200" baseline="0" dirty="0"/>
+              <a:t> to </a:t>
+            </a:r>
+            <a:r>
+              <a:rPr lang="da-DK" sz="1200" baseline="0" dirty="0" err="1"/>
+              <a:t>name</a:t>
+            </a:r>
+            <a:r>
+              <a:rPr lang="da-DK" sz="1200" baseline="0" dirty="0"/>
+              <a:t> the class </a:t>
+            </a:r>
+            <a:endParaRPr lang="en-US" dirty="0"/>
+          </a:p>
+        </p:txBody>
+      </p:sp>
+      <p:sp>
+        <p:nvSpPr>
+          <p:cNvPr id="4" name="Slide Number Placeholder 3"/>
+          <p:cNvSpPr>
+            <a:spLocks noGrp="1"/>
+          </p:cNvSpPr>
+          <p:nvPr>
+            <p:ph type="sldNum" sz="quarter" idx="10"/>
+          </p:nvPr>
+        </p:nvSpPr>
+        <p:spPr/>
+        <p:txBody>
+          <a:bodyPr/>
+          <a:lstStyle/>
+          <a:p>
+            <a:fld id="{CD563DD8-32AB-41BE-B1C6-8EAC45222ACE}" type="slidenum">
+              <a:rPr lang="en-US" smtClean="0"/>
+              <a:t>22</a:t>
+            </a:fld>
+            <a:endParaRPr lang="en-US"/>
+          </a:p>
+        </p:txBody>
+      </p:sp>
+    </p:spTree>
+    <p:extLst>
+      <p:ext uri="{BB962C8B-B14F-4D97-AF65-F5344CB8AC3E}">
+        <p14:creationId xmlns:p14="http://schemas.microsoft.com/office/powerpoint/2010/main" val="1187833949"/>
+      </p:ext>
+    </p:extLst>
+  </p:cSld>
+  <p:clrMapOvr>
+    <a:masterClrMapping/>
+  </p:clrMapOvr>
+</p:notes>
+</file>
+
+<file path=ppt/notesSlides/notesSlide18.xml><?xml version="1.0" encoding="utf-8"?>
+<p:notes xmlns:a="http://schemas.openxmlformats.org/drawingml/2006/main" xmlns:r="http://schemas.openxmlformats.org/officeDocument/2006/relationships" xmlns:p="http://schemas.openxmlformats.org/presentationml/2006/main">
+  <p:cSld>
+    <p:spTree>
+      <p:nvGrpSpPr>
+        <p:cNvPr id="1" name=""/>
+        <p:cNvGrpSpPr/>
+        <p:nvPr/>
+      </p:nvGrpSpPr>
+      <p:grpSpPr>
+        <a:xfrm>
+          <a:off x="0" y="0"/>
+          <a:ext cx="0" cy="0"/>
+          <a:chOff x="0" y="0"/>
+          <a:chExt cx="0" cy="0"/>
+        </a:xfrm>
+      </p:grpSpPr>
+      <p:sp>
+        <p:nvSpPr>
+          <p:cNvPr id="2" name="Slide Image Placeholder 1"/>
+          <p:cNvSpPr>
+            <a:spLocks noGrp="1" noRot="1" noChangeAspect="1"/>
+          </p:cNvSpPr>
+          <p:nvPr>
+            <p:ph type="sldImg"/>
+          </p:nvPr>
+        </p:nvSpPr>
+        <p:spPr/>
+      </p:sp>
+      <p:sp>
+        <p:nvSpPr>
+          <p:cNvPr id="3" name="Notes Placeholder 2"/>
+          <p:cNvSpPr>
+            <a:spLocks noGrp="1"/>
+          </p:cNvSpPr>
+          <p:nvPr>
+            <p:ph type="body" idx="1"/>
+          </p:nvPr>
+        </p:nvSpPr>
+        <p:spPr/>
+        <p:txBody>
+          <a:bodyPr/>
+          <a:lstStyle/>
+          <a:p>
+            <a:r>
+              <a:rPr lang="en-US" dirty="0"/>
+              <a:t>In Python lambda has been available since version 1.0</a:t>
+            </a:r>
           </a:p>
         </p:txBody>
       </p:sp>
@@ -1684,7 +2259,7 @@
 </p:notes>
 </file>
 
-<file path=ppt/notesSlides/notesSlide15.xml><?xml version="1.0" encoding="utf-8"?>
+<file path=ppt/notesSlides/notesSlide19.xml><?xml version="1.0" encoding="utf-8"?>
 <p:notes xmlns:a="http://schemas.openxmlformats.org/drawingml/2006/main" xmlns:r="http://schemas.openxmlformats.org/officeDocument/2006/relationships" xmlns:p="http://schemas.openxmlformats.org/presentationml/2006/main">
   <p:cSld>
     <p:spTree>
@@ -2033,6 +2608,90 @@
           <a:bodyPr/>
           <a:lstStyle/>
           <a:p>
+            <a:endParaRPr lang="da-DK" dirty="0"/>
+          </a:p>
+        </p:txBody>
+      </p:sp>
+      <p:sp>
+        <p:nvSpPr>
+          <p:cNvPr id="4" name="Slide Number Placeholder 3"/>
+          <p:cNvSpPr>
+            <a:spLocks noGrp="1"/>
+          </p:cNvSpPr>
+          <p:nvPr>
+            <p:ph type="sldNum" sz="quarter" idx="5"/>
+          </p:nvPr>
+        </p:nvSpPr>
+        <p:spPr/>
+        <p:txBody>
+          <a:bodyPr/>
+          <a:lstStyle/>
+          <a:p>
+            <a:fld id="{CD563DD8-32AB-41BE-B1C6-8EAC45222ACE}" type="slidenum">
+              <a:rPr lang="en-US" smtClean="0"/>
+              <a:t>5</a:t>
+            </a:fld>
+            <a:endParaRPr lang="en-US"/>
+          </a:p>
+        </p:txBody>
+      </p:sp>
+    </p:spTree>
+    <p:extLst>
+      <p:ext uri="{BB962C8B-B14F-4D97-AF65-F5344CB8AC3E}">
+        <p14:creationId xmlns:p14="http://schemas.microsoft.com/office/powerpoint/2010/main" val="3787067792"/>
+      </p:ext>
+    </p:extLst>
+  </p:cSld>
+  <p:clrMapOvr>
+    <a:masterClrMapping/>
+  </p:clrMapOvr>
+</p:notes>
+</file>
+
+<file path=ppt/notesSlides/notesSlide5.xml><?xml version="1.0" encoding="utf-8"?>
+<p:notes xmlns:a="http://schemas.openxmlformats.org/drawingml/2006/main" xmlns:r="http://schemas.openxmlformats.org/officeDocument/2006/relationships" xmlns:p="http://schemas.openxmlformats.org/presentationml/2006/main">
+  <p:cSld>
+    <p:spTree>
+      <p:nvGrpSpPr>
+        <p:cNvPr id="1" name=""/>
+        <p:cNvGrpSpPr/>
+        <p:nvPr/>
+      </p:nvGrpSpPr>
+      <p:grpSpPr>
+        <a:xfrm>
+          <a:off x="0" y="0"/>
+          <a:ext cx="0" cy="0"/>
+          <a:chOff x="0" y="0"/>
+          <a:chExt cx="0" cy="0"/>
+        </a:xfrm>
+      </p:grpSpPr>
+      <p:sp>
+        <p:nvSpPr>
+          <p:cNvPr id="2" name="Slide Image Placeholder 1"/>
+          <p:cNvSpPr>
+            <a:spLocks noGrp="1" noRot="1" noChangeAspect="1"/>
+          </p:cNvSpPr>
+          <p:nvPr>
+            <p:ph type="sldImg"/>
+          </p:nvPr>
+        </p:nvSpPr>
+        <p:spPr/>
+      </p:sp>
+      <p:sp>
+        <p:nvSpPr>
+          <p:cNvPr id="3" name="Notes Placeholder 2"/>
+          <p:cNvSpPr>
+            <a:spLocks noGrp="1"/>
+          </p:cNvSpPr>
+          <p:nvPr>
+            <p:ph type="body" idx="1"/>
+          </p:nvPr>
+        </p:nvSpPr>
+        <p:spPr/>
+        <p:txBody>
+          <a:bodyPr/>
+          <a:lstStyle/>
+          <a:p>
             <a:r>
               <a:rPr lang="da-DK" dirty="0"/>
               <a:t>”</a:t>
@@ -2132,7 +2791,207 @@
 </p:notes>
 </file>
 
-<file path=ppt/notesSlides/notesSlide5.xml><?xml version="1.0" encoding="utf-8"?>
+<file path=ppt/notesSlides/notesSlide6.xml><?xml version="1.0" encoding="utf-8"?>
+<p:notes xmlns:a="http://schemas.openxmlformats.org/drawingml/2006/main" xmlns:r="http://schemas.openxmlformats.org/officeDocument/2006/relationships" xmlns:p="http://schemas.openxmlformats.org/presentationml/2006/main">
+  <p:cSld>
+    <p:spTree>
+      <p:nvGrpSpPr>
+        <p:cNvPr id="1" name=""/>
+        <p:cNvGrpSpPr/>
+        <p:nvPr/>
+      </p:nvGrpSpPr>
+      <p:grpSpPr>
+        <a:xfrm>
+          <a:off x="0" y="0"/>
+          <a:ext cx="0" cy="0"/>
+          <a:chOff x="0" y="0"/>
+          <a:chExt cx="0" cy="0"/>
+        </a:xfrm>
+      </p:grpSpPr>
+      <p:sp>
+        <p:nvSpPr>
+          <p:cNvPr id="2" name="Slide Image Placeholder 1"/>
+          <p:cNvSpPr>
+            <a:spLocks noGrp="1" noRot="1" noChangeAspect="1"/>
+          </p:cNvSpPr>
+          <p:nvPr>
+            <p:ph type="sldImg"/>
+          </p:nvPr>
+        </p:nvSpPr>
+        <p:spPr/>
+      </p:sp>
+      <p:sp>
+        <p:nvSpPr>
+          <p:cNvPr id="3" name="Notes Placeholder 2"/>
+          <p:cNvSpPr>
+            <a:spLocks noGrp="1"/>
+          </p:cNvSpPr>
+          <p:nvPr>
+            <p:ph type="body" idx="1"/>
+          </p:nvPr>
+        </p:nvSpPr>
+        <p:spPr/>
+        <p:txBody>
+          <a:bodyPr/>
+          <a:lstStyle/>
+          <a:p>
+            <a:r>
+              <a:rPr lang="en-US" dirty="0"/>
+              <a:t>In Python </a:t>
+            </a:r>
+            <a:r>
+              <a:rPr lang="en-US" b="1" dirty="0" err="1"/>
+              <a:t>sys.argv</a:t>
+            </a:r>
+            <a:r>
+              <a:rPr lang="en-US" b="1" dirty="0"/>
+              <a:t> </a:t>
+            </a:r>
+            <a:r>
+              <a:rPr lang="en-US" b="0" dirty="0"/>
+              <a:t>contains the same arguments, except that </a:t>
+            </a:r>
+            <a:r>
+              <a:rPr lang="en-US" b="0" dirty="0" err="1"/>
+              <a:t>sys.argv</a:t>
+            </a:r>
+            <a:r>
+              <a:rPr lang="en-US" b="0" dirty="0"/>
+              <a:t>[0] is the name of the program executed.</a:t>
+            </a:r>
+            <a:endParaRPr lang="da-DK" b="1" dirty="0"/>
+          </a:p>
+        </p:txBody>
+      </p:sp>
+      <p:sp>
+        <p:nvSpPr>
+          <p:cNvPr id="4" name="Slide Number Placeholder 3"/>
+          <p:cNvSpPr>
+            <a:spLocks noGrp="1"/>
+          </p:cNvSpPr>
+          <p:nvPr>
+            <p:ph type="sldNum" sz="quarter" idx="5"/>
+          </p:nvPr>
+        </p:nvSpPr>
+        <p:spPr/>
+        <p:txBody>
+          <a:bodyPr/>
+          <a:lstStyle/>
+          <a:p>
+            <a:fld id="{CD563DD8-32AB-41BE-B1C6-8EAC45222ACE}" type="slidenum">
+              <a:rPr lang="en-US" smtClean="0"/>
+              <a:t>7</a:t>
+            </a:fld>
+            <a:endParaRPr lang="en-US"/>
+          </a:p>
+        </p:txBody>
+      </p:sp>
+    </p:spTree>
+    <p:extLst>
+      <p:ext uri="{BB962C8B-B14F-4D97-AF65-F5344CB8AC3E}">
+        <p14:creationId xmlns:p14="http://schemas.microsoft.com/office/powerpoint/2010/main" val="14692672"/>
+      </p:ext>
+    </p:extLst>
+  </p:cSld>
+  <p:clrMapOvr>
+    <a:masterClrMapping/>
+  </p:clrMapOvr>
+</p:notes>
+</file>
+
+<file path=ppt/notesSlides/notesSlide7.xml><?xml version="1.0" encoding="utf-8"?>
+<p:notes xmlns:a="http://schemas.openxmlformats.org/drawingml/2006/main" xmlns:r="http://schemas.openxmlformats.org/officeDocument/2006/relationships" xmlns:p="http://schemas.openxmlformats.org/presentationml/2006/main">
+  <p:cSld>
+    <p:spTree>
+      <p:nvGrpSpPr>
+        <p:cNvPr id="1" name=""/>
+        <p:cNvGrpSpPr/>
+        <p:nvPr/>
+      </p:nvGrpSpPr>
+      <p:grpSpPr>
+        <a:xfrm>
+          <a:off x="0" y="0"/>
+          <a:ext cx="0" cy="0"/>
+          <a:chOff x="0" y="0"/>
+          <a:chExt cx="0" cy="0"/>
+        </a:xfrm>
+      </p:grpSpPr>
+      <p:sp>
+        <p:nvSpPr>
+          <p:cNvPr id="2" name="Slide Image Placeholder 1"/>
+          <p:cNvSpPr>
+            <a:spLocks noGrp="1" noRot="1" noChangeAspect="1"/>
+          </p:cNvSpPr>
+          <p:nvPr>
+            <p:ph type="sldImg"/>
+          </p:nvPr>
+        </p:nvSpPr>
+        <p:spPr/>
+      </p:sp>
+      <p:sp>
+        <p:nvSpPr>
+          <p:cNvPr id="3" name="Notes Placeholder 2"/>
+          <p:cNvSpPr>
+            <a:spLocks noGrp="1"/>
+          </p:cNvSpPr>
+          <p:nvPr>
+            <p:ph type="body" idx="1"/>
+          </p:nvPr>
+        </p:nvSpPr>
+        <p:spPr/>
+        <p:txBody>
+          <a:bodyPr/>
+          <a:lstStyle/>
+          <a:p>
+            <a:r>
+              <a:rPr lang="en-US" dirty="0"/>
+              <a:t>There exist standard library classes that support arbitrary size arrays like class </a:t>
+            </a:r>
+            <a:r>
+              <a:rPr lang="en-US" b="1" dirty="0" err="1"/>
+              <a:t>ArrayList</a:t>
+            </a:r>
+            <a:endParaRPr lang="da-DK" b="1" dirty="0"/>
+          </a:p>
+        </p:txBody>
+      </p:sp>
+      <p:sp>
+        <p:nvSpPr>
+          <p:cNvPr id="4" name="Slide Number Placeholder 3"/>
+          <p:cNvSpPr>
+            <a:spLocks noGrp="1"/>
+          </p:cNvSpPr>
+          <p:nvPr>
+            <p:ph type="sldNum" sz="quarter" idx="5"/>
+          </p:nvPr>
+        </p:nvSpPr>
+        <p:spPr/>
+        <p:txBody>
+          <a:bodyPr/>
+          <a:lstStyle/>
+          <a:p>
+            <a:fld id="{CD563DD8-32AB-41BE-B1C6-8EAC45222ACE}" type="slidenum">
+              <a:rPr lang="en-US" smtClean="0"/>
+              <a:t>8</a:t>
+            </a:fld>
+            <a:endParaRPr lang="en-US"/>
+          </a:p>
+        </p:txBody>
+      </p:sp>
+    </p:spTree>
+    <p:extLst>
+      <p:ext uri="{BB962C8B-B14F-4D97-AF65-F5344CB8AC3E}">
+        <p14:creationId xmlns:p14="http://schemas.microsoft.com/office/powerpoint/2010/main" val="3013908770"/>
+      </p:ext>
+    </p:extLst>
+  </p:cSld>
+  <p:clrMapOvr>
+    <a:masterClrMapping/>
+  </p:clrMapOvr>
+</p:notes>
+</file>
+
+<file path=ppt/notesSlides/notesSlide8.xml><?xml version="1.0" encoding="utf-8"?>
 <p:notes xmlns:a="http://schemas.openxmlformats.org/drawingml/2006/main" xmlns:r="http://schemas.openxmlformats.org/officeDocument/2006/relationships" xmlns:p="http://schemas.openxmlformats.org/presentationml/2006/main">
   <p:cSld>
     <p:spTree>
@@ -2216,445 +3075,6 @@
 </p:notes>
 </file>
 
-<file path=ppt/notesSlides/notesSlide6.xml><?xml version="1.0" encoding="utf-8"?>
-<p:notes xmlns:a="http://schemas.openxmlformats.org/drawingml/2006/main" xmlns:r="http://schemas.openxmlformats.org/officeDocument/2006/relationships" xmlns:p="http://schemas.openxmlformats.org/presentationml/2006/main">
-  <p:cSld>
-    <p:spTree>
-      <p:nvGrpSpPr>
-        <p:cNvPr id="1" name=""/>
-        <p:cNvGrpSpPr/>
-        <p:nvPr/>
-      </p:nvGrpSpPr>
-      <p:grpSpPr>
-        <a:xfrm>
-          <a:off x="0" y="0"/>
-          <a:ext cx="0" cy="0"/>
-          <a:chOff x="0" y="0"/>
-          <a:chExt cx="0" cy="0"/>
-        </a:xfrm>
-      </p:grpSpPr>
-      <p:sp>
-        <p:nvSpPr>
-          <p:cNvPr id="2" name="Slide Image Placeholder 1"/>
-          <p:cNvSpPr>
-            <a:spLocks noGrp="1" noRot="1" noChangeAspect="1"/>
-          </p:cNvSpPr>
-          <p:nvPr>
-            <p:ph type="sldImg"/>
-          </p:nvPr>
-        </p:nvSpPr>
-        <p:spPr/>
-      </p:sp>
-      <p:sp>
-        <p:nvSpPr>
-          <p:cNvPr id="3" name="Notes Placeholder 2"/>
-          <p:cNvSpPr>
-            <a:spLocks noGrp="1"/>
-          </p:cNvSpPr>
-          <p:nvPr>
-            <p:ph type="body" idx="1"/>
-          </p:nvPr>
-        </p:nvSpPr>
-        <p:spPr/>
-        <p:txBody>
-          <a:bodyPr/>
-          <a:lstStyle/>
-          <a:p>
-            <a:r>
-              <a:rPr lang="da-DK" dirty="0"/>
-              <a:t>byte</a:t>
-            </a:r>
-            <a:r>
-              <a:rPr lang="da-DK" baseline="0" dirty="0"/>
-              <a:t> = </a:t>
-            </a:r>
-            <a:r>
-              <a:rPr lang="en-US" dirty="0"/>
-              <a:t>-128 to 127</a:t>
-            </a:r>
-            <a:endParaRPr lang="da-DK" dirty="0"/>
-          </a:p>
-          <a:p>
-            <a:r>
-              <a:rPr lang="da-DK" dirty="0" err="1"/>
-              <a:t>BigInteger</a:t>
-            </a:r>
-            <a:r>
-              <a:rPr lang="da-DK" dirty="0"/>
-              <a:t> have a </a:t>
-            </a:r>
-            <a:r>
-              <a:rPr lang="da-DK" dirty="0" err="1"/>
-              <a:t>toString</a:t>
-            </a:r>
-            <a:r>
-              <a:rPr lang="da-DK" dirty="0"/>
-              <a:t> </a:t>
-            </a:r>
-            <a:r>
-              <a:rPr lang="da-DK" dirty="0" err="1"/>
-              <a:t>method</a:t>
-            </a:r>
-            <a:r>
-              <a:rPr lang="da-DK" dirty="0"/>
-              <a:t>, </a:t>
-            </a:r>
-            <a:r>
-              <a:rPr lang="da-DK" dirty="0" err="1"/>
-              <a:t>like</a:t>
-            </a:r>
-            <a:r>
-              <a:rPr lang="da-DK" dirty="0"/>
-              <a:t> </a:t>
-            </a:r>
-            <a:r>
-              <a:rPr lang="da-DK" dirty="0" err="1"/>
-              <a:t>Python</a:t>
-            </a:r>
-            <a:r>
-              <a:rPr lang="da-DK" dirty="0"/>
-              <a:t> __</a:t>
-            </a:r>
-            <a:r>
-              <a:rPr lang="da-DK" dirty="0" err="1"/>
-              <a:t>str</a:t>
-            </a:r>
-            <a:r>
-              <a:rPr lang="da-DK" dirty="0"/>
-              <a:t>__</a:t>
-            </a:r>
-            <a:r>
-              <a:rPr lang="da-DK" baseline="0" dirty="0"/>
-              <a:t> </a:t>
-            </a:r>
-            <a:r>
-              <a:rPr lang="da-DK" baseline="0" dirty="0" err="1"/>
-              <a:t>method</a:t>
-            </a:r>
-            <a:r>
-              <a:rPr lang="da-DK" baseline="0" dirty="0"/>
-              <a:t>, and </a:t>
-            </a:r>
-            <a:r>
-              <a:rPr lang="da-DK" baseline="0" dirty="0" err="1"/>
-              <a:t>str</a:t>
-            </a:r>
-            <a:r>
-              <a:rPr lang="da-DK" baseline="0" dirty="0"/>
-              <a:t>(x)</a:t>
-            </a:r>
-          </a:p>
-          <a:p>
-            <a:r>
-              <a:rPr lang="da-DK" baseline="0" dirty="0"/>
-              <a:t>Java </a:t>
-            </a:r>
-            <a:r>
-              <a:rPr lang="da-DK" baseline="0" dirty="0" err="1"/>
-              <a:t>does</a:t>
-            </a:r>
-            <a:r>
-              <a:rPr lang="da-DK" baseline="0" dirty="0"/>
-              <a:t> not </a:t>
-            </a:r>
-            <a:r>
-              <a:rPr lang="da-DK" baseline="0" dirty="0" err="1"/>
-              <a:t>allow</a:t>
-            </a:r>
-            <a:r>
-              <a:rPr lang="da-DK" baseline="0" dirty="0"/>
-              <a:t> </a:t>
-            </a:r>
-            <a:r>
-              <a:rPr lang="da-DK" baseline="0" dirty="0" err="1"/>
-              <a:t>uses</a:t>
-            </a:r>
-            <a:r>
-              <a:rPr lang="da-DK" baseline="0" dirty="0"/>
-              <a:t> to overload operators, so </a:t>
-            </a:r>
-            <a:r>
-              <a:rPr lang="da-DK" baseline="0" dirty="0" err="1"/>
-              <a:t>we</a:t>
-            </a:r>
-            <a:r>
-              <a:rPr lang="da-DK" baseline="0" dirty="0"/>
-              <a:t> have to </a:t>
-            </a:r>
-            <a:r>
-              <a:rPr lang="da-DK" baseline="0" dirty="0" err="1"/>
-              <a:t>write</a:t>
-            </a:r>
-            <a:r>
-              <a:rPr lang="da-DK" baseline="0" dirty="0"/>
-              <a:t> </a:t>
-            </a:r>
-            <a:r>
-              <a:rPr lang="da-DK" baseline="0" dirty="0" err="1"/>
-              <a:t>x.multiply</a:t>
-            </a:r>
-            <a:r>
-              <a:rPr lang="da-DK" baseline="0" dirty="0"/>
-              <a:t>(x) </a:t>
-            </a:r>
-            <a:r>
-              <a:rPr lang="da-DK" baseline="0" dirty="0" err="1"/>
-              <a:t>instead</a:t>
-            </a:r>
-            <a:r>
-              <a:rPr lang="da-DK" baseline="0" dirty="0"/>
-              <a:t> of x * x</a:t>
-            </a:r>
-            <a:endParaRPr lang="en-US" dirty="0"/>
-          </a:p>
-        </p:txBody>
-      </p:sp>
-      <p:sp>
-        <p:nvSpPr>
-          <p:cNvPr id="4" name="Slide Number Placeholder 3"/>
-          <p:cNvSpPr>
-            <a:spLocks noGrp="1"/>
-          </p:cNvSpPr>
-          <p:nvPr>
-            <p:ph type="sldNum" sz="quarter" idx="10"/>
-          </p:nvPr>
-        </p:nvSpPr>
-        <p:spPr/>
-        <p:txBody>
-          <a:bodyPr/>
-          <a:lstStyle/>
-          <a:p>
-            <a:fld id="{CD563DD8-32AB-41BE-B1C6-8EAC45222ACE}" type="slidenum">
-              <a:rPr lang="en-US" smtClean="0"/>
-              <a:t>12</a:t>
-            </a:fld>
-            <a:endParaRPr lang="en-US"/>
-          </a:p>
-        </p:txBody>
-      </p:sp>
-    </p:spTree>
-    <p:extLst>
-      <p:ext uri="{BB962C8B-B14F-4D97-AF65-F5344CB8AC3E}">
-        <p14:creationId xmlns:p14="http://schemas.microsoft.com/office/powerpoint/2010/main" val="4065296491"/>
-      </p:ext>
-    </p:extLst>
-  </p:cSld>
-  <p:clrMapOvr>
-    <a:masterClrMapping/>
-  </p:clrMapOvr>
-</p:notes>
-</file>
-
-<file path=ppt/notesSlides/notesSlide7.xml><?xml version="1.0" encoding="utf-8"?>
-<p:notes xmlns:a="http://schemas.openxmlformats.org/drawingml/2006/main" xmlns:r="http://schemas.openxmlformats.org/officeDocument/2006/relationships" xmlns:p="http://schemas.openxmlformats.org/presentationml/2006/main">
-  <p:cSld>
-    <p:spTree>
-      <p:nvGrpSpPr>
-        <p:cNvPr id="1" name=""/>
-        <p:cNvGrpSpPr/>
-        <p:nvPr/>
-      </p:nvGrpSpPr>
-      <p:grpSpPr>
-        <a:xfrm>
-          <a:off x="0" y="0"/>
-          <a:ext cx="0" cy="0"/>
-          <a:chOff x="0" y="0"/>
-          <a:chExt cx="0" cy="0"/>
-        </a:xfrm>
-      </p:grpSpPr>
-      <p:sp>
-        <p:nvSpPr>
-          <p:cNvPr id="2" name="Slide Image Placeholder 1"/>
-          <p:cNvSpPr>
-            <a:spLocks noGrp="1" noRot="1" noChangeAspect="1"/>
-          </p:cNvSpPr>
-          <p:nvPr>
-            <p:ph type="sldImg"/>
-          </p:nvPr>
-        </p:nvSpPr>
-        <p:spPr/>
-      </p:sp>
-      <p:sp>
-        <p:nvSpPr>
-          <p:cNvPr id="3" name="Notes Placeholder 2"/>
-          <p:cNvSpPr>
-            <a:spLocks noGrp="1"/>
-          </p:cNvSpPr>
-          <p:nvPr>
-            <p:ph type="body" idx="1"/>
-          </p:nvPr>
-        </p:nvSpPr>
-        <p:spPr/>
-        <p:txBody>
-          <a:bodyPr/>
-          <a:lstStyle/>
-          <a:p>
-            <a:r>
-              <a:rPr lang="en-US" dirty="0" err="1"/>
-              <a:t>ArrayList</a:t>
-            </a:r>
-            <a:r>
-              <a:rPr lang="en-US" b="1" dirty="0"/>
-              <a:t>&lt;&gt;</a:t>
-            </a:r>
-            <a:r>
-              <a:rPr lang="en-US" dirty="0"/>
-              <a:t> x = new </a:t>
-            </a:r>
-            <a:r>
-              <a:rPr lang="en-US" dirty="0" err="1"/>
-              <a:t>ArrayList</a:t>
-            </a:r>
-            <a:r>
-              <a:rPr lang="en-US" dirty="0"/>
-              <a:t>&lt;String&gt;();  --- </a:t>
-            </a:r>
-            <a:r>
-              <a:rPr lang="en-US" b="1" dirty="0"/>
-              <a:t>does not work</a:t>
-            </a:r>
-          </a:p>
-          <a:p>
-            <a:endParaRPr lang="en-US" dirty="0"/>
-          </a:p>
-        </p:txBody>
-      </p:sp>
-      <p:sp>
-        <p:nvSpPr>
-          <p:cNvPr id="4" name="Slide Number Placeholder 3"/>
-          <p:cNvSpPr>
-            <a:spLocks noGrp="1"/>
-          </p:cNvSpPr>
-          <p:nvPr>
-            <p:ph type="sldNum" sz="quarter" idx="10"/>
-          </p:nvPr>
-        </p:nvSpPr>
-        <p:spPr/>
-        <p:txBody>
-          <a:bodyPr/>
-          <a:lstStyle/>
-          <a:p>
-            <a:fld id="{CD563DD8-32AB-41BE-B1C6-8EAC45222ACE}" type="slidenum">
-              <a:rPr lang="en-US" smtClean="0"/>
-              <a:t>14</a:t>
-            </a:fld>
-            <a:endParaRPr lang="en-US"/>
-          </a:p>
-        </p:txBody>
-      </p:sp>
-    </p:spTree>
-    <p:extLst>
-      <p:ext uri="{BB962C8B-B14F-4D97-AF65-F5344CB8AC3E}">
-        <p14:creationId xmlns:p14="http://schemas.microsoft.com/office/powerpoint/2010/main" val="2363256891"/>
-      </p:ext>
-    </p:extLst>
-  </p:cSld>
-  <p:clrMapOvr>
-    <a:masterClrMapping/>
-  </p:clrMapOvr>
-</p:notes>
-</file>
-
-<file path=ppt/notesSlides/notesSlide8.xml><?xml version="1.0" encoding="utf-8"?>
-<p:notes xmlns:a="http://schemas.openxmlformats.org/drawingml/2006/main" xmlns:r="http://schemas.openxmlformats.org/officeDocument/2006/relationships" xmlns:p="http://schemas.openxmlformats.org/presentationml/2006/main">
-  <p:cSld>
-    <p:spTree>
-      <p:nvGrpSpPr>
-        <p:cNvPr id="1" name=""/>
-        <p:cNvGrpSpPr/>
-        <p:nvPr/>
-      </p:nvGrpSpPr>
-      <p:grpSpPr>
-        <a:xfrm>
-          <a:off x="0" y="0"/>
-          <a:ext cx="0" cy="0"/>
-          <a:chOff x="0" y="0"/>
-          <a:chExt cx="0" cy="0"/>
-        </a:xfrm>
-      </p:grpSpPr>
-      <p:sp>
-        <p:nvSpPr>
-          <p:cNvPr id="2" name="Slide Image Placeholder 1"/>
-          <p:cNvSpPr>
-            <a:spLocks noGrp="1" noRot="1" noChangeAspect="1"/>
-          </p:cNvSpPr>
-          <p:nvPr>
-            <p:ph type="sldImg"/>
-          </p:nvPr>
-        </p:nvSpPr>
-        <p:spPr/>
-      </p:sp>
-      <p:sp>
-        <p:nvSpPr>
-          <p:cNvPr id="3" name="Notes Placeholder 2"/>
-          <p:cNvSpPr>
-            <a:spLocks noGrp="1"/>
-          </p:cNvSpPr>
-          <p:nvPr>
-            <p:ph type="body" idx="1"/>
-          </p:nvPr>
-        </p:nvSpPr>
-        <p:spPr/>
-        <p:txBody>
-          <a:bodyPr/>
-          <a:lstStyle/>
-          <a:p>
-            <a:r>
-              <a:rPr lang="en-US" dirty="0"/>
-              <a:t>+ = example</a:t>
-            </a:r>
-            <a:r>
-              <a:rPr lang="en-US" baseline="0" dirty="0"/>
-              <a:t> of </a:t>
-            </a:r>
-            <a:r>
-              <a:rPr lang="en-US" baseline="0" dirty="0" err="1"/>
-              <a:t>builtin</a:t>
-            </a:r>
-            <a:r>
-              <a:rPr lang="en-US" baseline="0" dirty="0"/>
-              <a:t> overloaded operator</a:t>
-            </a:r>
-            <a:endParaRPr lang="en-US" dirty="0"/>
-          </a:p>
-        </p:txBody>
-      </p:sp>
-      <p:sp>
-        <p:nvSpPr>
-          <p:cNvPr id="4" name="Slide Number Placeholder 3"/>
-          <p:cNvSpPr>
-            <a:spLocks noGrp="1"/>
-          </p:cNvSpPr>
-          <p:nvPr>
-            <p:ph type="sldNum" sz="quarter" idx="10"/>
-          </p:nvPr>
-        </p:nvSpPr>
-        <p:spPr/>
-        <p:txBody>
-          <a:bodyPr/>
-          <a:lstStyle/>
-          <a:p>
-            <a:fld id="{CD563DD8-32AB-41BE-B1C6-8EAC45222ACE}" type="slidenum">
-              <a:rPr lang="en-US" smtClean="0"/>
-              <a:t>15</a:t>
-            </a:fld>
-            <a:endParaRPr lang="en-US"/>
-          </a:p>
-        </p:txBody>
-      </p:sp>
-    </p:spTree>
-    <p:extLst>
-      <p:ext uri="{BB962C8B-B14F-4D97-AF65-F5344CB8AC3E}">
-        <p14:creationId xmlns:p14="http://schemas.microsoft.com/office/powerpoint/2010/main" val="3028435154"/>
-      </p:ext>
-    </p:extLst>
-  </p:cSld>
-  <p:clrMapOvr>
-    <a:masterClrMapping/>
-  </p:clrMapOvr>
-</p:notes>
-</file>
-
 <file path=ppt/notesSlides/notesSlide9.xml><?xml version="1.0" encoding="utf-8"?>
 <p:notes xmlns:a="http://schemas.openxmlformats.org/drawingml/2006/main" xmlns:r="http://schemas.openxmlformats.org/officeDocument/2006/relationships" xmlns:p="http://schemas.openxmlformats.org/presentationml/2006/main">
   <p:cSld>
@@ -2700,12 +3120,149 @@
           <a:lstStyle/>
           <a:p>
             <a:r>
+              <a:rPr lang="da-DK" dirty="0"/>
+              <a:t>byte</a:t>
+            </a:r>
+            <a:r>
+              <a:rPr lang="da-DK" baseline="0" dirty="0"/>
+              <a:t> = </a:t>
+            </a:r>
+            <a:r>
               <a:rPr lang="en-US" dirty="0"/>
-              <a:t>when having multiple</a:t>
-            </a:r>
-            <a:r>
-              <a:rPr lang="en-US" baseline="0" dirty="0"/>
-              <a:t> class definitions in a file, only one can be public – and must have same name as the file.</a:t>
+              <a:t>-128 to 127</a:t>
+            </a:r>
+            <a:endParaRPr lang="da-DK" dirty="0"/>
+          </a:p>
+          <a:p>
+            <a:r>
+              <a:rPr lang="da-DK" dirty="0" err="1"/>
+              <a:t>BigInteger</a:t>
+            </a:r>
+            <a:r>
+              <a:rPr lang="da-DK" dirty="0"/>
+              <a:t> have a </a:t>
+            </a:r>
+            <a:r>
+              <a:rPr lang="da-DK" dirty="0" err="1"/>
+              <a:t>toString</a:t>
+            </a:r>
+            <a:r>
+              <a:rPr lang="da-DK" dirty="0"/>
+              <a:t> </a:t>
+            </a:r>
+            <a:r>
+              <a:rPr lang="da-DK" dirty="0" err="1"/>
+              <a:t>method</a:t>
+            </a:r>
+            <a:r>
+              <a:rPr lang="da-DK" dirty="0"/>
+              <a:t>, </a:t>
+            </a:r>
+            <a:r>
+              <a:rPr lang="da-DK" dirty="0" err="1"/>
+              <a:t>like</a:t>
+            </a:r>
+            <a:r>
+              <a:rPr lang="da-DK" dirty="0"/>
+              <a:t> </a:t>
+            </a:r>
+            <a:r>
+              <a:rPr lang="da-DK" dirty="0" err="1"/>
+              <a:t>Python</a:t>
+            </a:r>
+            <a:r>
+              <a:rPr lang="da-DK" dirty="0"/>
+              <a:t> __</a:t>
+            </a:r>
+            <a:r>
+              <a:rPr lang="da-DK" dirty="0" err="1"/>
+              <a:t>str</a:t>
+            </a:r>
+            <a:r>
+              <a:rPr lang="da-DK" dirty="0"/>
+              <a:t>__</a:t>
+            </a:r>
+            <a:r>
+              <a:rPr lang="da-DK" baseline="0" dirty="0"/>
+              <a:t> </a:t>
+            </a:r>
+            <a:r>
+              <a:rPr lang="da-DK" baseline="0" dirty="0" err="1"/>
+              <a:t>method</a:t>
+            </a:r>
+            <a:r>
+              <a:rPr lang="da-DK" baseline="0" dirty="0"/>
+              <a:t>, and </a:t>
+            </a:r>
+            <a:r>
+              <a:rPr lang="da-DK" baseline="0" dirty="0" err="1"/>
+              <a:t>str</a:t>
+            </a:r>
+            <a:r>
+              <a:rPr lang="da-DK" baseline="0" dirty="0"/>
+              <a:t>(x)</a:t>
+            </a:r>
+          </a:p>
+          <a:p>
+            <a:r>
+              <a:rPr lang="da-DK" baseline="0" dirty="0"/>
+              <a:t>Java </a:t>
+            </a:r>
+            <a:r>
+              <a:rPr lang="da-DK" baseline="0" dirty="0" err="1"/>
+              <a:t>does</a:t>
+            </a:r>
+            <a:r>
+              <a:rPr lang="da-DK" baseline="0" dirty="0"/>
+              <a:t> not </a:t>
+            </a:r>
+            <a:r>
+              <a:rPr lang="da-DK" baseline="0" dirty="0" err="1"/>
+              <a:t>allow</a:t>
+            </a:r>
+            <a:r>
+              <a:rPr lang="da-DK" baseline="0" dirty="0"/>
+              <a:t> </a:t>
+            </a:r>
+            <a:r>
+              <a:rPr lang="da-DK" baseline="0" dirty="0" err="1"/>
+              <a:t>uses</a:t>
+            </a:r>
+            <a:r>
+              <a:rPr lang="da-DK" baseline="0" dirty="0"/>
+              <a:t> to overload operators, so </a:t>
+            </a:r>
+            <a:r>
+              <a:rPr lang="da-DK" baseline="0" dirty="0" err="1"/>
+              <a:t>we</a:t>
+            </a:r>
+            <a:r>
+              <a:rPr lang="da-DK" baseline="0" dirty="0"/>
+              <a:t> have to </a:t>
+            </a:r>
+            <a:r>
+              <a:rPr lang="da-DK" baseline="0" dirty="0" err="1"/>
+              <a:t>write</a:t>
+            </a:r>
+            <a:r>
+              <a:rPr lang="da-DK" baseline="0" dirty="0"/>
+              <a:t> </a:t>
+            </a:r>
+            <a:r>
+              <a:rPr lang="da-DK" baseline="0" dirty="0" err="1"/>
+              <a:t>x.multiply</a:t>
+            </a:r>
+            <a:r>
+              <a:rPr lang="da-DK" baseline="0" dirty="0"/>
+              <a:t>(x) </a:t>
+            </a:r>
+            <a:r>
+              <a:rPr lang="da-DK" baseline="0" dirty="0" err="1"/>
+              <a:t>instead</a:t>
+            </a:r>
+            <a:r>
+              <a:rPr lang="da-DK" baseline="0" dirty="0"/>
+              <a:t> of x * x</a:t>
             </a:r>
             <a:endParaRPr lang="en-US" dirty="0"/>
           </a:p>
@@ -2728,7 +3285,7 @@
           <a:p>
             <a:fld id="{CD563DD8-32AB-41BE-B1C6-8EAC45222ACE}" type="slidenum">
               <a:rPr lang="en-US" smtClean="0"/>
-              <a:t>16</a:t>
+              <a:t>12</a:t>
             </a:fld>
             <a:endParaRPr lang="en-US"/>
           </a:p>
@@ -2737,7 +3294,7 @@
     </p:spTree>
     <p:extLst>
       <p:ext uri="{BB962C8B-B14F-4D97-AF65-F5344CB8AC3E}">
-        <p14:creationId xmlns:p14="http://schemas.microsoft.com/office/powerpoint/2010/main" val="2544648723"/>
+        <p14:creationId xmlns:p14="http://schemas.microsoft.com/office/powerpoint/2010/main" val="4065296491"/>
       </p:ext>
     </p:extLst>
   </p:cSld>
@@ -2884,7 +3441,7 @@
           <a:p>
             <a:fld id="{0560A9CD-0304-4E0B-9E82-E7E0115DE05B}" type="datetimeFigureOut">
               <a:rPr lang="en-US" smtClean="0"/>
-              <a:t>5/7/2022</a:t>
+              <a:t>5/8/2023</a:t>
             </a:fld>
             <a:endParaRPr lang="en-US"/>
           </a:p>
@@ -3052,7 +3609,7 @@
           <a:p>
             <a:fld id="{0560A9CD-0304-4E0B-9E82-E7E0115DE05B}" type="datetimeFigureOut">
               <a:rPr lang="en-US" smtClean="0"/>
-              <a:t>5/7/2022</a:t>
+              <a:t>5/8/2023</a:t>
             </a:fld>
             <a:endParaRPr lang="en-US"/>
           </a:p>
@@ -3230,7 +3787,7 @@
           <a:p>
             <a:fld id="{0560A9CD-0304-4E0B-9E82-E7E0115DE05B}" type="datetimeFigureOut">
               <a:rPr lang="en-US" smtClean="0"/>
-              <a:t>5/7/2022</a:t>
+              <a:t>5/8/2023</a:t>
             </a:fld>
             <a:endParaRPr lang="en-US"/>
           </a:p>
@@ -3413,7 +3970,7 @@
           <a:p>
             <a:fld id="{0560A9CD-0304-4E0B-9E82-E7E0115DE05B}" type="datetimeFigureOut">
               <a:rPr lang="en-US" smtClean="0"/>
-              <a:t>5/7/2022</a:t>
+              <a:t>5/8/2023</a:t>
             </a:fld>
             <a:endParaRPr lang="en-US"/>
           </a:p>
@@ -3658,7 +4215,7 @@
           <a:p>
             <a:fld id="{0560A9CD-0304-4E0B-9E82-E7E0115DE05B}" type="datetimeFigureOut">
               <a:rPr lang="en-US" smtClean="0"/>
-              <a:t>5/7/2022</a:t>
+              <a:t>5/8/2023</a:t>
             </a:fld>
             <a:endParaRPr lang="en-US"/>
           </a:p>
@@ -3887,7 +4444,7 @@
           <a:p>
             <a:fld id="{0560A9CD-0304-4E0B-9E82-E7E0115DE05B}" type="datetimeFigureOut">
               <a:rPr lang="en-US" smtClean="0"/>
-              <a:t>5/7/2022</a:t>
+              <a:t>5/8/2023</a:t>
             </a:fld>
             <a:endParaRPr lang="en-US"/>
           </a:p>
@@ -4251,7 +4808,7 @@
           <a:p>
             <a:fld id="{0560A9CD-0304-4E0B-9E82-E7E0115DE05B}" type="datetimeFigureOut">
               <a:rPr lang="en-US" smtClean="0"/>
-              <a:t>5/7/2022</a:t>
+              <a:t>5/8/2023</a:t>
             </a:fld>
             <a:endParaRPr lang="en-US"/>
           </a:p>
@@ -4368,7 +4925,7 @@
           <a:p>
             <a:fld id="{0560A9CD-0304-4E0B-9E82-E7E0115DE05B}" type="datetimeFigureOut">
               <a:rPr lang="en-US" smtClean="0"/>
-              <a:t>5/7/2022</a:t>
+              <a:t>5/8/2023</a:t>
             </a:fld>
             <a:endParaRPr lang="en-US"/>
           </a:p>
@@ -4463,7 +5020,7 @@
           <a:p>
             <a:fld id="{0560A9CD-0304-4E0B-9E82-E7E0115DE05B}" type="datetimeFigureOut">
               <a:rPr lang="en-US" smtClean="0"/>
-              <a:t>5/7/2022</a:t>
+              <a:t>5/8/2023</a:t>
             </a:fld>
             <a:endParaRPr lang="en-US"/>
           </a:p>
@@ -4738,7 +5295,7 @@
           <a:p>
             <a:fld id="{0560A9CD-0304-4E0B-9E82-E7E0115DE05B}" type="datetimeFigureOut">
               <a:rPr lang="en-US" smtClean="0"/>
-              <a:t>5/7/2022</a:t>
+              <a:t>5/8/2023</a:t>
             </a:fld>
             <a:endParaRPr lang="en-US"/>
           </a:p>
@@ -4990,7 +5547,7 @@
           <a:p>
             <a:fld id="{0560A9CD-0304-4E0B-9E82-E7E0115DE05B}" type="datetimeFigureOut">
               <a:rPr lang="en-US" smtClean="0"/>
-              <a:t>5/7/2022</a:t>
+              <a:t>5/8/2023</a:t>
             </a:fld>
             <a:endParaRPr lang="en-US"/>
           </a:p>
@@ -5201,7 +5758,7 @@
           <a:p>
             <a:fld id="{0560A9CD-0304-4E0B-9E82-E7E0115DE05B}" type="datetimeFigureOut">
               <a:rPr lang="en-US" smtClean="0"/>
-              <a:t>5/7/2022</a:t>
+              <a:t>5/8/2023</a:t>
             </a:fld>
             <a:endParaRPr lang="en-US"/>
           </a:p>
@@ -7477,7 +8034,7 @@
           <p:nvPr>
             <p:extLst>
               <p:ext uri="{D42A27DB-BD31-4B8C-83A1-F6EECF244321}">
-                <p14:modId xmlns:p14="http://schemas.microsoft.com/office/powerpoint/2010/main" val="4055793150"/>
+                <p14:modId xmlns:p14="http://schemas.microsoft.com/office/powerpoint/2010/main" val="1224687762"/>
               </p:ext>
             </p:extLst>
           </p:nvPr>
@@ -7592,7 +8149,7 @@
                           <a:latin typeface="Courier New" panose="02070309020205020404" pitchFamily="49" charset="0"/>
                           <a:cs typeface="Courier New" panose="02070309020205020404" pitchFamily="49" charset="0"/>
                         </a:rPr>
-                        <a:t>y = "abc"</a:t>
+                        <a:t>y = 'abc'</a:t>
                       </a:r>
                     </a:p>
                     <a:p>
@@ -7601,7 +8158,7 @@
                           <a:latin typeface="Courier New" panose="02070309020205020404" pitchFamily="49" charset="0"/>
                           <a:cs typeface="Courier New" panose="02070309020205020404" pitchFamily="49" charset="0"/>
                         </a:rPr>
-                        <a:t>print("program running...")</a:t>
+                        <a:t>print('program running...')</a:t>
                       </a:r>
                     </a:p>
                     <a:p>
@@ -17487,6 +18044,35 @@
           <a:chExt cx="0" cy="0"/>
         </a:xfrm>
       </p:grpSpPr>
+      <p:pic>
+        <p:nvPicPr>
+          <p:cNvPr id="4" name="Picture 3">
+            <a:extLst>
+              <a:ext uri="{FF2B5EF4-FFF2-40B4-BE49-F238E27FC236}">
+                <a16:creationId xmlns:a16="http://schemas.microsoft.com/office/drawing/2014/main" id="{ACA3CEFE-A3F0-DC61-C6BF-B114F64DDB96}"/>
+              </a:ext>
+            </a:extLst>
+          </p:cNvPr>
+          <p:cNvPicPr>
+            <a:picLocks noChangeAspect="1"/>
+          </p:cNvPicPr>
+          <p:nvPr/>
+        </p:nvPicPr>
+        <p:blipFill rotWithShape="1">
+          <a:blip r:embed="rId2"/>
+          <a:srcRect t="21764" b="1"/>
+          <a:stretch/>
+        </p:blipFill>
+        <p:spPr>
+          <a:xfrm>
+            <a:off x="477756" y="3680460"/>
+            <a:ext cx="11236487" cy="3127359"/>
+          </a:xfrm>
+          <a:prstGeom prst="rect">
+            <a:avLst/>
+          </a:prstGeom>
+        </p:spPr>
+      </p:pic>
       <p:sp>
         <p:nvSpPr>
           <p:cNvPr id="2" name="Title 1"/>
@@ -17731,35 +18317,6 @@
           </a:p>
         </p:txBody>
       </p:sp>
-      <p:pic>
-        <p:nvPicPr>
-          <p:cNvPr id="5" name="Picture 4">
-            <a:extLst>
-              <a:ext uri="{FF2B5EF4-FFF2-40B4-BE49-F238E27FC236}">
-                <a16:creationId xmlns:a16="http://schemas.microsoft.com/office/drawing/2014/main" id="{225B95A3-5339-4C30-A260-D85C229A2800}"/>
-              </a:ext>
-            </a:extLst>
-          </p:cNvPr>
-          <p:cNvPicPr>
-            <a:picLocks noChangeAspect="1"/>
-          </p:cNvPicPr>
-          <p:nvPr/>
-        </p:nvPicPr>
-        <p:blipFill rotWithShape="1">
-          <a:blip r:embed="rId2"/>
-          <a:srcRect t="20550"/>
-          <a:stretch/>
-        </p:blipFill>
-        <p:spPr>
-          <a:xfrm>
-            <a:off x="1302026" y="3477128"/>
-            <a:ext cx="9035226" cy="3388405"/>
-          </a:xfrm>
-          <a:prstGeom prst="rect">
-            <a:avLst/>
-          </a:prstGeom>
-        </p:spPr>
-      </p:pic>
       <p:pic>
         <p:nvPicPr>
           <p:cNvPr id="7" name="Picture 6">
@@ -17793,7 +18350,7 @@
         </p:blipFill>
         <p:spPr>
           <a:xfrm>
-            <a:off x="4303889" y="3429000"/>
+            <a:off x="4303889" y="3600450"/>
             <a:ext cx="4004916" cy="593649"/>
           </a:xfrm>
           <a:prstGeom prst="rect">
@@ -18056,15 +18613,7 @@
           <a:p>
             <a:r>
               <a:rPr lang="da-DK" sz="2400" dirty="0"/>
-              <a:t>An abstract </a:t>
-            </a:r>
-            <a:r>
-              <a:rPr lang="da-DK" sz="2400" dirty="0" err="1"/>
-              <a:t>class</a:t>
-            </a:r>
-            <a:r>
-              <a:rPr lang="da-DK" sz="2400" dirty="0"/>
-              <a:t> </a:t>
+              <a:t>An abstract class </a:t>
             </a:r>
             <a:r>
               <a:rPr lang="da-DK" sz="2400" dirty="0" err="1"/>
@@ -18092,15 +18641,7 @@
             </a:r>
             <a:r>
               <a:rPr lang="da-DK" sz="2400" dirty="0"/>
-              <a:t> to a non-abstract </a:t>
-            </a:r>
-            <a:r>
-              <a:rPr lang="da-DK" sz="2400" dirty="0" err="1"/>
-              <a:t>class</a:t>
-            </a:r>
-            <a:r>
-              <a:rPr lang="da-DK" sz="2400" dirty="0"/>
-              <a:t> by </a:t>
+              <a:t> to a non-abstract class by </a:t>
             </a:r>
             <a:r>
               <a:rPr lang="da-DK" sz="2400" dirty="0" err="1"/>
@@ -20363,7 +20904,7 @@
             </a:r>
             <a:r>
               <a:rPr lang="da-DK" sz="2400" dirty="0"/>
-              <a:t>. </a:t>
+              <a:t> </a:t>
             </a:r>
           </a:p>
           <a:p>
@@ -21530,13 +22071,13 @@
           <p:nvPr>
             <p:extLst>
               <p:ext uri="{D42A27DB-BD31-4B8C-83A1-F6EECF244321}">
-                <p14:modId xmlns:p14="http://schemas.microsoft.com/office/powerpoint/2010/main" val="2678302328"/>
+                <p14:modId xmlns:p14="http://schemas.microsoft.com/office/powerpoint/2010/main" val="3396305732"/>
               </p:ext>
             </p:extLst>
           </p:nvPr>
         </p:nvGraphicFramePr>
         <p:xfrm>
-          <a:off x="9760412" y="4549999"/>
+          <a:off x="10023302" y="4904329"/>
           <a:ext cx="1565593" cy="1249680"/>
         </p:xfrm>
         <a:graphic>
@@ -22758,7 +23299,7 @@
             </a:r>
             <a:r>
               <a:rPr lang="da-DK" dirty="0"/>
-              <a:t> version Java 18 (</a:t>
+              <a:t> version Java 20 (</a:t>
             </a:r>
             <a:r>
               <a:rPr lang="da-DK" dirty="0" err="1"/>
@@ -22766,7 +23307,7 @@
             </a:r>
             <a:r>
               <a:rPr lang="da-DK" dirty="0"/>
-              <a:t> March 2022)</a:t>
+              <a:t> March 2023)</a:t>
             </a:r>
           </a:p>
           <a:p>
@@ -23451,31 +23992,21 @@
             </a:br>
             <a:r>
               <a:rPr lang="en-US" dirty="0">
-                <a:hlinkClick r:id="rId2"/>
+                <a:hlinkClick r:id="rId3"/>
               </a:rPr>
               <a:t>Visual </a:t>
             </a:r>
             <a:r>
               <a:rPr lang="en-US" dirty="0" err="1">
-                <a:hlinkClick r:id="rId2"/>
+                <a:hlinkClick r:id="rId3"/>
               </a:rPr>
               <a:t>Studie</a:t>
-            </a:r>
-            <a:r>
-              <a:rPr lang="en-US" dirty="0">
-                <a:hlinkClick r:id="rId2"/>
-              </a:rPr>
-              <a:t> Code</a:t>
-            </a:r>
-            <a:r>
-              <a:rPr lang="en-US" dirty="0"/>
-              <a:t>, </a:t>
             </a:r>
             <a:r>
               <a:rPr lang="en-US" dirty="0">
                 <a:hlinkClick r:id="rId3"/>
               </a:rPr>
-              <a:t>IntelliJ IDEA</a:t>
+              <a:t> Code</a:t>
             </a:r>
             <a:r>
               <a:rPr lang="en-US" dirty="0"/>
@@ -23485,16 +24016,26 @@
               <a:rPr lang="en-US" dirty="0">
                 <a:hlinkClick r:id="rId4"/>
               </a:rPr>
-              <a:t>Eclipse</a:t>
+              <a:t>IntelliJ IDEA</a:t>
             </a:r>
             <a:r>
               <a:rPr lang="en-US" dirty="0"/>
-              <a:t>, and </a:t>
+              <a:t>, </a:t>
             </a:r>
             <a:r>
               <a:rPr lang="en-US" dirty="0">
                 <a:hlinkClick r:id="rId5"/>
               </a:rPr>
+              <a:t>Eclipse</a:t>
+            </a:r>
+            <a:r>
+              <a:rPr lang="en-US" dirty="0"/>
+              <a:t>, and </a:t>
+            </a:r>
+            <a:r>
+              <a:rPr lang="en-US" dirty="0">
+                <a:hlinkClick r:id="rId6"/>
+              </a:rPr>
               <a:t>NetBeans</a:t>
             </a:r>
             <a:endParaRPr lang="en-US" dirty="0"/>
@@ -23506,7 +24047,7 @@
             </a:r>
             <a:r>
               <a:rPr lang="en-US" dirty="0" err="1">
-                <a:hlinkClick r:id="rId6"/>
+                <a:hlinkClick r:id="rId7"/>
               </a:rPr>
               <a:t>BlueJ</a:t>
             </a:r>
@@ -23523,7 +24064,7 @@
           <p:nvPr/>
         </p:nvPicPr>
         <p:blipFill>
-          <a:blip r:embed="rId7">
+          <a:blip r:embed="rId8">
             <a:extLst>
               <a:ext uri="{28A0092B-C50C-407E-A947-70E740481C1C}">
                 <a14:useLocalDpi xmlns:a14="http://schemas.microsoft.com/office/drawing/2010/main" val="0"/>
@@ -23558,7 +24099,7 @@
           <p:nvPr/>
         </p:nvPicPr>
         <p:blipFill>
-          <a:blip r:embed="rId8">
+          <a:blip r:embed="rId9">
             <a:extLst>
               <a:ext uri="{28A0092B-C50C-407E-A947-70E740481C1C}">
                 <a14:useLocalDpi xmlns:a14="http://schemas.microsoft.com/office/drawing/2010/main" val="0"/>
@@ -23593,7 +24134,7 @@
           <p:nvPr/>
         </p:nvPicPr>
         <p:blipFill>
-          <a:blip r:embed="rId9">
+          <a:blip r:embed="rId10">
             <a:extLst>
               <a:ext uri="{28A0092B-C50C-407E-A947-70E740481C1C}">
                 <a14:useLocalDpi xmlns:a14="http://schemas.microsoft.com/office/drawing/2010/main" val="0"/>
@@ -26460,7 +27001,25 @@
                     <a:srgbClr val="C00000"/>
                   </a:solidFill>
                 </a:rPr>
-                <a:t>the main method must be </a:t>
+                <a:t>the </a:t>
+              </a:r>
+              <a:r>
+                <a:rPr lang="en-US" dirty="0">
+                  <a:solidFill>
+                    <a:srgbClr val="C00000"/>
+                  </a:solidFill>
+                  <a:latin typeface="Courier New" panose="02070309020205020404" pitchFamily="49" charset="0"/>
+                  <a:cs typeface="Courier New" panose="02070309020205020404" pitchFamily="49" charset="0"/>
+                </a:rPr>
+                <a:t>main</a:t>
+              </a:r>
+              <a:r>
+                <a:rPr lang="en-US" dirty="0">
+                  <a:solidFill>
+                    <a:srgbClr val="C00000"/>
+                  </a:solidFill>
+                </a:rPr>
+                <a:t> method must be </a:t>
               </a:r>
               <a:r>
                 <a:rPr lang="en-US" dirty="0">
@@ -27285,22 +27844,24 @@
         </p:nvGrpSpPr>
         <p:grpSpPr>
           <a:xfrm>
-            <a:off x="1584542" y="3753375"/>
-            <a:ext cx="3391656" cy="1977116"/>
-            <a:chOff x="1584542" y="3753375"/>
-            <a:chExt cx="3391656" cy="1977116"/>
+            <a:off x="1584542" y="3721028"/>
+            <a:ext cx="3065519" cy="2009464"/>
+            <a:chOff x="1584542" y="3801598"/>
+            <a:chExt cx="3085940" cy="1928893"/>
           </a:xfrm>
         </p:grpSpPr>
         <p:cxnSp>
           <p:nvCxnSpPr>
             <p:cNvPr id="57" name="Straight Arrow Connector 56"/>
-            <p:cNvCxnSpPr/>
+            <p:cNvCxnSpPr>
+              <a:cxnSpLocks/>
+            </p:cNvCxnSpPr>
             <p:nvPr/>
           </p:nvCxnSpPr>
           <p:spPr>
             <a:xfrm flipV="1">
-              <a:off x="3189504" y="3753375"/>
-              <a:ext cx="1786694" cy="1367265"/>
+              <a:off x="3189504" y="3801598"/>
+              <a:ext cx="1480978" cy="1319042"/>
             </a:xfrm>
             <a:prstGeom prst="straightConnector1">
               <a:avLst/>

--- a/ipsa/slides/java.pptx
+++ b/ipsa/slides/java.pptx
@@ -141,7 +141,7 @@
 <file path=ppt/revisionInfo.xml><?xml version="1.0" encoding="utf-8"?>
 <p1510:revInfo xmlns:a="http://schemas.openxmlformats.org/drawingml/2006/main" xmlns:r="http://schemas.openxmlformats.org/officeDocument/2006/relationships" xmlns:p1510="http://schemas.microsoft.com/office/powerpoint/2015/10/main">
   <p1510:revLst>
-    <p1510:client id="{062599EF-C02E-413A-A5B3-1F0C51E292A5}" v="1" dt="2023-05-08T05:51:30.194"/>
+    <p1510:client id="{E844BD47-6F0E-48E1-86F1-22B2BA2793E1}" v="1" dt="2024-05-06T06:25:09.909"/>
   </p1510:revLst>
 </p1510:revInfo>
 </file>
@@ -577,6 +577,91 @@
       </pc:sldChg>
     </pc:docChg>
   </pc:docChgLst>
+  <pc:docChgLst>
+    <pc:chgData name="Gerth Stølting Brodal" userId="04ef4784-6591-4f86-a140-f5c3b108582a" providerId="ADAL" clId="{E844BD47-6F0E-48E1-86F1-22B2BA2793E1}"/>
+    <pc:docChg chg="undo custSel modSld">
+      <pc:chgData name="Gerth Stølting Brodal" userId="04ef4784-6591-4f86-a140-f5c3b108582a" providerId="ADAL" clId="{E844BD47-6F0E-48E1-86F1-22B2BA2793E1}" dt="2024-05-06T07:02:16.935" v="99" actId="1076"/>
+      <pc:docMkLst>
+        <pc:docMk/>
+      </pc:docMkLst>
+      <pc:sldChg chg="modSp mod">
+        <pc:chgData name="Gerth Stølting Brodal" userId="04ef4784-6591-4f86-a140-f5c3b108582a" providerId="ADAL" clId="{E844BD47-6F0E-48E1-86F1-22B2BA2793E1}" dt="2024-05-06T07:02:16.935" v="99" actId="1076"/>
+        <pc:sldMkLst>
+          <pc:docMk/>
+          <pc:sldMk cId="3043987364" sldId="701"/>
+        </pc:sldMkLst>
+        <pc:graphicFrameChg chg="mod">
+          <ac:chgData name="Gerth Stølting Brodal" userId="04ef4784-6591-4f86-a140-f5c3b108582a" providerId="ADAL" clId="{E844BD47-6F0E-48E1-86F1-22B2BA2793E1}" dt="2024-05-06T07:02:16.935" v="99" actId="1076"/>
+          <ac:graphicFrameMkLst>
+            <pc:docMk/>
+            <pc:sldMk cId="3043987364" sldId="701"/>
+            <ac:graphicFrameMk id="6" creationId="{00000000-0000-0000-0000-000000000000}"/>
+          </ac:graphicFrameMkLst>
+        </pc:graphicFrameChg>
+      </pc:sldChg>
+      <pc:sldChg chg="addSp delSp modSp mod">
+        <pc:chgData name="Gerth Stølting Brodal" userId="04ef4784-6591-4f86-a140-f5c3b108582a" providerId="ADAL" clId="{E844BD47-6F0E-48E1-86F1-22B2BA2793E1}" dt="2024-05-06T06:28:32.588" v="25" actId="1035"/>
+        <pc:sldMkLst>
+          <pc:docMk/>
+          <pc:sldMk cId="324096631" sldId="702"/>
+        </pc:sldMkLst>
+        <pc:picChg chg="add del">
+          <ac:chgData name="Gerth Stølting Brodal" userId="04ef4784-6591-4f86-a140-f5c3b108582a" providerId="ADAL" clId="{E844BD47-6F0E-48E1-86F1-22B2BA2793E1}" dt="2024-05-06T06:25:35.588" v="8" actId="478"/>
+          <ac:picMkLst>
+            <pc:docMk/>
+            <pc:sldMk cId="324096631" sldId="702"/>
+            <ac:picMk id="4" creationId="{ACA3CEFE-A3F0-DC61-C6BF-B114F64DDB96}"/>
+          </ac:picMkLst>
+        </pc:picChg>
+        <pc:picChg chg="add del mod ord">
+          <ac:chgData name="Gerth Stølting Brodal" userId="04ef4784-6591-4f86-a140-f5c3b108582a" providerId="ADAL" clId="{E844BD47-6F0E-48E1-86F1-22B2BA2793E1}" dt="2024-05-06T06:25:51.222" v="11" actId="1076"/>
+          <ac:picMkLst>
+            <pc:docMk/>
+            <pc:sldMk cId="324096631" sldId="702"/>
+            <ac:picMk id="5" creationId="{2C662EB3-BAA2-5FB4-92A7-CE08B31D6375}"/>
+          </ac:picMkLst>
+        </pc:picChg>
+        <pc:picChg chg="mod">
+          <ac:chgData name="Gerth Stølting Brodal" userId="04ef4784-6591-4f86-a140-f5c3b108582a" providerId="ADAL" clId="{E844BD47-6F0E-48E1-86F1-22B2BA2793E1}" dt="2024-05-06T06:28:32.588" v="25" actId="1035"/>
+          <ac:picMkLst>
+            <pc:docMk/>
+            <pc:sldMk cId="324096631" sldId="702"/>
+            <ac:picMk id="7" creationId="{9908D829-A712-4BAE-8893-B0DBE967C335}"/>
+          </ac:picMkLst>
+        </pc:picChg>
+      </pc:sldChg>
+      <pc:sldChg chg="modSp mod modNotesTx">
+        <pc:chgData name="Gerth Stølting Brodal" userId="04ef4784-6591-4f86-a140-f5c3b108582a" providerId="ADAL" clId="{E844BD47-6F0E-48E1-86F1-22B2BA2793E1}" dt="2024-05-06T06:42:06.319" v="95" actId="20577"/>
+        <pc:sldMkLst>
+          <pc:docMk/>
+          <pc:sldMk cId="1863959164" sldId="704"/>
+        </pc:sldMkLst>
+        <pc:spChg chg="mod">
+          <ac:chgData name="Gerth Stølting Brodal" userId="04ef4784-6591-4f86-a140-f5c3b108582a" providerId="ADAL" clId="{E844BD47-6F0E-48E1-86F1-22B2BA2793E1}" dt="2024-05-06T06:42:06.319" v="95" actId="20577"/>
+          <ac:spMkLst>
+            <pc:docMk/>
+            <pc:sldMk cId="1863959164" sldId="704"/>
+            <ac:spMk id="3" creationId="{00000000-0000-0000-0000-000000000000}"/>
+          </ac:spMkLst>
+        </pc:spChg>
+      </pc:sldChg>
+      <pc:sldChg chg="modSp mod">
+        <pc:chgData name="Gerth Stølting Brodal" userId="04ef4784-6591-4f86-a140-f5c3b108582a" providerId="ADAL" clId="{E844BD47-6F0E-48E1-86F1-22B2BA2793E1}" dt="2024-05-06T06:44:50.750" v="98" actId="207"/>
+        <pc:sldMkLst>
+          <pc:docMk/>
+          <pc:sldMk cId="1389040031" sldId="709"/>
+        </pc:sldMkLst>
+        <pc:graphicFrameChg chg="modGraphic">
+          <ac:chgData name="Gerth Stølting Brodal" userId="04ef4784-6591-4f86-a140-f5c3b108582a" providerId="ADAL" clId="{E844BD47-6F0E-48E1-86F1-22B2BA2793E1}" dt="2024-05-06T06:44:50.750" v="98" actId="207"/>
+          <ac:graphicFrameMkLst>
+            <pc:docMk/>
+            <pc:sldMk cId="1389040031" sldId="709"/>
+            <ac:graphicFrameMk id="4" creationId="{00000000-0000-0000-0000-000000000000}"/>
+          </ac:graphicFrameMkLst>
+        </pc:graphicFrameChg>
+      </pc:sldChg>
+    </pc:docChg>
+  </pc:docChgLst>
 </pc:chgInfo>
 </file>
 
@@ -662,7 +747,7 @@
           <a:p>
             <a:fld id="{FB1A172F-81D4-4DC4-9113-1DBD56EC3646}" type="datetimeFigureOut">
               <a:rPr lang="en-US" smtClean="0"/>
-              <a:t>5/8/2023</a:t>
+              <a:t>5/6/2024</a:t>
             </a:fld>
             <a:endParaRPr lang="en-US"/>
           </a:p>
@@ -2434,6 +2519,21 @@
               <a:t>https://en.wikipedia.org/wiki/Java_(programming_language)</a:t>
             </a:r>
           </a:p>
+          <a:p>
+            <a:endParaRPr lang="en-US" dirty="0"/>
+          </a:p>
+          <a:p>
+            <a:r>
+              <a:rPr lang="en-US" dirty="0"/>
+              <a:t>Current JDK version:</a:t>
+            </a:r>
+          </a:p>
+          <a:p>
+            <a:r>
+              <a:rPr lang="en-US" dirty="0"/>
+              <a:t>https://www.oracle.com/java/technologies/downloads/</a:t>
+            </a:r>
+          </a:p>
         </p:txBody>
       </p:sp>
       <p:sp>
@@ -3441,7 +3541,7 @@
           <a:p>
             <a:fld id="{0560A9CD-0304-4E0B-9E82-E7E0115DE05B}" type="datetimeFigureOut">
               <a:rPr lang="en-US" smtClean="0"/>
-              <a:t>5/8/2023</a:t>
+              <a:t>5/6/2024</a:t>
             </a:fld>
             <a:endParaRPr lang="en-US"/>
           </a:p>
@@ -3609,7 +3709,7 @@
           <a:p>
             <a:fld id="{0560A9CD-0304-4E0B-9E82-E7E0115DE05B}" type="datetimeFigureOut">
               <a:rPr lang="en-US" smtClean="0"/>
-              <a:t>5/8/2023</a:t>
+              <a:t>5/6/2024</a:t>
             </a:fld>
             <a:endParaRPr lang="en-US"/>
           </a:p>
@@ -3787,7 +3887,7 @@
           <a:p>
             <a:fld id="{0560A9CD-0304-4E0B-9E82-E7E0115DE05B}" type="datetimeFigureOut">
               <a:rPr lang="en-US" smtClean="0"/>
-              <a:t>5/8/2023</a:t>
+              <a:t>5/6/2024</a:t>
             </a:fld>
             <a:endParaRPr lang="en-US"/>
           </a:p>
@@ -3970,7 +4070,7 @@
           <a:p>
             <a:fld id="{0560A9CD-0304-4E0B-9E82-E7E0115DE05B}" type="datetimeFigureOut">
               <a:rPr lang="en-US" smtClean="0"/>
-              <a:t>5/8/2023</a:t>
+              <a:t>5/6/2024</a:t>
             </a:fld>
             <a:endParaRPr lang="en-US"/>
           </a:p>
@@ -4215,7 +4315,7 @@
           <a:p>
             <a:fld id="{0560A9CD-0304-4E0B-9E82-E7E0115DE05B}" type="datetimeFigureOut">
               <a:rPr lang="en-US" smtClean="0"/>
-              <a:t>5/8/2023</a:t>
+              <a:t>5/6/2024</a:t>
             </a:fld>
             <a:endParaRPr lang="en-US"/>
           </a:p>
@@ -4444,7 +4544,7 @@
           <a:p>
             <a:fld id="{0560A9CD-0304-4E0B-9E82-E7E0115DE05B}" type="datetimeFigureOut">
               <a:rPr lang="en-US" smtClean="0"/>
-              <a:t>5/8/2023</a:t>
+              <a:t>5/6/2024</a:t>
             </a:fld>
             <a:endParaRPr lang="en-US"/>
           </a:p>
@@ -4808,7 +4908,7 @@
           <a:p>
             <a:fld id="{0560A9CD-0304-4E0B-9E82-E7E0115DE05B}" type="datetimeFigureOut">
               <a:rPr lang="en-US" smtClean="0"/>
-              <a:t>5/8/2023</a:t>
+              <a:t>5/6/2024</a:t>
             </a:fld>
             <a:endParaRPr lang="en-US"/>
           </a:p>
@@ -4925,7 +5025,7 @@
           <a:p>
             <a:fld id="{0560A9CD-0304-4E0B-9E82-E7E0115DE05B}" type="datetimeFigureOut">
               <a:rPr lang="en-US" smtClean="0"/>
-              <a:t>5/8/2023</a:t>
+              <a:t>5/6/2024</a:t>
             </a:fld>
             <a:endParaRPr lang="en-US"/>
           </a:p>
@@ -5020,7 +5120,7 @@
           <a:p>
             <a:fld id="{0560A9CD-0304-4E0B-9E82-E7E0115DE05B}" type="datetimeFigureOut">
               <a:rPr lang="en-US" smtClean="0"/>
-              <a:t>5/8/2023</a:t>
+              <a:t>5/6/2024</a:t>
             </a:fld>
             <a:endParaRPr lang="en-US"/>
           </a:p>
@@ -5295,7 +5395,7 @@
           <a:p>
             <a:fld id="{0560A9CD-0304-4E0B-9E82-E7E0115DE05B}" type="datetimeFigureOut">
               <a:rPr lang="en-US" smtClean="0"/>
-              <a:t>5/8/2023</a:t>
+              <a:t>5/6/2024</a:t>
             </a:fld>
             <a:endParaRPr lang="en-US"/>
           </a:p>
@@ -5547,7 +5647,7 @@
           <a:p>
             <a:fld id="{0560A9CD-0304-4E0B-9E82-E7E0115DE05B}" type="datetimeFigureOut">
               <a:rPr lang="en-US" smtClean="0"/>
-              <a:t>5/8/2023</a:t>
+              <a:t>5/6/2024</a:t>
             </a:fld>
             <a:endParaRPr lang="en-US"/>
           </a:p>
@@ -5758,7 +5858,7 @@
           <a:p>
             <a:fld id="{0560A9CD-0304-4E0B-9E82-E7E0115DE05B}" type="datetimeFigureOut">
               <a:rPr lang="en-US" smtClean="0"/>
-              <a:t>5/8/2023</a:t>
+              <a:t>5/6/2024</a:t>
             </a:fld>
             <a:endParaRPr lang="en-US"/>
           </a:p>
@@ -9714,13 +9814,13 @@
           <p:nvPr>
             <p:extLst>
               <p:ext uri="{D42A27DB-BD31-4B8C-83A1-F6EECF244321}">
-                <p14:modId xmlns:p14="http://schemas.microsoft.com/office/powerpoint/2010/main" val="3430348755"/>
+                <p14:modId xmlns:p14="http://schemas.microsoft.com/office/powerpoint/2010/main" val="3076552238"/>
               </p:ext>
             </p:extLst>
           </p:nvPr>
         </p:nvGraphicFramePr>
         <p:xfrm>
-          <a:off x="6096000" y="696403"/>
+          <a:off x="6096000" y="320040"/>
           <a:ext cx="5928043" cy="6217920"/>
         </p:xfrm>
         <a:graphic>
@@ -18046,10 +18146,10 @@
       </p:grpSpPr>
       <p:pic>
         <p:nvPicPr>
-          <p:cNvPr id="4" name="Picture 3">
+          <p:cNvPr id="5" name="Picture 4">
             <a:extLst>
               <a:ext uri="{FF2B5EF4-FFF2-40B4-BE49-F238E27FC236}">
-                <a16:creationId xmlns:a16="http://schemas.microsoft.com/office/drawing/2014/main" id="{ACA3CEFE-A3F0-DC61-C6BF-B114F64DDB96}"/>
+                <a16:creationId xmlns:a16="http://schemas.microsoft.com/office/drawing/2014/main" id="{2C662EB3-BAA2-5FB4-92A7-CE08B31D6375}"/>
               </a:ext>
             </a:extLst>
           </p:cNvPr>
@@ -18058,15 +18158,16 @@
           </p:cNvPicPr>
           <p:nvPr/>
         </p:nvPicPr>
-        <p:blipFill rotWithShape="1">
+        <p:blipFill>
           <a:blip r:embed="rId2"/>
-          <a:srcRect t="21764" b="1"/>
-          <a:stretch/>
+          <a:stretch>
+            <a:fillRect/>
+          </a:stretch>
         </p:blipFill>
         <p:spPr>
           <a:xfrm>
-            <a:off x="477756" y="3680460"/>
-            <a:ext cx="11236487" cy="3127359"/>
+            <a:off x="973262" y="3600450"/>
+            <a:ext cx="10245475" cy="3189423"/>
           </a:xfrm>
           <a:prstGeom prst="rect">
             <a:avLst/>
@@ -18350,7 +18451,7 @@
         </p:blipFill>
         <p:spPr>
           <a:xfrm>
-            <a:off x="4303889" y="3600450"/>
+            <a:off x="4303889" y="3744143"/>
             <a:ext cx="4004916" cy="593649"/>
           </a:xfrm>
           <a:prstGeom prst="rect">
@@ -23299,7 +23400,7 @@
             </a:r>
             <a:r>
               <a:rPr lang="da-DK" dirty="0"/>
-              <a:t> version Java 20 (</a:t>
+              <a:t> version Java 22 (</a:t>
             </a:r>
             <a:r>
               <a:rPr lang="da-DK" dirty="0" err="1"/>
@@ -23307,7 +23408,7 @@
             </a:r>
             <a:r>
               <a:rPr lang="da-DK" dirty="0"/>
-              <a:t> March 2023)</a:t>
+              <a:t> March 2024)</a:t>
             </a:r>
           </a:p>
           <a:p>
@@ -23369,7 +23470,35 @@
             </a:r>
             <a:r>
               <a:rPr lang="da-DK" dirty="0"/>
-              <a:t>)</a:t>
+              <a:t>) </a:t>
+            </a:r>
+            <a:r>
+              <a:rPr lang="da-DK" dirty="0" err="1"/>
+              <a:t>that</a:t>
+            </a:r>
+            <a:r>
+              <a:rPr lang="da-DK" dirty="0"/>
+              <a:t> </a:t>
+            </a:r>
+            <a:r>
+              <a:rPr lang="da-DK" dirty="0" err="1"/>
+              <a:t>contains</a:t>
+            </a:r>
+            <a:r>
+              <a:rPr lang="da-DK" dirty="0"/>
+              <a:t> a </a:t>
+            </a:r>
+            <a:r>
+              <a:rPr lang="da-DK" dirty="0" err="1"/>
+              <a:t>garbage</a:t>
+            </a:r>
+            <a:r>
+              <a:rPr lang="da-DK" dirty="0"/>
+              <a:t> </a:t>
+            </a:r>
+            <a:r>
+              <a:rPr lang="da-DK" dirty="0" err="1"/>
+              <a:t>collector</a:t>
             </a:r>
             <a:endParaRPr lang="en-US" dirty="0"/>
           </a:p>
@@ -24264,7 +24393,7 @@
           <p:nvPr>
             <p:extLst>
               <p:ext uri="{D42A27DB-BD31-4B8C-83A1-F6EECF244321}">
-                <p14:modId xmlns:p14="http://schemas.microsoft.com/office/powerpoint/2010/main" val="3920862237"/>
+                <p14:modId xmlns:p14="http://schemas.microsoft.com/office/powerpoint/2010/main" val="2717808972"/>
               </p:ext>
             </p:extLst>
           </p:nvPr>
@@ -24388,7 +24517,41 @@
                           <a:latin typeface="Courier New" panose="02070309020205020404" pitchFamily="49" charset="0"/>
                           <a:cs typeface="Courier New" panose="02070309020205020404" pitchFamily="49" charset="0"/>
                         </a:rPr>
-                        <a:t>        System.out.println( "Hello World!" );</a:t>
+                        <a:t>        System.out.</a:t>
+                      </a:r>
+                      <a:r>
+                        <a:rPr lang="pt-BR" sz="1400" b="1" dirty="0">
+                          <a:solidFill>
+                            <a:srgbClr val="C00000"/>
+                          </a:solidFill>
+                          <a:latin typeface="Courier New" panose="02070309020205020404" pitchFamily="49" charset="0"/>
+                          <a:cs typeface="Courier New" panose="02070309020205020404" pitchFamily="49" charset="0"/>
+                        </a:rPr>
+                        <a:t>println</a:t>
+                      </a:r>
+                      <a:r>
+                        <a:rPr lang="pt-BR" sz="1400" b="1" dirty="0">
+                          <a:latin typeface="Courier New" panose="02070309020205020404" pitchFamily="49" charset="0"/>
+                          <a:cs typeface="Courier New" panose="02070309020205020404" pitchFamily="49" charset="0"/>
+                        </a:rPr>
+                        <a:t>( </a:t>
+                      </a:r>
+                      <a:r>
+                        <a:rPr lang="pt-BR" sz="1400" b="1" dirty="0">
+                          <a:solidFill>
+                            <a:srgbClr val="C00000"/>
+                          </a:solidFill>
+                          <a:latin typeface="Courier New" panose="02070309020205020404" pitchFamily="49" charset="0"/>
+                          <a:cs typeface="Courier New" panose="02070309020205020404" pitchFamily="49" charset="0"/>
+                        </a:rPr>
+                        <a:t>"Hello World!</a:t>
+                      </a:r>
+                      <a:r>
+                        <a:rPr lang="pt-BR" sz="1400" b="1" dirty="0">
+                          <a:latin typeface="Courier New" panose="02070309020205020404" pitchFamily="49" charset="0"/>
+                          <a:cs typeface="Courier New" panose="02070309020205020404" pitchFamily="49" charset="0"/>
+                        </a:rPr>
+                        <a:t>" );</a:t>
                       </a:r>
                     </a:p>
                     <a:p>

--- a/ipsa/slides/java.pptx
+++ b/ipsa/slides/java.pptx
@@ -580,7 +580,7 @@
   <pc:docChgLst>
     <pc:chgData name="Gerth Stølting Brodal" userId="04ef4784-6591-4f86-a140-f5c3b108582a" providerId="ADAL" clId="{E844BD47-6F0E-48E1-86F1-22B2BA2793E1}"/>
     <pc:docChg chg="undo custSel modSld">
-      <pc:chgData name="Gerth Stølting Brodal" userId="04ef4784-6591-4f86-a140-f5c3b108582a" providerId="ADAL" clId="{E844BD47-6F0E-48E1-86F1-22B2BA2793E1}" dt="2024-05-06T07:02:16.935" v="99" actId="1076"/>
+      <pc:chgData name="Gerth Stølting Brodal" userId="04ef4784-6591-4f86-a140-f5c3b108582a" providerId="ADAL" clId="{E844BD47-6F0E-48E1-86F1-22B2BA2793E1}" dt="2024-05-06T11:44:39.974" v="100" actId="20577"/>
       <pc:docMkLst>
         <pc:docMk/>
       </pc:docMkLst>
@@ -659,6 +659,21 @@
             <ac:graphicFrameMk id="4" creationId="{00000000-0000-0000-0000-000000000000}"/>
           </ac:graphicFrameMkLst>
         </pc:graphicFrameChg>
+      </pc:sldChg>
+      <pc:sldChg chg="modSp mod">
+        <pc:chgData name="Gerth Stølting Brodal" userId="04ef4784-6591-4f86-a140-f5c3b108582a" providerId="ADAL" clId="{E844BD47-6F0E-48E1-86F1-22B2BA2793E1}" dt="2024-05-06T11:44:39.974" v="100" actId="20577"/>
+        <pc:sldMkLst>
+          <pc:docMk/>
+          <pc:sldMk cId="2312210166" sldId="718"/>
+        </pc:sldMkLst>
+        <pc:spChg chg="mod">
+          <ac:chgData name="Gerth Stølting Brodal" userId="04ef4784-6591-4f86-a140-f5c3b108582a" providerId="ADAL" clId="{E844BD47-6F0E-48E1-86F1-22B2BA2793E1}" dt="2024-05-06T11:44:39.974" v="100" actId="20577"/>
+          <ac:spMkLst>
+            <pc:docMk/>
+            <pc:sldMk cId="2312210166" sldId="718"/>
+            <ac:spMk id="52" creationId="{00000000-0000-0000-0000-000000000000}"/>
+          </ac:spMkLst>
+        </pc:spChg>
       </pc:sldChg>
     </pc:docChg>
   </pc:docChgLst>
@@ -27800,7 +27815,7 @@
                   <a:latin typeface="Courier New" panose="02070309020205020404" pitchFamily="49" charset="0"/>
                   <a:cs typeface="Courier New" panose="02070309020205020404" pitchFamily="49" charset="0"/>
                 </a:rPr>
-                <a:t>int i=0</a:t>
+                <a:t>int i=0;</a:t>
               </a:r>
             </a:p>
             <a:p>

--- a/ipsa/slides/java.pptx
+++ b/ipsa/slides/java.pptx
@@ -138,14 +138,6 @@
 </p:presentation>
 </file>
 
-<file path=ppt/revisionInfo.xml><?xml version="1.0" encoding="utf-8"?>
-<p1510:revInfo xmlns:a="http://schemas.openxmlformats.org/drawingml/2006/main" xmlns:r="http://schemas.openxmlformats.org/officeDocument/2006/relationships" xmlns:p1510="http://schemas.microsoft.com/office/powerpoint/2015/10/main">
-  <p1510:revLst>
-    <p1510:client id="{E844BD47-6F0E-48E1-86F1-22B2BA2793E1}" v="1" dt="2024-05-06T06:25:09.909"/>
-  </p1510:revLst>
-</p1510:revInfo>
-</file>
-
 <file path=ppt/changesInfos/changesInfo1.xml><?xml version="1.0" encoding="utf-8"?>
 <pc:chgInfo xmlns:a="http://schemas.openxmlformats.org/drawingml/2006/main" xmlns:r="http://schemas.openxmlformats.org/officeDocument/2006/relationships" xmlns:ac="http://schemas.microsoft.com/office/drawing/2013/main/command" xmlns:pc="http://schemas.microsoft.com/office/powerpoint/2013/main/command">
   <pc:docChgLst>
@@ -161,30 +153,6 @@
           <pc:docMk/>
           <pc:sldMk cId="324096631" sldId="702"/>
         </pc:sldMkLst>
-        <pc:picChg chg="add mod ord modCrop">
-          <ac:chgData name="Gerth Stølting Brodal" userId="04ef4784-6591-4f86-a140-f5c3b108582a" providerId="ADAL" clId="{062599EF-C02E-413A-A5B3-1F0C51E292A5}" dt="2023-05-08T05:52:12.880" v="330" actId="732"/>
-          <ac:picMkLst>
-            <pc:docMk/>
-            <pc:sldMk cId="324096631" sldId="702"/>
-            <ac:picMk id="4" creationId="{ACA3CEFE-A3F0-DC61-C6BF-B114F64DDB96}"/>
-          </ac:picMkLst>
-        </pc:picChg>
-        <pc:picChg chg="del">
-          <ac:chgData name="Gerth Stølting Brodal" userId="04ef4784-6591-4f86-a140-f5c3b108582a" providerId="ADAL" clId="{062599EF-C02E-413A-A5B3-1F0C51E292A5}" dt="2023-05-08T05:51:39.252" v="321" actId="478"/>
-          <ac:picMkLst>
-            <pc:docMk/>
-            <pc:sldMk cId="324096631" sldId="702"/>
-            <ac:picMk id="5" creationId="{225B95A3-5339-4C30-A260-D85C229A2800}"/>
-          </ac:picMkLst>
-        </pc:picChg>
-        <pc:picChg chg="mod">
-          <ac:chgData name="Gerth Stølting Brodal" userId="04ef4784-6591-4f86-a140-f5c3b108582a" providerId="ADAL" clId="{062599EF-C02E-413A-A5B3-1F0C51E292A5}" dt="2023-05-08T05:52:17.745" v="340" actId="1036"/>
-          <ac:picMkLst>
-            <pc:docMk/>
-            <pc:sldMk cId="324096631" sldId="702"/>
-            <ac:picMk id="7" creationId="{9908D829-A712-4BAE-8893-B0DBE967C335}"/>
-          </ac:picMkLst>
-        </pc:picChg>
       </pc:sldChg>
       <pc:sldChg chg="modSp mod">
         <pc:chgData name="Gerth Stølting Brodal" userId="04ef4784-6591-4f86-a140-f5c3b108582a" providerId="ADAL" clId="{062599EF-C02E-413A-A5B3-1F0C51E292A5}" dt="2023-05-08T06:00:01.553" v="415" actId="20577"/>
@@ -192,14 +160,6 @@
           <pc:docMk/>
           <pc:sldMk cId="1863959164" sldId="704"/>
         </pc:sldMkLst>
-        <pc:spChg chg="mod">
-          <ac:chgData name="Gerth Stølting Brodal" userId="04ef4784-6591-4f86-a140-f5c3b108582a" providerId="ADAL" clId="{062599EF-C02E-413A-A5B3-1F0C51E292A5}" dt="2023-05-08T06:00:01.553" v="415" actId="20577"/>
-          <ac:spMkLst>
-            <pc:docMk/>
-            <pc:sldMk cId="1863959164" sldId="704"/>
-            <ac:spMk id="3" creationId="{00000000-0000-0000-0000-000000000000}"/>
-          </ac:spMkLst>
-        </pc:spChg>
       </pc:sldChg>
       <pc:sldChg chg="modNotesTx">
         <pc:chgData name="Gerth Stølting Brodal" userId="04ef4784-6591-4f86-a140-f5c3b108582a" providerId="ADAL" clId="{062599EF-C02E-413A-A5B3-1F0C51E292A5}" dt="2023-05-06T11:07:24.817" v="134" actId="20577"/>
@@ -214,14 +174,6 @@
           <pc:docMk/>
           <pc:sldMk cId="285957609" sldId="712"/>
         </pc:sldMkLst>
-        <pc:graphicFrameChg chg="modGraphic">
-          <ac:chgData name="Gerth Stølting Brodal" userId="04ef4784-6591-4f86-a140-f5c3b108582a" providerId="ADAL" clId="{062599EF-C02E-413A-A5B3-1F0C51E292A5}" dt="2023-05-06T11:15:01.635" v="239" actId="6549"/>
-          <ac:graphicFrameMkLst>
-            <pc:docMk/>
-            <pc:sldMk cId="285957609" sldId="712"/>
-            <ac:graphicFrameMk id="4" creationId="{00000000-0000-0000-0000-000000000000}"/>
-          </ac:graphicFrameMkLst>
-        </pc:graphicFrameChg>
       </pc:sldChg>
       <pc:sldChg chg="modNotesTx">
         <pc:chgData name="Gerth Stølting Brodal" userId="04ef4784-6591-4f86-a140-f5c3b108582a" providerId="ADAL" clId="{062599EF-C02E-413A-A5B3-1F0C51E292A5}" dt="2023-05-06T11:28:58.619" v="316" actId="20577"/>
@@ -236,38 +188,6 @@
           <pc:docMk/>
           <pc:sldMk cId="2312210166" sldId="718"/>
         </pc:sldMkLst>
-        <pc:spChg chg="mod">
-          <ac:chgData name="Gerth Stølting Brodal" userId="04ef4784-6591-4f86-a140-f5c3b108582a" providerId="ADAL" clId="{062599EF-C02E-413A-A5B3-1F0C51E292A5}" dt="2023-05-08T06:08:40.517" v="416" actId="2711"/>
-          <ac:spMkLst>
-            <pc:docMk/>
-            <pc:sldMk cId="2312210166" sldId="718"/>
-            <ac:spMk id="38" creationId="{00000000-0000-0000-0000-000000000000}"/>
-          </ac:spMkLst>
-        </pc:spChg>
-        <pc:grpChg chg="mod">
-          <ac:chgData name="Gerth Stølting Brodal" userId="04ef4784-6591-4f86-a140-f5c3b108582a" providerId="ADAL" clId="{062599EF-C02E-413A-A5B3-1F0C51E292A5}" dt="2023-05-06T11:03:02.638" v="1" actId="1076"/>
-          <ac:grpSpMkLst>
-            <pc:docMk/>
-            <pc:sldMk cId="2312210166" sldId="718"/>
-            <ac:grpSpMk id="69" creationId="{00000000-0000-0000-0000-000000000000}"/>
-          </ac:grpSpMkLst>
-        </pc:grpChg>
-        <pc:grpChg chg="mod">
-          <ac:chgData name="Gerth Stølting Brodal" userId="04ef4784-6591-4f86-a140-f5c3b108582a" providerId="ADAL" clId="{062599EF-C02E-413A-A5B3-1F0C51E292A5}" dt="2023-05-08T06:09:47.682" v="418" actId="14100"/>
-          <ac:grpSpMkLst>
-            <pc:docMk/>
-            <pc:sldMk cId="2312210166" sldId="718"/>
-            <ac:grpSpMk id="77" creationId="{00000000-0000-0000-0000-000000000000}"/>
-          </ac:grpSpMkLst>
-        </pc:grpChg>
-        <pc:cxnChg chg="mod">
-          <ac:chgData name="Gerth Stølting Brodal" userId="04ef4784-6591-4f86-a140-f5c3b108582a" providerId="ADAL" clId="{062599EF-C02E-413A-A5B3-1F0C51E292A5}" dt="2023-05-08T06:09:34.182" v="417" actId="14100"/>
-          <ac:cxnSpMkLst>
-            <pc:docMk/>
-            <pc:sldMk cId="2312210166" sldId="718"/>
-            <ac:cxnSpMk id="57" creationId="{00000000-0000-0000-0000-000000000000}"/>
-          </ac:cxnSpMkLst>
-        </pc:cxnChg>
       </pc:sldChg>
       <pc:sldChg chg="modNotesTx">
         <pc:chgData name="Gerth Stølting Brodal" userId="04ef4784-6591-4f86-a140-f5c3b108582a" providerId="ADAL" clId="{062599EF-C02E-413A-A5B3-1F0C51E292A5}" dt="2023-05-08T05:55:36.934" v="411" actId="20577"/>
@@ -282,14 +202,6 @@
           <pc:docMk/>
           <pc:sldMk cId="3676626356" sldId="722"/>
         </pc:sldMkLst>
-        <pc:spChg chg="mod">
-          <ac:chgData name="Gerth Stølting Brodal" userId="04ef4784-6591-4f86-a140-f5c3b108582a" providerId="ADAL" clId="{062599EF-C02E-413A-A5B3-1F0C51E292A5}" dt="2023-05-08T06:33:00.923" v="426" actId="14100"/>
-          <ac:spMkLst>
-            <pc:docMk/>
-            <pc:sldMk cId="3676626356" sldId="722"/>
-            <ac:spMk id="3" creationId="{00000000-0000-0000-0000-000000000000}"/>
-          </ac:spMkLst>
-        </pc:spChg>
       </pc:sldChg>
       <pc:sldChg chg="modSp mod modNotesTx">
         <pc:chgData name="Gerth Stølting Brodal" userId="04ef4784-6591-4f86-a140-f5c3b108582a" providerId="ADAL" clId="{062599EF-C02E-413A-A5B3-1F0C51E292A5}" dt="2023-05-08T06:36:10.897" v="510" actId="1076"/>
@@ -297,22 +209,6 @@
           <pc:docMk/>
           <pc:sldMk cId="2975332178" sldId="724"/>
         </pc:sldMkLst>
-        <pc:spChg chg="mod">
-          <ac:chgData name="Gerth Stølting Brodal" userId="04ef4784-6591-4f86-a140-f5c3b108582a" providerId="ADAL" clId="{062599EF-C02E-413A-A5B3-1F0C51E292A5}" dt="2023-05-06T11:33:50.941" v="317" actId="20577"/>
-          <ac:spMkLst>
-            <pc:docMk/>
-            <pc:sldMk cId="2975332178" sldId="724"/>
-            <ac:spMk id="3" creationId="{00000000-0000-0000-0000-000000000000}"/>
-          </ac:spMkLst>
-        </pc:spChg>
-        <pc:graphicFrameChg chg="mod modGraphic">
-          <ac:chgData name="Gerth Stølting Brodal" userId="04ef4784-6591-4f86-a140-f5c3b108582a" providerId="ADAL" clId="{062599EF-C02E-413A-A5B3-1F0C51E292A5}" dt="2023-05-08T06:36:10.897" v="510" actId="1076"/>
-          <ac:graphicFrameMkLst>
-            <pc:docMk/>
-            <pc:sldMk cId="2975332178" sldId="724"/>
-            <ac:graphicFrameMk id="5" creationId="{00000000-0000-0000-0000-000000000000}"/>
-          </ac:graphicFrameMkLst>
-        </pc:graphicFrameChg>
       </pc:sldChg>
     </pc:docChg>
   </pc:docChgLst>
@@ -329,14 +225,6 @@
           <pc:docMk/>
           <pc:sldMk cId="2436753486" sldId="517"/>
         </pc:sldMkLst>
-        <pc:spChg chg="add del mod">
-          <ac:chgData name="Gerth Stølting Brodal" userId="04ef4784-6591-4f86-a140-f5c3b108582a" providerId="ADAL" clId="{1833E81B-E5FD-4821-A578-BF7F0E32FE7F}" dt="2022-05-07T19:54:50.768" v="49" actId="6549"/>
-          <ac:spMkLst>
-            <pc:docMk/>
-            <pc:sldMk cId="2436753486" sldId="517"/>
-            <ac:spMk id="4" creationId="{00000000-0000-0000-0000-000000000000}"/>
-          </ac:spMkLst>
-        </pc:spChg>
       </pc:sldChg>
       <pc:sldChg chg="addSp delSp modSp mod">
         <pc:chgData name="Gerth Stølting Brodal" userId="04ef4784-6591-4f86-a140-f5c3b108582a" providerId="ADAL" clId="{1833E81B-E5FD-4821-A578-BF7F0E32FE7F}" dt="2022-05-08T21:08:02.478" v="316" actId="1036"/>
@@ -344,30 +232,6 @@
           <pc:docMk/>
           <pc:sldMk cId="324096631" sldId="702"/>
         </pc:sldMkLst>
-        <pc:picChg chg="add mod">
-          <ac:chgData name="Gerth Stølting Brodal" userId="04ef4784-6591-4f86-a140-f5c3b108582a" providerId="ADAL" clId="{1833E81B-E5FD-4821-A578-BF7F0E32FE7F}" dt="2022-05-08T21:08:02.478" v="316" actId="1036"/>
-          <ac:picMkLst>
-            <pc:docMk/>
-            <pc:sldMk cId="324096631" sldId="702"/>
-            <ac:picMk id="5" creationId="{225B95A3-5339-4C30-A260-D85C229A2800}"/>
-          </ac:picMkLst>
-        </pc:picChg>
-        <pc:picChg chg="del mod">
-          <ac:chgData name="Gerth Stølting Brodal" userId="04ef4784-6591-4f86-a140-f5c3b108582a" providerId="ADAL" clId="{1833E81B-E5FD-4821-A578-BF7F0E32FE7F}" dt="2022-05-07T19:52:07.712" v="6" actId="478"/>
-          <ac:picMkLst>
-            <pc:docMk/>
-            <pc:sldMk cId="324096631" sldId="702"/>
-            <ac:picMk id="6" creationId="{00000000-0000-0000-0000-000000000000}"/>
-          </ac:picMkLst>
-        </pc:picChg>
-        <pc:picChg chg="add mod">
-          <ac:chgData name="Gerth Stølting Brodal" userId="04ef4784-6591-4f86-a140-f5c3b108582a" providerId="ADAL" clId="{1833E81B-E5FD-4821-A578-BF7F0E32FE7F}" dt="2022-05-08T21:07:54.596" v="312" actId="1076"/>
-          <ac:picMkLst>
-            <pc:docMk/>
-            <pc:sldMk cId="324096631" sldId="702"/>
-            <ac:picMk id="7" creationId="{9908D829-A712-4BAE-8893-B0DBE967C335}"/>
-          </ac:picMkLst>
-        </pc:picChg>
       </pc:sldChg>
       <pc:sldChg chg="modSp mod">
         <pc:chgData name="Gerth Stølting Brodal" userId="04ef4784-6591-4f86-a140-f5c3b108582a" providerId="ADAL" clId="{1833E81B-E5FD-4821-A578-BF7F0E32FE7F}" dt="2022-05-07T20:03:15.018" v="64" actId="20577"/>
@@ -375,14 +239,6 @@
           <pc:docMk/>
           <pc:sldMk cId="1863959164" sldId="704"/>
         </pc:sldMkLst>
-        <pc:spChg chg="mod">
-          <ac:chgData name="Gerth Stølting Brodal" userId="04ef4784-6591-4f86-a140-f5c3b108582a" providerId="ADAL" clId="{1833E81B-E5FD-4821-A578-BF7F0E32FE7F}" dt="2022-05-07T20:03:15.018" v="64" actId="20577"/>
-          <ac:spMkLst>
-            <pc:docMk/>
-            <pc:sldMk cId="1863959164" sldId="704"/>
-            <ac:spMk id="3" creationId="{00000000-0000-0000-0000-000000000000}"/>
-          </ac:spMkLst>
-        </pc:spChg>
       </pc:sldChg>
       <pc:sldChg chg="modSp mod">
         <pc:chgData name="Gerth Stølting Brodal" userId="04ef4784-6591-4f86-a140-f5c3b108582a" providerId="ADAL" clId="{1833E81B-E5FD-4821-A578-BF7F0E32FE7F}" dt="2022-05-08T07:25:46.074" v="184" actId="2711"/>
@@ -390,14 +246,6 @@
           <pc:docMk/>
           <pc:sldMk cId="873390135" sldId="705"/>
         </pc:sldMkLst>
-        <pc:spChg chg="mod">
-          <ac:chgData name="Gerth Stølting Brodal" userId="04ef4784-6591-4f86-a140-f5c3b108582a" providerId="ADAL" clId="{1833E81B-E5FD-4821-A578-BF7F0E32FE7F}" dt="2022-05-08T07:25:46.074" v="184" actId="2711"/>
-          <ac:spMkLst>
-            <pc:docMk/>
-            <pc:sldMk cId="873390135" sldId="705"/>
-            <ac:spMk id="5" creationId="{00000000-0000-0000-0000-000000000000}"/>
-          </ac:spMkLst>
-        </pc:spChg>
       </pc:sldChg>
       <pc:sldChg chg="addSp delSp modSp mod">
         <pc:chgData name="Gerth Stølting Brodal" userId="04ef4784-6591-4f86-a140-f5c3b108582a" providerId="ADAL" clId="{1833E81B-E5FD-4821-A578-BF7F0E32FE7F}" dt="2022-05-08T21:41:51.306" v="324" actId="207"/>
@@ -405,62 +253,6 @@
           <pc:docMk/>
           <pc:sldMk cId="1537406623" sldId="707"/>
         </pc:sldMkLst>
-        <pc:spChg chg="mod">
-          <ac:chgData name="Gerth Stølting Brodal" userId="04ef4784-6591-4f86-a140-f5c3b108582a" providerId="ADAL" clId="{1833E81B-E5FD-4821-A578-BF7F0E32FE7F}" dt="2022-05-08T21:41:51.306" v="324" actId="207"/>
-          <ac:spMkLst>
-            <pc:docMk/>
-            <pc:sldMk cId="1537406623" sldId="707"/>
-            <ac:spMk id="3" creationId="{00000000-0000-0000-0000-000000000000}"/>
-          </ac:spMkLst>
-        </pc:spChg>
-        <pc:picChg chg="del">
-          <ac:chgData name="Gerth Stølting Brodal" userId="04ef4784-6591-4f86-a140-f5c3b108582a" providerId="ADAL" clId="{1833E81B-E5FD-4821-A578-BF7F0E32FE7F}" dt="2022-05-07T20:14:42.992" v="81" actId="478"/>
-          <ac:picMkLst>
-            <pc:docMk/>
-            <pc:sldMk cId="1537406623" sldId="707"/>
-            <ac:picMk id="4" creationId="{00000000-0000-0000-0000-000000000000}"/>
-          </ac:picMkLst>
-        </pc:picChg>
-        <pc:picChg chg="del mod">
-          <ac:chgData name="Gerth Stølting Brodal" userId="04ef4784-6591-4f86-a140-f5c3b108582a" providerId="ADAL" clId="{1833E81B-E5FD-4821-A578-BF7F0E32FE7F}" dt="2022-05-07T20:12:34.666" v="70" actId="478"/>
-          <ac:picMkLst>
-            <pc:docMk/>
-            <pc:sldMk cId="1537406623" sldId="707"/>
-            <ac:picMk id="6" creationId="{00000000-0000-0000-0000-000000000000}"/>
-          </ac:picMkLst>
-        </pc:picChg>
-        <pc:picChg chg="add mod">
-          <ac:chgData name="Gerth Stølting Brodal" userId="04ef4784-6591-4f86-a140-f5c3b108582a" providerId="ADAL" clId="{1833E81B-E5FD-4821-A578-BF7F0E32FE7F}" dt="2022-05-08T14:06:02.134" v="198" actId="1036"/>
-          <ac:picMkLst>
-            <pc:docMk/>
-            <pc:sldMk cId="1537406623" sldId="707"/>
-            <ac:picMk id="7" creationId="{993DFDD3-983C-4A79-B11A-AFF282C4734F}"/>
-          </ac:picMkLst>
-        </pc:picChg>
-        <pc:picChg chg="add del mod">
-          <ac:chgData name="Gerth Stølting Brodal" userId="04ef4784-6591-4f86-a140-f5c3b108582a" providerId="ADAL" clId="{1833E81B-E5FD-4821-A578-BF7F0E32FE7F}" dt="2022-05-07T20:09:59.410" v="69" actId="478"/>
-          <ac:picMkLst>
-            <pc:docMk/>
-            <pc:sldMk cId="1537406623" sldId="707"/>
-            <ac:picMk id="7" creationId="{BD22CD79-7D6D-4C0B-A42D-ADEEA454D0A8}"/>
-          </ac:picMkLst>
-        </pc:picChg>
-        <pc:picChg chg="add del">
-          <ac:chgData name="Gerth Stølting Brodal" userId="04ef4784-6591-4f86-a140-f5c3b108582a" providerId="ADAL" clId="{1833E81B-E5FD-4821-A578-BF7F0E32FE7F}" dt="2022-05-07T20:14:30.176" v="77" actId="478"/>
-          <ac:picMkLst>
-            <pc:docMk/>
-            <pc:sldMk cId="1537406623" sldId="707"/>
-            <ac:picMk id="9" creationId="{5305F7AD-1E14-4513-A3EC-467E86FF86CE}"/>
-          </ac:picMkLst>
-        </pc:picChg>
-        <pc:picChg chg="add mod">
-          <ac:chgData name="Gerth Stølting Brodal" userId="04ef4784-6591-4f86-a140-f5c3b108582a" providerId="ADAL" clId="{1833E81B-E5FD-4821-A578-BF7F0E32FE7F}" dt="2022-05-08T14:06:03.942" v="199" actId="1035"/>
-          <ac:picMkLst>
-            <pc:docMk/>
-            <pc:sldMk cId="1537406623" sldId="707"/>
-            <ac:picMk id="11" creationId="{2D847965-9071-4EA8-AA5E-897295E19F57}"/>
-          </ac:picMkLst>
-        </pc:picChg>
       </pc:sldChg>
       <pc:sldChg chg="modSp mod">
         <pc:chgData name="Gerth Stølting Brodal" userId="04ef4784-6591-4f86-a140-f5c3b108582a" providerId="ADAL" clId="{1833E81B-E5FD-4821-A578-BF7F0E32FE7F}" dt="2022-05-08T21:51:08.106" v="326" actId="1076"/>
@@ -468,38 +260,6 @@
           <pc:docMk/>
           <pc:sldMk cId="467931418" sldId="708"/>
         </pc:sldMkLst>
-        <pc:spChg chg="mod">
-          <ac:chgData name="Gerth Stølting Brodal" userId="04ef4784-6591-4f86-a140-f5c3b108582a" providerId="ADAL" clId="{1833E81B-E5FD-4821-A578-BF7F0E32FE7F}" dt="2022-05-08T21:42:42.309" v="325" actId="20577"/>
-          <ac:spMkLst>
-            <pc:docMk/>
-            <pc:sldMk cId="467931418" sldId="708"/>
-            <ac:spMk id="3" creationId="{00000000-0000-0000-0000-000000000000}"/>
-          </ac:spMkLst>
-        </pc:spChg>
-        <pc:picChg chg="mod">
-          <ac:chgData name="Gerth Stølting Brodal" userId="04ef4784-6591-4f86-a140-f5c3b108582a" providerId="ADAL" clId="{1833E81B-E5FD-4821-A578-BF7F0E32FE7F}" dt="2022-05-08T21:51:08.106" v="326" actId="1076"/>
-          <ac:picMkLst>
-            <pc:docMk/>
-            <pc:sldMk cId="467931418" sldId="708"/>
-            <ac:picMk id="4" creationId="{00000000-0000-0000-0000-000000000000}"/>
-          </ac:picMkLst>
-        </pc:picChg>
-        <pc:picChg chg="mod">
-          <ac:chgData name="Gerth Stølting Brodal" userId="04ef4784-6591-4f86-a140-f5c3b108582a" providerId="ADAL" clId="{1833E81B-E5FD-4821-A578-BF7F0E32FE7F}" dt="2022-05-08T21:51:08.106" v="326" actId="1076"/>
-          <ac:picMkLst>
-            <pc:docMk/>
-            <pc:sldMk cId="467931418" sldId="708"/>
-            <ac:picMk id="5" creationId="{00000000-0000-0000-0000-000000000000}"/>
-          </ac:picMkLst>
-        </pc:picChg>
-        <pc:picChg chg="mod">
-          <ac:chgData name="Gerth Stølting Brodal" userId="04ef4784-6591-4f86-a140-f5c3b108582a" providerId="ADAL" clId="{1833E81B-E5FD-4821-A578-BF7F0E32FE7F}" dt="2022-05-08T21:51:08.106" v="326" actId="1076"/>
-          <ac:picMkLst>
-            <pc:docMk/>
-            <pc:sldMk cId="467931418" sldId="708"/>
-            <ac:picMk id="6" creationId="{00000000-0000-0000-0000-000000000000}"/>
-          </ac:picMkLst>
-        </pc:picChg>
       </pc:sldChg>
       <pc:sldChg chg="modNotesTx">
         <pc:chgData name="Gerth Stølting Brodal" userId="04ef4784-6591-4f86-a140-f5c3b108582a" providerId="ADAL" clId="{1833E81B-E5FD-4821-A578-BF7F0E32FE7F}" dt="2022-05-08T16:25:53.124" v="292" actId="313"/>
@@ -514,30 +274,6 @@
           <pc:docMk/>
           <pc:sldMk cId="2636328320" sldId="715"/>
         </pc:sldMkLst>
-        <pc:spChg chg="mod">
-          <ac:chgData name="Gerth Stølting Brodal" userId="04ef4784-6591-4f86-a140-f5c3b108582a" providerId="ADAL" clId="{1833E81B-E5FD-4821-A578-BF7F0E32FE7F}" dt="2022-05-08T13:37:47.505" v="192" actId="1076"/>
-          <ac:spMkLst>
-            <pc:docMk/>
-            <pc:sldMk cId="2636328320" sldId="715"/>
-            <ac:spMk id="7" creationId="{00000000-0000-0000-0000-000000000000}"/>
-          </ac:spMkLst>
-        </pc:spChg>
-        <pc:picChg chg="add mod ord">
-          <ac:chgData name="Gerth Stølting Brodal" userId="04ef4784-6591-4f86-a140-f5c3b108582a" providerId="ADAL" clId="{1833E81B-E5FD-4821-A578-BF7F0E32FE7F}" dt="2022-05-08T13:39:07.328" v="195" actId="208"/>
-          <ac:picMkLst>
-            <pc:docMk/>
-            <pc:sldMk cId="2636328320" sldId="715"/>
-            <ac:picMk id="3" creationId="{B779AEBC-E2DE-4BF2-82EA-6AA9745C1211}"/>
-          </ac:picMkLst>
-        </pc:picChg>
-        <pc:picChg chg="add del">
-          <ac:chgData name="Gerth Stølting Brodal" userId="04ef4784-6591-4f86-a140-f5c3b108582a" providerId="ADAL" clId="{1833E81B-E5FD-4821-A578-BF7F0E32FE7F}" dt="2022-05-08T13:37:38.740" v="190" actId="478"/>
-          <ac:picMkLst>
-            <pc:docMk/>
-            <pc:sldMk cId="2636328320" sldId="715"/>
-            <ac:picMk id="4" creationId="{00000000-0000-0000-0000-000000000000}"/>
-          </ac:picMkLst>
-        </pc:picChg>
       </pc:sldChg>
       <pc:sldChg chg="modSp mod">
         <pc:chgData name="Gerth Stølting Brodal" userId="04ef4784-6591-4f86-a140-f5c3b108582a" providerId="ADAL" clId="{1833E81B-E5FD-4821-A578-BF7F0E32FE7F}" dt="2022-05-08T22:17:54.121" v="334" actId="20577"/>
@@ -545,14 +281,6 @@
           <pc:docMk/>
           <pc:sldMk cId="2312210166" sldId="718"/>
         </pc:sldMkLst>
-        <pc:spChg chg="mod">
-          <ac:chgData name="Gerth Stølting Brodal" userId="04ef4784-6591-4f86-a140-f5c3b108582a" providerId="ADAL" clId="{1833E81B-E5FD-4821-A578-BF7F0E32FE7F}" dt="2022-05-08T22:17:54.121" v="334" actId="20577"/>
-          <ac:spMkLst>
-            <pc:docMk/>
-            <pc:sldMk cId="2312210166" sldId="718"/>
-            <ac:spMk id="48" creationId="{00000000-0000-0000-0000-000000000000}"/>
-          </ac:spMkLst>
-        </pc:spChg>
       </pc:sldChg>
       <pc:sldChg chg="modNotesTx">
         <pc:chgData name="Gerth Stølting Brodal" userId="04ef4784-6591-4f86-a140-f5c3b108582a" providerId="ADAL" clId="{1833E81B-E5FD-4821-A578-BF7F0E32FE7F}" dt="2022-05-08T22:55:56.369" v="338" actId="20577"/>
@@ -578,6 +306,99 @@
     </pc:docChg>
   </pc:docChgLst>
   <pc:docChgLst>
+    <pc:chgData name="Gerth Stølting Brodal" userId="04ef4784-6591-4f86-a140-f5c3b108582a" providerId="ADAL" clId="{F3CBFA10-E9F6-4185-94C7-11F914C6330E}"/>
+    <pc:docChg chg="undo custSel modSld">
+      <pc:chgData name="Gerth Stølting Brodal" userId="04ef4784-6591-4f86-a140-f5c3b108582a" providerId="ADAL" clId="{F3CBFA10-E9F6-4185-94C7-11F914C6330E}" dt="2025-04-26T18:30:28.470" v="107" actId="20577"/>
+      <pc:docMkLst>
+        <pc:docMk/>
+      </pc:docMkLst>
+      <pc:sldChg chg="addSp delSp modSp mod">
+        <pc:chgData name="Gerth Stølting Brodal" userId="04ef4784-6591-4f86-a140-f5c3b108582a" providerId="ADAL" clId="{F3CBFA10-E9F6-4185-94C7-11F914C6330E}" dt="2025-04-26T18:18:52.042" v="28" actId="1035"/>
+        <pc:sldMkLst>
+          <pc:docMk/>
+          <pc:sldMk cId="324096631" sldId="702"/>
+        </pc:sldMkLst>
+        <pc:spChg chg="mod">
+          <ac:chgData name="Gerth Stølting Brodal" userId="04ef4784-6591-4f86-a140-f5c3b108582a" providerId="ADAL" clId="{F3CBFA10-E9F6-4185-94C7-11F914C6330E}" dt="2025-04-26T18:18:52.042" v="28" actId="1035"/>
+          <ac:spMkLst>
+            <pc:docMk/>
+            <pc:sldMk cId="324096631" sldId="702"/>
+            <ac:spMk id="3" creationId="{00000000-0000-0000-0000-000000000000}"/>
+          </ac:spMkLst>
+        </pc:spChg>
+        <pc:picChg chg="del">
+          <ac:chgData name="Gerth Stølting Brodal" userId="04ef4784-6591-4f86-a140-f5c3b108582a" providerId="ADAL" clId="{F3CBFA10-E9F6-4185-94C7-11F914C6330E}" dt="2025-04-26T18:16:25.192" v="3" actId="478"/>
+          <ac:picMkLst>
+            <pc:docMk/>
+            <pc:sldMk cId="324096631" sldId="702"/>
+            <ac:picMk id="5" creationId="{2C662EB3-BAA2-5FB4-92A7-CE08B31D6375}"/>
+          </ac:picMkLst>
+        </pc:picChg>
+        <pc:picChg chg="add mod ord">
+          <ac:chgData name="Gerth Stølting Brodal" userId="04ef4784-6591-4f86-a140-f5c3b108582a" providerId="ADAL" clId="{F3CBFA10-E9F6-4185-94C7-11F914C6330E}" dt="2025-04-26T18:16:39.671" v="6" actId="1076"/>
+          <ac:picMkLst>
+            <pc:docMk/>
+            <pc:sldMk cId="324096631" sldId="702"/>
+            <ac:picMk id="6" creationId="{D3D0EFE0-7133-ABEE-37BF-EC398D5E0532}"/>
+          </ac:picMkLst>
+        </pc:picChg>
+        <pc:picChg chg="mod">
+          <ac:chgData name="Gerth Stølting Brodal" userId="04ef4784-6591-4f86-a140-f5c3b108582a" providerId="ADAL" clId="{F3CBFA10-E9F6-4185-94C7-11F914C6330E}" dt="2025-04-26T18:16:45.579" v="14" actId="1035"/>
+          <ac:picMkLst>
+            <pc:docMk/>
+            <pc:sldMk cId="324096631" sldId="702"/>
+            <ac:picMk id="7" creationId="{9908D829-A712-4BAE-8893-B0DBE967C335}"/>
+          </ac:picMkLst>
+        </pc:picChg>
+      </pc:sldChg>
+      <pc:sldChg chg="modSp mod">
+        <pc:chgData name="Gerth Stølting Brodal" userId="04ef4784-6591-4f86-a140-f5c3b108582a" providerId="ADAL" clId="{F3CBFA10-E9F6-4185-94C7-11F914C6330E}" dt="2025-04-26T18:18:19.120" v="18" actId="20577"/>
+        <pc:sldMkLst>
+          <pc:docMk/>
+          <pc:sldMk cId="1863959164" sldId="704"/>
+        </pc:sldMkLst>
+        <pc:spChg chg="mod">
+          <ac:chgData name="Gerth Stølting Brodal" userId="04ef4784-6591-4f86-a140-f5c3b108582a" providerId="ADAL" clId="{F3CBFA10-E9F6-4185-94C7-11F914C6330E}" dt="2025-04-26T18:18:19.120" v="18" actId="20577"/>
+          <ac:spMkLst>
+            <pc:docMk/>
+            <pc:sldMk cId="1863959164" sldId="704"/>
+            <ac:spMk id="3" creationId="{00000000-0000-0000-0000-000000000000}"/>
+          </ac:spMkLst>
+        </pc:spChg>
+      </pc:sldChg>
+      <pc:sldChg chg="modNotesTx">
+        <pc:chgData name="Gerth Stølting Brodal" userId="04ef4784-6591-4f86-a140-f5c3b108582a" providerId="ADAL" clId="{F3CBFA10-E9F6-4185-94C7-11F914C6330E}" dt="2025-04-26T18:30:28.470" v="107" actId="20577"/>
+        <pc:sldMkLst>
+          <pc:docMk/>
+          <pc:sldMk cId="3691851833" sldId="711"/>
+        </pc:sldMkLst>
+      </pc:sldChg>
+      <pc:sldChg chg="modSp mod">
+        <pc:chgData name="Gerth Stølting Brodal" userId="04ef4784-6591-4f86-a140-f5c3b108582a" providerId="ADAL" clId="{F3CBFA10-E9F6-4185-94C7-11F914C6330E}" dt="2025-04-26T18:27:37.593" v="34" actId="14100"/>
+        <pc:sldMkLst>
+          <pc:docMk/>
+          <pc:sldMk cId="2312210166" sldId="718"/>
+        </pc:sldMkLst>
+        <pc:spChg chg="mod">
+          <ac:chgData name="Gerth Stølting Brodal" userId="04ef4784-6591-4f86-a140-f5c3b108582a" providerId="ADAL" clId="{F3CBFA10-E9F6-4185-94C7-11F914C6330E}" dt="2025-04-26T18:27:28.375" v="33" actId="14100"/>
+          <ac:spMkLst>
+            <pc:docMk/>
+            <pc:sldMk cId="2312210166" sldId="718"/>
+            <ac:spMk id="52" creationId="{00000000-0000-0000-0000-000000000000}"/>
+          </ac:spMkLst>
+        </pc:spChg>
+        <pc:spChg chg="mod">
+          <ac:chgData name="Gerth Stølting Brodal" userId="04ef4784-6591-4f86-a140-f5c3b108582a" providerId="ADAL" clId="{F3CBFA10-E9F6-4185-94C7-11F914C6330E}" dt="2025-04-26T18:27:37.593" v="34" actId="14100"/>
+          <ac:spMkLst>
+            <pc:docMk/>
+            <pc:sldMk cId="2312210166" sldId="718"/>
+            <ac:spMk id="53" creationId="{00000000-0000-0000-0000-000000000000}"/>
+          </ac:spMkLst>
+        </pc:spChg>
+      </pc:sldChg>
+    </pc:docChg>
+  </pc:docChgLst>
+  <pc:docChgLst>
     <pc:chgData name="Gerth Stølting Brodal" userId="04ef4784-6591-4f86-a140-f5c3b108582a" providerId="ADAL" clId="{E844BD47-6F0E-48E1-86F1-22B2BA2793E1}"/>
     <pc:docChg chg="undo custSel modSld">
       <pc:chgData name="Gerth Stølting Brodal" userId="04ef4784-6591-4f86-a140-f5c3b108582a" providerId="ADAL" clId="{E844BD47-6F0E-48E1-86F1-22B2BA2793E1}" dt="2024-05-06T11:44:39.974" v="100" actId="20577"/>
@@ -590,14 +411,6 @@
           <pc:docMk/>
           <pc:sldMk cId="3043987364" sldId="701"/>
         </pc:sldMkLst>
-        <pc:graphicFrameChg chg="mod">
-          <ac:chgData name="Gerth Stølting Brodal" userId="04ef4784-6591-4f86-a140-f5c3b108582a" providerId="ADAL" clId="{E844BD47-6F0E-48E1-86F1-22B2BA2793E1}" dt="2024-05-06T07:02:16.935" v="99" actId="1076"/>
-          <ac:graphicFrameMkLst>
-            <pc:docMk/>
-            <pc:sldMk cId="3043987364" sldId="701"/>
-            <ac:graphicFrameMk id="6" creationId="{00000000-0000-0000-0000-000000000000}"/>
-          </ac:graphicFrameMkLst>
-        </pc:graphicFrameChg>
       </pc:sldChg>
       <pc:sldChg chg="addSp delSp modSp mod">
         <pc:chgData name="Gerth Stølting Brodal" userId="04ef4784-6591-4f86-a140-f5c3b108582a" providerId="ADAL" clId="{E844BD47-6F0E-48E1-86F1-22B2BA2793E1}" dt="2024-05-06T06:28:32.588" v="25" actId="1035"/>
@@ -605,30 +418,6 @@
           <pc:docMk/>
           <pc:sldMk cId="324096631" sldId="702"/>
         </pc:sldMkLst>
-        <pc:picChg chg="add del">
-          <ac:chgData name="Gerth Stølting Brodal" userId="04ef4784-6591-4f86-a140-f5c3b108582a" providerId="ADAL" clId="{E844BD47-6F0E-48E1-86F1-22B2BA2793E1}" dt="2024-05-06T06:25:35.588" v="8" actId="478"/>
-          <ac:picMkLst>
-            <pc:docMk/>
-            <pc:sldMk cId="324096631" sldId="702"/>
-            <ac:picMk id="4" creationId="{ACA3CEFE-A3F0-DC61-C6BF-B114F64DDB96}"/>
-          </ac:picMkLst>
-        </pc:picChg>
-        <pc:picChg chg="add del mod ord">
-          <ac:chgData name="Gerth Stølting Brodal" userId="04ef4784-6591-4f86-a140-f5c3b108582a" providerId="ADAL" clId="{E844BD47-6F0E-48E1-86F1-22B2BA2793E1}" dt="2024-05-06T06:25:51.222" v="11" actId="1076"/>
-          <ac:picMkLst>
-            <pc:docMk/>
-            <pc:sldMk cId="324096631" sldId="702"/>
-            <ac:picMk id="5" creationId="{2C662EB3-BAA2-5FB4-92A7-CE08B31D6375}"/>
-          </ac:picMkLst>
-        </pc:picChg>
-        <pc:picChg chg="mod">
-          <ac:chgData name="Gerth Stølting Brodal" userId="04ef4784-6591-4f86-a140-f5c3b108582a" providerId="ADAL" clId="{E844BD47-6F0E-48E1-86F1-22B2BA2793E1}" dt="2024-05-06T06:28:32.588" v="25" actId="1035"/>
-          <ac:picMkLst>
-            <pc:docMk/>
-            <pc:sldMk cId="324096631" sldId="702"/>
-            <ac:picMk id="7" creationId="{9908D829-A712-4BAE-8893-B0DBE967C335}"/>
-          </ac:picMkLst>
-        </pc:picChg>
       </pc:sldChg>
       <pc:sldChg chg="modSp mod modNotesTx">
         <pc:chgData name="Gerth Stølting Brodal" userId="04ef4784-6591-4f86-a140-f5c3b108582a" providerId="ADAL" clId="{E844BD47-6F0E-48E1-86F1-22B2BA2793E1}" dt="2024-05-06T06:42:06.319" v="95" actId="20577"/>
@@ -636,14 +425,6 @@
           <pc:docMk/>
           <pc:sldMk cId="1863959164" sldId="704"/>
         </pc:sldMkLst>
-        <pc:spChg chg="mod">
-          <ac:chgData name="Gerth Stølting Brodal" userId="04ef4784-6591-4f86-a140-f5c3b108582a" providerId="ADAL" clId="{E844BD47-6F0E-48E1-86F1-22B2BA2793E1}" dt="2024-05-06T06:42:06.319" v="95" actId="20577"/>
-          <ac:spMkLst>
-            <pc:docMk/>
-            <pc:sldMk cId="1863959164" sldId="704"/>
-            <ac:spMk id="3" creationId="{00000000-0000-0000-0000-000000000000}"/>
-          </ac:spMkLst>
-        </pc:spChg>
       </pc:sldChg>
       <pc:sldChg chg="modSp mod">
         <pc:chgData name="Gerth Stølting Brodal" userId="04ef4784-6591-4f86-a140-f5c3b108582a" providerId="ADAL" clId="{E844BD47-6F0E-48E1-86F1-22B2BA2793E1}" dt="2024-05-06T06:44:50.750" v="98" actId="207"/>
@@ -651,14 +432,6 @@
           <pc:docMk/>
           <pc:sldMk cId="1389040031" sldId="709"/>
         </pc:sldMkLst>
-        <pc:graphicFrameChg chg="modGraphic">
-          <ac:chgData name="Gerth Stølting Brodal" userId="04ef4784-6591-4f86-a140-f5c3b108582a" providerId="ADAL" clId="{E844BD47-6F0E-48E1-86F1-22B2BA2793E1}" dt="2024-05-06T06:44:50.750" v="98" actId="207"/>
-          <ac:graphicFrameMkLst>
-            <pc:docMk/>
-            <pc:sldMk cId="1389040031" sldId="709"/>
-            <ac:graphicFrameMk id="4" creationId="{00000000-0000-0000-0000-000000000000}"/>
-          </ac:graphicFrameMkLst>
-        </pc:graphicFrameChg>
       </pc:sldChg>
       <pc:sldChg chg="modSp mod">
         <pc:chgData name="Gerth Stølting Brodal" userId="04ef4784-6591-4f86-a140-f5c3b108582a" providerId="ADAL" clId="{E844BD47-6F0E-48E1-86F1-22B2BA2793E1}" dt="2024-05-06T11:44:39.974" v="100" actId="20577"/>
@@ -666,14 +439,6 @@
           <pc:docMk/>
           <pc:sldMk cId="2312210166" sldId="718"/>
         </pc:sldMkLst>
-        <pc:spChg chg="mod">
-          <ac:chgData name="Gerth Stølting Brodal" userId="04ef4784-6591-4f86-a140-f5c3b108582a" providerId="ADAL" clId="{E844BD47-6F0E-48E1-86F1-22B2BA2793E1}" dt="2024-05-06T11:44:39.974" v="100" actId="20577"/>
-          <ac:spMkLst>
-            <pc:docMk/>
-            <pc:sldMk cId="2312210166" sldId="718"/>
-            <ac:spMk id="52" creationId="{00000000-0000-0000-0000-000000000000}"/>
-          </ac:spMkLst>
-        </pc:spChg>
       </pc:sldChg>
     </pc:docChg>
   </pc:docChgLst>
@@ -762,7 +527,7 @@
           <a:p>
             <a:fld id="{FB1A172F-81D4-4DC4-9113-1DBD56EC3646}" type="datetimeFigureOut">
               <a:rPr lang="en-US" smtClean="0"/>
-              <a:t>5/6/2024</a:t>
+              <a:t>4/26/2025</a:t>
             </a:fld>
             <a:endParaRPr lang="en-US"/>
           </a:p>
@@ -1158,31 +923,150 @@
           <a:lstStyle/>
           <a:p>
             <a:r>
-              <a:rPr lang="en-US" dirty="0" err="1"/>
-              <a:t>ArrayList</a:t>
-            </a:r>
-            <a:r>
-              <a:rPr lang="en-US" b="1" dirty="0"/>
-              <a:t>&lt;&gt;</a:t>
+              <a:rPr lang="da-DK" dirty="0"/>
+              <a:t>byte</a:t>
+            </a:r>
+            <a:r>
+              <a:rPr lang="da-DK" baseline="0" dirty="0"/>
+              <a:t> = </a:t>
             </a:r>
             <a:r>
               <a:rPr lang="en-US" dirty="0"/>
-              <a:t> x = new </a:t>
-            </a:r>
-            <a:r>
-              <a:rPr lang="en-US" dirty="0" err="1"/>
-              <a:t>ArrayList</a:t>
-            </a:r>
-            <a:r>
-              <a:rPr lang="en-US" dirty="0"/>
-              <a:t>&lt;String&gt;();  --- </a:t>
-            </a:r>
-            <a:r>
-              <a:rPr lang="en-US" b="1" dirty="0"/>
-              <a:t>does not work</a:t>
-            </a:r>
+              <a:t>-128 to 127</a:t>
+            </a:r>
+            <a:endParaRPr lang="da-DK" dirty="0"/>
           </a:p>
           <a:p>
+            <a:r>
+              <a:rPr lang="da-DK" dirty="0" err="1"/>
+              <a:t>BigInteger</a:t>
+            </a:r>
+            <a:r>
+              <a:rPr lang="da-DK" dirty="0"/>
+              <a:t> have a </a:t>
+            </a:r>
+            <a:r>
+              <a:rPr lang="da-DK" dirty="0" err="1"/>
+              <a:t>toString</a:t>
+            </a:r>
+            <a:r>
+              <a:rPr lang="da-DK" dirty="0"/>
+              <a:t> </a:t>
+            </a:r>
+            <a:r>
+              <a:rPr lang="da-DK" dirty="0" err="1"/>
+              <a:t>method</a:t>
+            </a:r>
+            <a:r>
+              <a:rPr lang="da-DK" dirty="0"/>
+              <a:t>, </a:t>
+            </a:r>
+            <a:r>
+              <a:rPr lang="da-DK" dirty="0" err="1"/>
+              <a:t>like</a:t>
+            </a:r>
+            <a:r>
+              <a:rPr lang="da-DK" dirty="0"/>
+              <a:t> </a:t>
+            </a:r>
+            <a:r>
+              <a:rPr lang="da-DK" dirty="0" err="1"/>
+              <a:t>Python</a:t>
+            </a:r>
+            <a:r>
+              <a:rPr lang="da-DK" dirty="0"/>
+              <a:t> __</a:t>
+            </a:r>
+            <a:r>
+              <a:rPr lang="da-DK" dirty="0" err="1"/>
+              <a:t>str</a:t>
+            </a:r>
+            <a:r>
+              <a:rPr lang="da-DK" dirty="0"/>
+              <a:t>__</a:t>
+            </a:r>
+            <a:r>
+              <a:rPr lang="da-DK" baseline="0" dirty="0"/>
+              <a:t> </a:t>
+            </a:r>
+            <a:r>
+              <a:rPr lang="da-DK" baseline="0" dirty="0" err="1"/>
+              <a:t>method</a:t>
+            </a:r>
+            <a:r>
+              <a:rPr lang="da-DK" baseline="0" dirty="0"/>
+              <a:t>, and </a:t>
+            </a:r>
+            <a:r>
+              <a:rPr lang="da-DK" baseline="0" dirty="0" err="1"/>
+              <a:t>str</a:t>
+            </a:r>
+            <a:r>
+              <a:rPr lang="da-DK" baseline="0" dirty="0"/>
+              <a:t>(x)</a:t>
+            </a:r>
+          </a:p>
+          <a:p>
+            <a:r>
+              <a:rPr lang="da-DK" baseline="0" dirty="0"/>
+              <a:t>Java </a:t>
+            </a:r>
+            <a:r>
+              <a:rPr lang="da-DK" baseline="0" dirty="0" err="1"/>
+              <a:t>does</a:t>
+            </a:r>
+            <a:r>
+              <a:rPr lang="da-DK" baseline="0" dirty="0"/>
+              <a:t> not </a:t>
+            </a:r>
+            <a:r>
+              <a:rPr lang="da-DK" baseline="0" dirty="0" err="1"/>
+              <a:t>allow</a:t>
+            </a:r>
+            <a:r>
+              <a:rPr lang="da-DK" baseline="0" dirty="0"/>
+              <a:t> </a:t>
+            </a:r>
+            <a:r>
+              <a:rPr lang="da-DK" baseline="0" dirty="0" err="1"/>
+              <a:t>uses</a:t>
+            </a:r>
+            <a:r>
+              <a:rPr lang="da-DK" baseline="0" dirty="0"/>
+              <a:t> to overload operators, so </a:t>
+            </a:r>
+            <a:r>
+              <a:rPr lang="da-DK" baseline="0" dirty="0" err="1"/>
+              <a:t>we</a:t>
+            </a:r>
+            <a:r>
+              <a:rPr lang="da-DK" baseline="0" dirty="0"/>
+              <a:t> have to </a:t>
+            </a:r>
+            <a:r>
+              <a:rPr lang="da-DK" baseline="0" dirty="0" err="1"/>
+              <a:t>write</a:t>
+            </a:r>
+            <a:r>
+              <a:rPr lang="da-DK" baseline="0" dirty="0"/>
+              <a:t> </a:t>
+            </a:r>
+            <a:r>
+              <a:rPr lang="da-DK" baseline="0" dirty="0" err="1"/>
+              <a:t>x.multiply</a:t>
+            </a:r>
+            <a:r>
+              <a:rPr lang="da-DK" baseline="0" dirty="0"/>
+              <a:t>(x) </a:t>
+            </a:r>
+            <a:r>
+              <a:rPr lang="da-DK" baseline="0" dirty="0" err="1"/>
+              <a:t>instead</a:t>
+            </a:r>
+            <a:r>
+              <a:rPr lang="da-DK" baseline="0" dirty="0"/>
+              <a:t> of x * x</a:t>
+            </a:r>
             <a:endParaRPr lang="en-US" dirty="0"/>
           </a:p>
         </p:txBody>
@@ -1204,7 +1088,7 @@
           <a:p>
             <a:fld id="{CD563DD8-32AB-41BE-B1C6-8EAC45222ACE}" type="slidenum">
               <a:rPr lang="en-US" smtClean="0"/>
-              <a:t>14</a:t>
+              <a:t>12</a:t>
             </a:fld>
             <a:endParaRPr lang="en-US"/>
           </a:p>
@@ -1213,7 +1097,7 @@
     </p:spTree>
     <p:extLst>
       <p:ext uri="{BB962C8B-B14F-4D97-AF65-F5344CB8AC3E}">
-        <p14:creationId xmlns:p14="http://schemas.microsoft.com/office/powerpoint/2010/main" val="2363256891"/>
+        <p14:creationId xmlns:p14="http://schemas.microsoft.com/office/powerpoint/2010/main" val="4065296491"/>
       </p:ext>
     </p:extLst>
   </p:cSld>
@@ -1268,21 +1152,31 @@
           <a:lstStyle/>
           <a:p>
             <a:r>
+              <a:rPr lang="en-US" dirty="0" err="1"/>
+              <a:t>ArrayList</a:t>
+            </a:r>
+            <a:r>
+              <a:rPr lang="en-US" b="1" dirty="0"/>
+              <a:t>&lt;&gt;</a:t>
+            </a:r>
+            <a:r>
               <a:rPr lang="en-US" dirty="0"/>
-              <a:t>+ = example</a:t>
-            </a:r>
-            <a:r>
-              <a:rPr lang="en-US" baseline="0" dirty="0"/>
-              <a:t> of </a:t>
-            </a:r>
-            <a:r>
-              <a:rPr lang="en-US" baseline="0" dirty="0" err="1"/>
-              <a:t>builtin</a:t>
-            </a:r>
-            <a:r>
-              <a:rPr lang="en-US" baseline="0" dirty="0"/>
-              <a:t> overloaded operator</a:t>
-            </a:r>
+              <a:t> x = new </a:t>
+            </a:r>
+            <a:r>
+              <a:rPr lang="en-US" dirty="0" err="1"/>
+              <a:t>ArrayList</a:t>
+            </a:r>
+            <a:r>
+              <a:rPr lang="en-US" dirty="0"/>
+              <a:t>&lt;String&gt;();  --- </a:t>
+            </a:r>
+            <a:r>
+              <a:rPr lang="en-US" b="1" dirty="0"/>
+              <a:t>does not work</a:t>
+            </a:r>
+          </a:p>
+          <a:p>
             <a:endParaRPr lang="en-US" dirty="0"/>
           </a:p>
         </p:txBody>
@@ -1304,7 +1198,7 @@
           <a:p>
             <a:fld id="{CD563DD8-32AB-41BE-B1C6-8EAC45222ACE}" type="slidenum">
               <a:rPr lang="en-US" smtClean="0"/>
-              <a:t>15</a:t>
+              <a:t>14</a:t>
             </a:fld>
             <a:endParaRPr lang="en-US"/>
           </a:p>
@@ -1313,7 +1207,7 @@
     </p:spTree>
     <p:extLst>
       <p:ext uri="{BB962C8B-B14F-4D97-AF65-F5344CB8AC3E}">
-        <p14:creationId xmlns:p14="http://schemas.microsoft.com/office/powerpoint/2010/main" val="3028435154"/>
+        <p14:creationId xmlns:p14="http://schemas.microsoft.com/office/powerpoint/2010/main" val="2363256891"/>
       </p:ext>
     </p:extLst>
   </p:cSld>
@@ -1369,11 +1263,19 @@
           <a:p>
             <a:r>
               <a:rPr lang="en-US" dirty="0"/>
-              <a:t>when having multiple</a:t>
+              <a:t>+ = example</a:t>
             </a:r>
             <a:r>
               <a:rPr lang="en-US" baseline="0" dirty="0"/>
-              <a:t> class definitions in a file, only one can be public – and must have same name as the file.</a:t>
+              <a:t> of </a:t>
+            </a:r>
+            <a:r>
+              <a:rPr lang="en-US" baseline="0" dirty="0" err="1"/>
+              <a:t>builtin</a:t>
+            </a:r>
+            <a:r>
+              <a:rPr lang="en-US" baseline="0" dirty="0"/>
+              <a:t> overloaded operator</a:t>
             </a:r>
             <a:endParaRPr lang="en-US" dirty="0"/>
           </a:p>
@@ -1396,7 +1298,7 @@
           <a:p>
             <a:fld id="{CD563DD8-32AB-41BE-B1C6-8EAC45222ACE}" type="slidenum">
               <a:rPr lang="en-US" smtClean="0"/>
-              <a:t>16</a:t>
+              <a:t>15</a:t>
             </a:fld>
             <a:endParaRPr lang="en-US"/>
           </a:p>
@@ -1405,7 +1307,7 @@
     </p:spTree>
     <p:extLst>
       <p:ext uri="{BB962C8B-B14F-4D97-AF65-F5344CB8AC3E}">
-        <p14:creationId xmlns:p14="http://schemas.microsoft.com/office/powerpoint/2010/main" val="2544648723"/>
+        <p14:creationId xmlns:p14="http://schemas.microsoft.com/office/powerpoint/2010/main" val="3028435154"/>
       </p:ext>
     </p:extLst>
   </p:cSld>
@@ -1461,81 +1363,12 @@
           <a:p>
             <a:r>
               <a:rPr lang="en-US" dirty="0"/>
-              <a:t>When a method or a variable is marked as </a:t>
-            </a:r>
-            <a:r>
-              <a:rPr lang="en-US" b="1" dirty="0"/>
-              <a:t>protected</a:t>
-            </a:r>
-            <a:r>
-              <a:rPr lang="en-US" dirty="0"/>
-              <a:t>, it can be accessed from:</a:t>
-            </a:r>
-          </a:p>
-          <a:p>
-            <a:pPr lvl="1"/>
-            <a:r>
-              <a:rPr lang="en-US" sz="700" kern="1200" dirty="0">
-                <a:solidFill>
-                  <a:schemeClr val="tx1"/>
-                </a:solidFill>
-                <a:effectLst/>
-                <a:latin typeface="+mn-lt"/>
-                <a:ea typeface="+mn-ea"/>
-                <a:cs typeface="+mn-cs"/>
-              </a:rPr>
-              <a:t>          1) </a:t>
-            </a:r>
-            <a:r>
-              <a:rPr lang="en-US" dirty="0">
-                <a:effectLst/>
-              </a:rPr>
-              <a:t>Within the enclosing class.</a:t>
-            </a:r>
-          </a:p>
-          <a:p>
-            <a:pPr lvl="1"/>
-            <a:r>
-              <a:rPr lang="en-US" sz="700" kern="1200" dirty="0">
-                <a:solidFill>
-                  <a:schemeClr val="tx1"/>
-                </a:solidFill>
-                <a:effectLst/>
-                <a:latin typeface="+mn-lt"/>
-                <a:ea typeface="+mn-ea"/>
-                <a:cs typeface="+mn-cs"/>
-              </a:rPr>
-              <a:t>          2) </a:t>
-            </a:r>
-            <a:r>
-              <a:rPr lang="en-US" dirty="0">
-                <a:effectLst/>
-              </a:rPr>
-              <a:t>Other classes in the same package as the enclosing class.</a:t>
-            </a:r>
-          </a:p>
-          <a:p>
-            <a:pPr lvl="1"/>
-            <a:r>
-              <a:rPr lang="en-US" sz="700" kern="1200" dirty="0">
-                <a:solidFill>
-                  <a:schemeClr val="tx1"/>
-                </a:solidFill>
-                <a:effectLst/>
-                <a:latin typeface="+mn-lt"/>
-                <a:ea typeface="+mn-ea"/>
-                <a:cs typeface="+mn-cs"/>
-              </a:rPr>
-              <a:t>          3) </a:t>
-            </a:r>
-            <a:r>
-              <a:rPr lang="en-US" dirty="0">
-                <a:effectLst/>
-              </a:rPr>
-              <a:t>Sub classes, regardless of packages</a:t>
-            </a:r>
-          </a:p>
-          <a:p>
+              <a:t>when having multiple</a:t>
+            </a:r>
+            <a:r>
+              <a:rPr lang="en-US" baseline="0" dirty="0"/>
+              <a:t> class definitions in a file, only one can be public – and must have same name as the file.</a:t>
+            </a:r>
             <a:endParaRPr lang="en-US" dirty="0"/>
           </a:p>
         </p:txBody>
@@ -1557,7 +1390,7 @@
           <a:p>
             <a:fld id="{CD563DD8-32AB-41BE-B1C6-8EAC45222ACE}" type="slidenum">
               <a:rPr lang="en-US" smtClean="0"/>
-              <a:t>17</a:t>
+              <a:t>16</a:t>
             </a:fld>
             <a:endParaRPr lang="en-US"/>
           </a:p>
@@ -1566,7 +1399,7 @@
     </p:spTree>
     <p:extLst>
       <p:ext uri="{BB962C8B-B14F-4D97-AF65-F5344CB8AC3E}">
-        <p14:creationId xmlns:p14="http://schemas.microsoft.com/office/powerpoint/2010/main" val="1808976318"/>
+        <p14:creationId xmlns:p14="http://schemas.microsoft.com/office/powerpoint/2010/main" val="2544648723"/>
       </p:ext>
     </p:extLst>
   </p:cSld>
@@ -1622,20 +1455,81 @@
           <a:p>
             <a:r>
               <a:rPr lang="en-US" dirty="0"/>
-              <a:t>Uses “</a:t>
-            </a:r>
-            <a:r>
-              <a:rPr lang="en-US" dirty="0" err="1"/>
-              <a:t>var</a:t>
+              <a:t>When a method or a variable is marked as </a:t>
+            </a:r>
+            <a:r>
+              <a:rPr lang="en-US" b="1" dirty="0"/>
+              <a:t>protected</a:t>
             </a:r>
             <a:r>
               <a:rPr lang="en-US" dirty="0"/>
-              <a:t> p” to avoid writing</a:t>
-            </a:r>
-            <a:r>
-              <a:rPr lang="en-US" baseline="0" dirty="0"/>
-              <a:t> “Pair&lt;Integer&gt; p”</a:t>
-            </a:r>
+              <a:t>, it can be accessed from:</a:t>
+            </a:r>
+          </a:p>
+          <a:p>
+            <a:pPr lvl="1"/>
+            <a:r>
+              <a:rPr lang="en-US" sz="700" kern="1200" dirty="0">
+                <a:solidFill>
+                  <a:schemeClr val="tx1"/>
+                </a:solidFill>
+                <a:effectLst/>
+                <a:latin typeface="+mn-lt"/>
+                <a:ea typeface="+mn-ea"/>
+                <a:cs typeface="+mn-cs"/>
+              </a:rPr>
+              <a:t>          1) </a:t>
+            </a:r>
+            <a:r>
+              <a:rPr lang="en-US" dirty="0">
+                <a:effectLst/>
+              </a:rPr>
+              <a:t>Within the enclosing class.</a:t>
+            </a:r>
+          </a:p>
+          <a:p>
+            <a:pPr lvl="1"/>
+            <a:r>
+              <a:rPr lang="en-US" sz="700" kern="1200" dirty="0">
+                <a:solidFill>
+                  <a:schemeClr val="tx1"/>
+                </a:solidFill>
+                <a:effectLst/>
+                <a:latin typeface="+mn-lt"/>
+                <a:ea typeface="+mn-ea"/>
+                <a:cs typeface="+mn-cs"/>
+              </a:rPr>
+              <a:t>          2) </a:t>
+            </a:r>
+            <a:r>
+              <a:rPr lang="en-US" dirty="0">
+                <a:effectLst/>
+              </a:rPr>
+              <a:t>Other classes in the same package as the enclosing class.</a:t>
+            </a:r>
+          </a:p>
+          <a:p>
+            <a:pPr lvl="1"/>
+            <a:r>
+              <a:rPr lang="en-US" sz="700" kern="1200" dirty="0">
+                <a:solidFill>
+                  <a:schemeClr val="tx1"/>
+                </a:solidFill>
+                <a:effectLst/>
+                <a:latin typeface="+mn-lt"/>
+                <a:ea typeface="+mn-ea"/>
+                <a:cs typeface="+mn-cs"/>
+              </a:rPr>
+              <a:t>          3) </a:t>
+            </a:r>
+            <a:r>
+              <a:rPr lang="en-US" dirty="0">
+                <a:effectLst/>
+              </a:rPr>
+              <a:t>Sub classes, regardless of packages</a:t>
+            </a:r>
+          </a:p>
+          <a:p>
             <a:endParaRPr lang="en-US" dirty="0"/>
           </a:p>
         </p:txBody>
@@ -1657,7 +1551,7 @@
           <a:p>
             <a:fld id="{CD563DD8-32AB-41BE-B1C6-8EAC45222ACE}" type="slidenum">
               <a:rPr lang="en-US" smtClean="0"/>
-              <a:t>18</a:t>
+              <a:t>17</a:t>
             </a:fld>
             <a:endParaRPr lang="en-US"/>
           </a:p>
@@ -1666,7 +1560,7 @@
     </p:spTree>
     <p:extLst>
       <p:ext uri="{BB962C8B-B14F-4D97-AF65-F5344CB8AC3E}">
-        <p14:creationId xmlns:p14="http://schemas.microsoft.com/office/powerpoint/2010/main" val="3511152455"/>
+        <p14:creationId xmlns:p14="http://schemas.microsoft.com/office/powerpoint/2010/main" val="1808976318"/>
       </p:ext>
     </p:extLst>
   </p:cSld>
@@ -1722,9 +1616,21 @@
           <a:p>
             <a:r>
               <a:rPr lang="en-US" dirty="0"/>
-              <a:t>This ensures that at compile time we know that r has an area method</a:t>
-            </a:r>
-            <a:endParaRPr lang="da-DK" dirty="0"/>
+              <a:t>Uses “</a:t>
+            </a:r>
+            <a:r>
+              <a:rPr lang="en-US" dirty="0" err="1"/>
+              <a:t>var</a:t>
+            </a:r>
+            <a:r>
+              <a:rPr lang="en-US" dirty="0"/>
+              <a:t> p” to avoid writing</a:t>
+            </a:r>
+            <a:r>
+              <a:rPr lang="en-US" baseline="0" dirty="0"/>
+              <a:t> “Pair&lt;Integer&gt; p”</a:t>
+            </a:r>
+            <a:endParaRPr lang="en-US" dirty="0"/>
           </a:p>
         </p:txBody>
       </p:sp>
@@ -1735,7 +1641,7 @@
             <a:spLocks noGrp="1"/>
           </p:cNvSpPr>
           <p:nvPr>
-            <p:ph type="sldNum" sz="quarter" idx="5"/>
+            <p:ph type="sldNum" sz="quarter" idx="10"/>
           </p:nvPr>
         </p:nvSpPr>
         <p:spPr/>
@@ -1745,7 +1651,7 @@
           <a:p>
             <a:fld id="{CD563DD8-32AB-41BE-B1C6-8EAC45222ACE}" type="slidenum">
               <a:rPr lang="en-US" smtClean="0"/>
-              <a:t>19</a:t>
+              <a:t>18</a:t>
             </a:fld>
             <a:endParaRPr lang="en-US"/>
           </a:p>
@@ -1754,7 +1660,7 @@
     </p:spTree>
     <p:extLst>
       <p:ext uri="{BB962C8B-B14F-4D97-AF65-F5344CB8AC3E}">
-        <p14:creationId xmlns:p14="http://schemas.microsoft.com/office/powerpoint/2010/main" val="1192878872"/>
+        <p14:creationId xmlns:p14="http://schemas.microsoft.com/office/powerpoint/2010/main" val="3511152455"/>
       </p:ext>
     </p:extLst>
   </p:cSld>
@@ -1809,71 +1715,10 @@
           <a:lstStyle/>
           <a:p>
             <a:r>
-              <a:rPr lang="da-DK" dirty="0"/>
-              <a:t>A variable </a:t>
-            </a:r>
-            <a:r>
-              <a:rPr lang="da-DK" dirty="0" err="1"/>
-              <a:t>can</a:t>
-            </a:r>
-            <a:r>
-              <a:rPr lang="da-DK" dirty="0"/>
-              <a:t> have type </a:t>
-            </a:r>
-            <a:r>
-              <a:rPr lang="da-DK" dirty="0" err="1"/>
-              <a:t>that</a:t>
-            </a:r>
-            <a:r>
-              <a:rPr lang="da-DK" dirty="0"/>
-              <a:t> is an abstract class</a:t>
-            </a:r>
-          </a:p>
-          <a:p>
-            <a:r>
-              <a:rPr lang="da-DK" dirty="0"/>
-              <a:t>Int / </a:t>
-            </a:r>
-            <a:r>
-              <a:rPr lang="da-DK" dirty="0" err="1"/>
-              <a:t>int</a:t>
-            </a:r>
-            <a:r>
-              <a:rPr lang="da-DK" dirty="0"/>
-              <a:t> returns </a:t>
-            </a:r>
-            <a:r>
-              <a:rPr lang="da-DK" dirty="0" err="1"/>
-              <a:t>int</a:t>
-            </a:r>
-            <a:r>
-              <a:rPr lang="da-DK" dirty="0"/>
-              <a:t> (</a:t>
-            </a:r>
-            <a:r>
-              <a:rPr lang="da-DK" dirty="0" err="1"/>
-              <a:t>integer</a:t>
-            </a:r>
-            <a:r>
-              <a:rPr lang="da-DK" dirty="0"/>
-              <a:t> division), </a:t>
-            </a:r>
-            <a:r>
-              <a:rPr lang="da-DK" dirty="0" err="1"/>
-              <a:t>whereas</a:t>
-            </a:r>
-            <a:r>
-              <a:rPr lang="da-DK" dirty="0"/>
-              <a:t> x / y is type double </a:t>
-            </a:r>
-            <a:r>
-              <a:rPr lang="da-DK" dirty="0" err="1"/>
-              <a:t>if</a:t>
-            </a:r>
-            <a:r>
-              <a:rPr lang="da-DK" dirty="0"/>
-              <a:t> x and/or y is double</a:t>
-            </a:r>
+              <a:rPr lang="en-US" dirty="0"/>
+              <a:t>This ensures that at compile time we know that r has an area method</a:t>
+            </a:r>
+            <a:endParaRPr lang="da-DK" dirty="0"/>
           </a:p>
         </p:txBody>
       </p:sp>
@@ -1894,7 +1739,7 @@
           <a:p>
             <a:fld id="{CD563DD8-32AB-41BE-B1C6-8EAC45222ACE}" type="slidenum">
               <a:rPr lang="en-US" smtClean="0"/>
-              <a:t>20</a:t>
+              <a:t>19</a:t>
             </a:fld>
             <a:endParaRPr lang="en-US"/>
           </a:p>
@@ -1903,7 +1748,7 @@
     </p:spTree>
     <p:extLst>
       <p:ext uri="{BB962C8B-B14F-4D97-AF65-F5344CB8AC3E}">
-        <p14:creationId xmlns:p14="http://schemas.microsoft.com/office/powerpoint/2010/main" val="3890235294"/>
+        <p14:creationId xmlns:p14="http://schemas.microsoft.com/office/powerpoint/2010/main" val="1192878872"/>
       </p:ext>
     </p:extLst>
   </p:cSld>
@@ -1958,281 +1803,71 @@
           <a:lstStyle/>
           <a:p>
             <a:r>
-              <a:rPr lang="da-DK" sz="1200" dirty="0">
-                <a:latin typeface="Courier New" panose="02070309020205020404" pitchFamily="49" charset="0"/>
-                <a:cs typeface="Courier New" panose="02070309020205020404" pitchFamily="49" charset="0"/>
-              </a:rPr>
-              <a:t>@override</a:t>
-            </a:r>
-            <a:r>
-              <a:rPr lang="da-DK" sz="1200" dirty="0"/>
-              <a:t> </a:t>
-            </a:r>
-            <a:r>
-              <a:rPr lang="da-DK" sz="1200" dirty="0" err="1"/>
-              <a:t>helps</a:t>
-            </a:r>
-            <a:r>
-              <a:rPr lang="da-DK" sz="1200" baseline="0" dirty="0"/>
-              <a:t> to spot </a:t>
-            </a:r>
-            <a:r>
-              <a:rPr lang="da-DK" sz="1200" baseline="0" dirty="0" err="1"/>
-              <a:t>misspellings</a:t>
-            </a:r>
-            <a:r>
-              <a:rPr lang="da-DK" sz="1200" baseline="0" dirty="0"/>
-              <a:t> </a:t>
+              <a:rPr lang="da-DK" dirty="0"/>
+              <a:t>A variable </a:t>
+            </a:r>
+            <a:r>
+              <a:rPr lang="da-DK" dirty="0" err="1"/>
+              <a:t>can</a:t>
+            </a:r>
+            <a:r>
+              <a:rPr lang="da-DK" dirty="0"/>
+              <a:t> have type </a:t>
+            </a:r>
+            <a:r>
+              <a:rPr lang="da-DK" dirty="0" err="1"/>
+              <a:t>that</a:t>
+            </a:r>
+            <a:r>
+              <a:rPr lang="da-DK" dirty="0"/>
+              <a:t> is an abstract class</a:t>
             </a:r>
           </a:p>
           <a:p>
             <a:r>
-              <a:rPr lang="da-DK" sz="1200" baseline="0" dirty="0"/>
-              <a:t>If C </a:t>
-            </a:r>
-            <a:r>
-              <a:rPr lang="da-DK" sz="1200" baseline="0" dirty="0" err="1"/>
-              <a:t>does</a:t>
-            </a:r>
-            <a:r>
-              <a:rPr lang="da-DK" sz="1200" baseline="0" dirty="0"/>
-              <a:t> </a:t>
-            </a:r>
-            <a:r>
-              <a:rPr lang="da-DK" sz="1200" baseline="0" dirty="0" err="1"/>
-              <a:t>definde</a:t>
-            </a:r>
-            <a:r>
-              <a:rPr lang="da-DK" sz="1200" baseline="0" dirty="0"/>
-              <a:t> </a:t>
-            </a:r>
-            <a:r>
-              <a:rPr lang="da-DK" sz="1200" baseline="0" dirty="0" err="1"/>
-              <a:t>sayHi</a:t>
-            </a:r>
-            <a:r>
-              <a:rPr lang="da-DK" sz="1200" baseline="0" dirty="0"/>
-              <a:t>, </a:t>
-            </a:r>
-            <a:r>
-              <a:rPr lang="da-DK" sz="1200" baseline="0" dirty="0" err="1"/>
-              <a:t>we</a:t>
-            </a:r>
-            <a:r>
-              <a:rPr lang="da-DK" sz="1200" baseline="0" dirty="0"/>
-              <a:t> </a:t>
-            </a:r>
-            <a:r>
-              <a:rPr lang="da-DK" sz="1200" baseline="0" dirty="0" err="1"/>
-              <a:t>will</a:t>
-            </a:r>
-            <a:r>
-              <a:rPr lang="da-DK" sz="1200" baseline="0" dirty="0"/>
-              <a:t> </a:t>
-            </a:r>
-            <a:r>
-              <a:rPr lang="da-DK" sz="1200" baseline="0" dirty="0" err="1"/>
-              <a:t>get</a:t>
-            </a:r>
-            <a:r>
-              <a:rPr lang="da-DK" sz="1200" baseline="0" dirty="0"/>
-              <a:t> an ”</a:t>
-            </a:r>
-            <a:r>
-              <a:rPr lang="da-DK" sz="1200" baseline="0" dirty="0" err="1"/>
-              <a:t>Unresolved</a:t>
-            </a:r>
-            <a:r>
-              <a:rPr lang="da-DK" sz="1200" baseline="0" dirty="0"/>
-              <a:t> compilation problem, </a:t>
-            </a:r>
-            <a:r>
-              <a:rPr lang="da-DK" sz="1200" baseline="0" dirty="0" err="1"/>
-              <a:t>duplicate</a:t>
-            </a:r>
-            <a:r>
-              <a:rPr lang="da-DK" sz="1200" baseline="0" dirty="0"/>
-              <a:t> default </a:t>
-            </a:r>
-            <a:r>
-              <a:rPr lang="da-DK" sz="1200" baseline="0" dirty="0" err="1"/>
-              <a:t>methods</a:t>
-            </a:r>
-            <a:r>
-              <a:rPr lang="da-DK" sz="1200" baseline="0" dirty="0"/>
-              <a:t>”</a:t>
-            </a:r>
-          </a:p>
-          <a:p>
-            <a:r>
-              <a:rPr lang="da-DK" sz="1200" b="0" baseline="0" dirty="0"/>
-              <a:t>If </a:t>
-            </a:r>
-            <a:r>
-              <a:rPr lang="pt-BR" sz="1200" b="0" u="none" dirty="0">
-                <a:solidFill>
-                  <a:schemeClr val="tx1"/>
-                </a:solidFill>
-                <a:latin typeface="Courier New" panose="02070309020205020404" pitchFamily="49" charset="0"/>
-                <a:cs typeface="Courier New" panose="02070309020205020404" pitchFamily="49" charset="0"/>
-              </a:rPr>
-              <a:t>new </a:t>
-            </a:r>
-            <a:r>
-              <a:rPr lang="pt-BR" sz="1200" b="0" u="none" dirty="0">
-                <a:solidFill>
-                  <a:schemeClr val="accent1">
-                    <a:lumMod val="50000"/>
-                  </a:schemeClr>
-                </a:solidFill>
-                <a:latin typeface="Courier New" panose="02070309020205020404" pitchFamily="49" charset="0"/>
-                <a:cs typeface="Courier New" panose="02070309020205020404" pitchFamily="49" charset="0"/>
-              </a:rPr>
-              <a:t>A</a:t>
-            </a:r>
-            <a:r>
-              <a:rPr lang="pt-BR" sz="1200" b="0" u="none" dirty="0">
-                <a:solidFill>
-                  <a:schemeClr val="tx1"/>
-                </a:solidFill>
-                <a:latin typeface="Courier New" panose="02070309020205020404" pitchFamily="49" charset="0"/>
-                <a:cs typeface="Courier New" panose="02070309020205020404" pitchFamily="49" charset="0"/>
-              </a:rPr>
-              <a:t>(){} does not contain {}, then we get “</a:t>
-            </a:r>
-            <a:r>
-              <a:rPr lang="en-US" sz="1200" b="0" u="none" dirty="0">
-                <a:solidFill>
-                  <a:schemeClr val="tx1"/>
-                </a:solidFill>
-                <a:latin typeface="Courier New" panose="02070309020205020404" pitchFamily="49" charset="0"/>
-                <a:cs typeface="Courier New" panose="02070309020205020404" pitchFamily="49" charset="0"/>
-              </a:rPr>
-              <a:t>Unresolved compilation problem: Cannot instantiate the type A”</a:t>
-            </a:r>
-            <a:endParaRPr lang="da-DK" sz="1200" b="0" baseline="0" dirty="0"/>
-          </a:p>
-          <a:p>
-            <a:r>
-              <a:rPr lang="da-DK" sz="1200" baseline="0" dirty="0"/>
-              <a:t>new A() {} : A is </a:t>
-            </a:r>
-            <a:r>
-              <a:rPr lang="da-DK" sz="1200" baseline="0" dirty="0" err="1"/>
-              <a:t>class</a:t>
-            </a:r>
-            <a:r>
-              <a:rPr lang="da-DK" sz="1200" baseline="0" dirty="0"/>
-              <a:t> or interface, () is </a:t>
-            </a:r>
-            <a:r>
-              <a:rPr lang="da-DK" sz="1200" baseline="0" dirty="0" err="1"/>
-              <a:t>calling</a:t>
-            </a:r>
-            <a:r>
-              <a:rPr lang="da-DK" sz="1200" baseline="0" dirty="0"/>
-              <a:t> the </a:t>
-            </a:r>
-            <a:r>
-              <a:rPr lang="da-DK" sz="1200" baseline="0" dirty="0" err="1"/>
-              <a:t>constructor</a:t>
-            </a:r>
-            <a:r>
-              <a:rPr lang="da-DK" sz="1200" baseline="0" dirty="0"/>
-              <a:t>, {} </a:t>
-            </a:r>
-            <a:r>
-              <a:rPr lang="da-DK" sz="1200" baseline="0" dirty="0" err="1"/>
-              <a:t>can</a:t>
-            </a:r>
-            <a:r>
-              <a:rPr lang="da-DK" sz="1200" baseline="0" dirty="0"/>
-              <a:t> </a:t>
-            </a:r>
-            <a:r>
-              <a:rPr lang="da-DK" sz="1200" baseline="0" dirty="0" err="1"/>
-              <a:t>contain</a:t>
-            </a:r>
-            <a:r>
-              <a:rPr lang="da-DK" sz="1200" baseline="0" dirty="0"/>
-              <a:t> </a:t>
-            </a:r>
-            <a:r>
-              <a:rPr lang="da-DK" sz="1200" baseline="0" dirty="0" err="1"/>
-              <a:t>further</a:t>
-            </a:r>
-            <a:r>
-              <a:rPr lang="da-DK" sz="1200" baseline="0" dirty="0"/>
-              <a:t> </a:t>
-            </a:r>
-            <a:r>
-              <a:rPr lang="da-DK" sz="1200" baseline="0" dirty="0" err="1"/>
-              <a:t>class</a:t>
-            </a:r>
-            <a:r>
-              <a:rPr lang="da-DK" sz="1200" baseline="0" dirty="0"/>
-              <a:t> </a:t>
-            </a:r>
-            <a:r>
-              <a:rPr lang="da-DK" sz="1200" baseline="0" dirty="0" err="1"/>
-              <a:t>implementations</a:t>
-            </a:r>
-            <a:r>
-              <a:rPr lang="da-DK" sz="1200" baseline="0" dirty="0"/>
-              <a:t> for </a:t>
-            </a:r>
-            <a:r>
-              <a:rPr lang="da-DK" sz="1200" baseline="0" dirty="0" err="1"/>
-              <a:t>this</a:t>
-            </a:r>
-            <a:r>
-              <a:rPr lang="da-DK" sz="1200" baseline="0" dirty="0"/>
-              <a:t> </a:t>
-            </a:r>
-            <a:r>
-              <a:rPr lang="da-DK" sz="1200" baseline="0" dirty="0" err="1"/>
-              <a:t>use-once</a:t>
-            </a:r>
-            <a:r>
-              <a:rPr lang="da-DK" sz="1200" baseline="0" dirty="0"/>
-              <a:t> </a:t>
-            </a:r>
-            <a:r>
-              <a:rPr lang="da-DK" sz="1200" baseline="0" dirty="0" err="1"/>
-              <a:t>class</a:t>
-            </a:r>
-            <a:endParaRPr lang="da-DK" sz="1200" baseline="0" dirty="0"/>
-          </a:p>
-          <a:p>
-            <a:r>
-              <a:rPr lang="da-DK" sz="1200" baseline="0" dirty="0"/>
-              <a:t>purpose is to </a:t>
-            </a:r>
-            <a:r>
-              <a:rPr lang="da-DK" sz="1200" baseline="0" dirty="0" err="1"/>
-              <a:t>avoid</a:t>
-            </a:r>
-            <a:r>
-              <a:rPr lang="da-DK" sz="1200" baseline="0" dirty="0"/>
-              <a:t> </a:t>
-            </a:r>
-            <a:r>
-              <a:rPr lang="da-DK" sz="1200" baseline="0" dirty="0" err="1"/>
-              <a:t>having</a:t>
-            </a:r>
-            <a:r>
-              <a:rPr lang="da-DK" sz="1200" baseline="0" dirty="0"/>
-              <a:t> to </a:t>
-            </a:r>
-            <a:r>
-              <a:rPr lang="da-DK" sz="1200" baseline="0" dirty="0" err="1"/>
-              <a:t>name</a:t>
-            </a:r>
-            <a:r>
-              <a:rPr lang="da-DK" sz="1200" baseline="0" dirty="0"/>
-              <a:t> the class </a:t>
-            </a:r>
-            <a:endParaRPr lang="en-US" dirty="0"/>
+              <a:rPr lang="da-DK" dirty="0"/>
+              <a:t>Int / </a:t>
+            </a:r>
+            <a:r>
+              <a:rPr lang="da-DK" dirty="0" err="1"/>
+              <a:t>int</a:t>
+            </a:r>
+            <a:r>
+              <a:rPr lang="da-DK" dirty="0"/>
+              <a:t> returns </a:t>
+            </a:r>
+            <a:r>
+              <a:rPr lang="da-DK" dirty="0" err="1"/>
+              <a:t>int</a:t>
+            </a:r>
+            <a:r>
+              <a:rPr lang="da-DK" dirty="0"/>
+              <a:t> (</a:t>
+            </a:r>
+            <a:r>
+              <a:rPr lang="da-DK" dirty="0" err="1"/>
+              <a:t>integer</a:t>
+            </a:r>
+            <a:r>
+              <a:rPr lang="da-DK" dirty="0"/>
+              <a:t> division), </a:t>
+            </a:r>
+            <a:r>
+              <a:rPr lang="da-DK" dirty="0" err="1"/>
+              <a:t>whereas</a:t>
+            </a:r>
+            <a:r>
+              <a:rPr lang="da-DK" dirty="0"/>
+              <a:t> x / y is type double </a:t>
+            </a:r>
+            <a:r>
+              <a:rPr lang="da-DK" dirty="0" err="1"/>
+              <a:t>if</a:t>
+            </a:r>
+            <a:r>
+              <a:rPr lang="da-DK" dirty="0"/>
+              <a:t> x and/or y is double</a:t>
+            </a:r>
           </a:p>
         </p:txBody>
       </p:sp>
@@ -2243,7 +1878,7 @@
             <a:spLocks noGrp="1"/>
           </p:cNvSpPr>
           <p:nvPr>
-            <p:ph type="sldNum" sz="quarter" idx="10"/>
+            <p:ph type="sldNum" sz="quarter" idx="5"/>
           </p:nvPr>
         </p:nvSpPr>
         <p:spPr/>
@@ -2253,7 +1888,7 @@
           <a:p>
             <a:fld id="{CD563DD8-32AB-41BE-B1C6-8EAC45222ACE}" type="slidenum">
               <a:rPr lang="en-US" smtClean="0"/>
-              <a:t>22</a:t>
+              <a:t>20</a:t>
             </a:fld>
             <a:endParaRPr lang="en-US"/>
           </a:p>
@@ -2262,7 +1897,7 @@
     </p:spTree>
     <p:extLst>
       <p:ext uri="{BB962C8B-B14F-4D97-AF65-F5344CB8AC3E}">
-        <p14:creationId xmlns:p14="http://schemas.microsoft.com/office/powerpoint/2010/main" val="1187833949"/>
+        <p14:creationId xmlns:p14="http://schemas.microsoft.com/office/powerpoint/2010/main" val="3890235294"/>
       </p:ext>
     </p:extLst>
   </p:cSld>
@@ -2317,6 +1952,365 @@
           <a:lstStyle/>
           <a:p>
             <a:r>
+              <a:rPr lang="da-DK" sz="1200" dirty="0">
+                <a:latin typeface="Courier New" panose="02070309020205020404" pitchFamily="49" charset="0"/>
+                <a:cs typeface="Courier New" panose="02070309020205020404" pitchFamily="49" charset="0"/>
+              </a:rPr>
+              <a:t>@override</a:t>
+            </a:r>
+            <a:r>
+              <a:rPr lang="da-DK" sz="1200" dirty="0"/>
+              <a:t> </a:t>
+            </a:r>
+            <a:r>
+              <a:rPr lang="da-DK" sz="1200" dirty="0" err="1"/>
+              <a:t>helps</a:t>
+            </a:r>
+            <a:r>
+              <a:rPr lang="da-DK" sz="1200" baseline="0" dirty="0"/>
+              <a:t> to spot </a:t>
+            </a:r>
+            <a:r>
+              <a:rPr lang="da-DK" sz="1200" baseline="0" dirty="0" err="1"/>
+              <a:t>misspellings</a:t>
+            </a:r>
+            <a:r>
+              <a:rPr lang="da-DK" sz="1200" baseline="0" dirty="0"/>
+              <a:t> </a:t>
+            </a:r>
+          </a:p>
+          <a:p>
+            <a:r>
+              <a:rPr lang="da-DK" sz="1200" baseline="0" dirty="0"/>
+              <a:t>If C </a:t>
+            </a:r>
+            <a:r>
+              <a:rPr lang="da-DK" sz="1200" baseline="0" dirty="0" err="1"/>
+              <a:t>does</a:t>
+            </a:r>
+            <a:r>
+              <a:rPr lang="da-DK" sz="1200" baseline="0" dirty="0"/>
+              <a:t> </a:t>
+            </a:r>
+            <a:r>
+              <a:rPr lang="da-DK" sz="1200" baseline="0" dirty="0" err="1"/>
+              <a:t>definde</a:t>
+            </a:r>
+            <a:r>
+              <a:rPr lang="da-DK" sz="1200" baseline="0" dirty="0"/>
+              <a:t> </a:t>
+            </a:r>
+            <a:r>
+              <a:rPr lang="da-DK" sz="1200" baseline="0" dirty="0" err="1"/>
+              <a:t>sayHi</a:t>
+            </a:r>
+            <a:r>
+              <a:rPr lang="da-DK" sz="1200" baseline="0" dirty="0"/>
+              <a:t>, </a:t>
+            </a:r>
+            <a:r>
+              <a:rPr lang="da-DK" sz="1200" baseline="0" dirty="0" err="1"/>
+              <a:t>we</a:t>
+            </a:r>
+            <a:r>
+              <a:rPr lang="da-DK" sz="1200" baseline="0" dirty="0"/>
+              <a:t> </a:t>
+            </a:r>
+            <a:r>
+              <a:rPr lang="da-DK" sz="1200" baseline="0" dirty="0" err="1"/>
+              <a:t>will</a:t>
+            </a:r>
+            <a:r>
+              <a:rPr lang="da-DK" sz="1200" baseline="0" dirty="0"/>
+              <a:t> </a:t>
+            </a:r>
+            <a:r>
+              <a:rPr lang="da-DK" sz="1200" baseline="0" dirty="0" err="1"/>
+              <a:t>get</a:t>
+            </a:r>
+            <a:r>
+              <a:rPr lang="da-DK" sz="1200" baseline="0" dirty="0"/>
+              <a:t> an ”</a:t>
+            </a:r>
+            <a:r>
+              <a:rPr lang="da-DK" sz="1200" baseline="0" dirty="0" err="1"/>
+              <a:t>Unresolved</a:t>
+            </a:r>
+            <a:r>
+              <a:rPr lang="da-DK" sz="1200" baseline="0" dirty="0"/>
+              <a:t> compilation problem, </a:t>
+            </a:r>
+            <a:r>
+              <a:rPr lang="da-DK" sz="1200" baseline="0" dirty="0" err="1"/>
+              <a:t>duplicate</a:t>
+            </a:r>
+            <a:r>
+              <a:rPr lang="da-DK" sz="1200" baseline="0" dirty="0"/>
+              <a:t> default </a:t>
+            </a:r>
+            <a:r>
+              <a:rPr lang="da-DK" sz="1200" baseline="0" dirty="0" err="1"/>
+              <a:t>methods</a:t>
+            </a:r>
+            <a:r>
+              <a:rPr lang="da-DK" sz="1200" baseline="0" dirty="0"/>
+              <a:t>”</a:t>
+            </a:r>
+          </a:p>
+          <a:p>
+            <a:r>
+              <a:rPr lang="da-DK" sz="1200" b="0" baseline="0" dirty="0"/>
+              <a:t>If </a:t>
+            </a:r>
+            <a:r>
+              <a:rPr lang="pt-BR" sz="1200" b="0" u="none" dirty="0">
+                <a:solidFill>
+                  <a:schemeClr val="tx1"/>
+                </a:solidFill>
+                <a:latin typeface="Courier New" panose="02070309020205020404" pitchFamily="49" charset="0"/>
+                <a:cs typeface="Courier New" panose="02070309020205020404" pitchFamily="49" charset="0"/>
+              </a:rPr>
+              <a:t>new </a:t>
+            </a:r>
+            <a:r>
+              <a:rPr lang="pt-BR" sz="1200" b="0" u="none" dirty="0">
+                <a:solidFill>
+                  <a:schemeClr val="accent1">
+                    <a:lumMod val="50000"/>
+                  </a:schemeClr>
+                </a:solidFill>
+                <a:latin typeface="Courier New" panose="02070309020205020404" pitchFamily="49" charset="0"/>
+                <a:cs typeface="Courier New" panose="02070309020205020404" pitchFamily="49" charset="0"/>
+              </a:rPr>
+              <a:t>A</a:t>
+            </a:r>
+            <a:r>
+              <a:rPr lang="pt-BR" sz="1200" b="0" u="none" dirty="0">
+                <a:solidFill>
+                  <a:schemeClr val="tx1"/>
+                </a:solidFill>
+                <a:latin typeface="Courier New" panose="02070309020205020404" pitchFamily="49" charset="0"/>
+                <a:cs typeface="Courier New" panose="02070309020205020404" pitchFamily="49" charset="0"/>
+              </a:rPr>
+              <a:t>(){} does not contain {}, then we get “</a:t>
+            </a:r>
+            <a:r>
+              <a:rPr lang="en-US" sz="1200" b="0" u="none" dirty="0">
+                <a:solidFill>
+                  <a:schemeClr val="tx1"/>
+                </a:solidFill>
+                <a:latin typeface="Courier New" panose="02070309020205020404" pitchFamily="49" charset="0"/>
+                <a:cs typeface="Courier New" panose="02070309020205020404" pitchFamily="49" charset="0"/>
+              </a:rPr>
+              <a:t>Unresolved compilation problem: Cannot instantiate the type A”</a:t>
+            </a:r>
+            <a:endParaRPr lang="da-DK" sz="1200" b="0" baseline="0" dirty="0"/>
+          </a:p>
+          <a:p>
+            <a:r>
+              <a:rPr lang="da-DK" sz="1200" baseline="0" dirty="0"/>
+              <a:t>new A() {} : A is </a:t>
+            </a:r>
+            <a:r>
+              <a:rPr lang="da-DK" sz="1200" baseline="0" dirty="0" err="1"/>
+              <a:t>class</a:t>
+            </a:r>
+            <a:r>
+              <a:rPr lang="da-DK" sz="1200" baseline="0" dirty="0"/>
+              <a:t> or interface, () is </a:t>
+            </a:r>
+            <a:r>
+              <a:rPr lang="da-DK" sz="1200" baseline="0" dirty="0" err="1"/>
+              <a:t>calling</a:t>
+            </a:r>
+            <a:r>
+              <a:rPr lang="da-DK" sz="1200" baseline="0" dirty="0"/>
+              <a:t> the </a:t>
+            </a:r>
+            <a:r>
+              <a:rPr lang="da-DK" sz="1200" baseline="0" dirty="0" err="1"/>
+              <a:t>constructor</a:t>
+            </a:r>
+            <a:r>
+              <a:rPr lang="da-DK" sz="1200" baseline="0" dirty="0"/>
+              <a:t>, {} </a:t>
+            </a:r>
+            <a:r>
+              <a:rPr lang="da-DK" sz="1200" baseline="0" dirty="0" err="1"/>
+              <a:t>can</a:t>
+            </a:r>
+            <a:r>
+              <a:rPr lang="da-DK" sz="1200" baseline="0" dirty="0"/>
+              <a:t> </a:t>
+            </a:r>
+            <a:r>
+              <a:rPr lang="da-DK" sz="1200" baseline="0" dirty="0" err="1"/>
+              <a:t>contain</a:t>
+            </a:r>
+            <a:r>
+              <a:rPr lang="da-DK" sz="1200" baseline="0" dirty="0"/>
+              <a:t> </a:t>
+            </a:r>
+            <a:r>
+              <a:rPr lang="da-DK" sz="1200" baseline="0" dirty="0" err="1"/>
+              <a:t>further</a:t>
+            </a:r>
+            <a:r>
+              <a:rPr lang="da-DK" sz="1200" baseline="0" dirty="0"/>
+              <a:t> </a:t>
+            </a:r>
+            <a:r>
+              <a:rPr lang="da-DK" sz="1200" baseline="0" dirty="0" err="1"/>
+              <a:t>class</a:t>
+            </a:r>
+            <a:r>
+              <a:rPr lang="da-DK" sz="1200" baseline="0" dirty="0"/>
+              <a:t> </a:t>
+            </a:r>
+            <a:r>
+              <a:rPr lang="da-DK" sz="1200" baseline="0" dirty="0" err="1"/>
+              <a:t>implementations</a:t>
+            </a:r>
+            <a:r>
+              <a:rPr lang="da-DK" sz="1200" baseline="0" dirty="0"/>
+              <a:t> for </a:t>
+            </a:r>
+            <a:r>
+              <a:rPr lang="da-DK" sz="1200" baseline="0" dirty="0" err="1"/>
+              <a:t>this</a:t>
+            </a:r>
+            <a:r>
+              <a:rPr lang="da-DK" sz="1200" baseline="0" dirty="0"/>
+              <a:t> </a:t>
+            </a:r>
+            <a:r>
+              <a:rPr lang="da-DK" sz="1200" baseline="0" dirty="0" err="1"/>
+              <a:t>use-once</a:t>
+            </a:r>
+            <a:r>
+              <a:rPr lang="da-DK" sz="1200" baseline="0" dirty="0"/>
+              <a:t> </a:t>
+            </a:r>
+            <a:r>
+              <a:rPr lang="da-DK" sz="1200" baseline="0" dirty="0" err="1"/>
+              <a:t>class</a:t>
+            </a:r>
+            <a:endParaRPr lang="da-DK" sz="1200" baseline="0" dirty="0"/>
+          </a:p>
+          <a:p>
+            <a:r>
+              <a:rPr lang="da-DK" sz="1200" baseline="0" dirty="0"/>
+              <a:t>purpose is to </a:t>
+            </a:r>
+            <a:r>
+              <a:rPr lang="da-DK" sz="1200" baseline="0" dirty="0" err="1"/>
+              <a:t>avoid</a:t>
+            </a:r>
+            <a:r>
+              <a:rPr lang="da-DK" sz="1200" baseline="0" dirty="0"/>
+              <a:t> </a:t>
+            </a:r>
+            <a:r>
+              <a:rPr lang="da-DK" sz="1200" baseline="0" dirty="0" err="1"/>
+              <a:t>having</a:t>
+            </a:r>
+            <a:r>
+              <a:rPr lang="da-DK" sz="1200" baseline="0" dirty="0"/>
+              <a:t> to </a:t>
+            </a:r>
+            <a:r>
+              <a:rPr lang="da-DK" sz="1200" baseline="0" dirty="0" err="1"/>
+              <a:t>name</a:t>
+            </a:r>
+            <a:r>
+              <a:rPr lang="da-DK" sz="1200" baseline="0" dirty="0"/>
+              <a:t> the class </a:t>
+            </a:r>
+            <a:endParaRPr lang="en-US" dirty="0"/>
+          </a:p>
+        </p:txBody>
+      </p:sp>
+      <p:sp>
+        <p:nvSpPr>
+          <p:cNvPr id="4" name="Slide Number Placeholder 3"/>
+          <p:cNvSpPr>
+            <a:spLocks noGrp="1"/>
+          </p:cNvSpPr>
+          <p:nvPr>
+            <p:ph type="sldNum" sz="quarter" idx="10"/>
+          </p:nvPr>
+        </p:nvSpPr>
+        <p:spPr/>
+        <p:txBody>
+          <a:bodyPr/>
+          <a:lstStyle/>
+          <a:p>
+            <a:fld id="{CD563DD8-32AB-41BE-B1C6-8EAC45222ACE}" type="slidenum">
+              <a:rPr lang="en-US" smtClean="0"/>
+              <a:t>22</a:t>
+            </a:fld>
+            <a:endParaRPr lang="en-US"/>
+          </a:p>
+        </p:txBody>
+      </p:sp>
+    </p:spTree>
+    <p:extLst>
+      <p:ext uri="{BB962C8B-B14F-4D97-AF65-F5344CB8AC3E}">
+        <p14:creationId xmlns:p14="http://schemas.microsoft.com/office/powerpoint/2010/main" val="1187833949"/>
+      </p:ext>
+    </p:extLst>
+  </p:cSld>
+  <p:clrMapOvr>
+    <a:masterClrMapping/>
+  </p:clrMapOvr>
+</p:notes>
+</file>
+
+<file path=ppt/notesSlides/notesSlide19.xml><?xml version="1.0" encoding="utf-8"?>
+<p:notes xmlns:a="http://schemas.openxmlformats.org/drawingml/2006/main" xmlns:r="http://schemas.openxmlformats.org/officeDocument/2006/relationships" xmlns:p="http://schemas.openxmlformats.org/presentationml/2006/main">
+  <p:cSld>
+    <p:spTree>
+      <p:nvGrpSpPr>
+        <p:cNvPr id="1" name=""/>
+        <p:cNvGrpSpPr/>
+        <p:nvPr/>
+      </p:nvGrpSpPr>
+      <p:grpSpPr>
+        <a:xfrm>
+          <a:off x="0" y="0"/>
+          <a:ext cx="0" cy="0"/>
+          <a:chOff x="0" y="0"/>
+          <a:chExt cx="0" cy="0"/>
+        </a:xfrm>
+      </p:grpSpPr>
+      <p:sp>
+        <p:nvSpPr>
+          <p:cNvPr id="2" name="Slide Image Placeholder 1"/>
+          <p:cNvSpPr>
+            <a:spLocks noGrp="1" noRot="1" noChangeAspect="1"/>
+          </p:cNvSpPr>
+          <p:nvPr>
+            <p:ph type="sldImg"/>
+          </p:nvPr>
+        </p:nvSpPr>
+        <p:spPr/>
+      </p:sp>
+      <p:sp>
+        <p:nvSpPr>
+          <p:cNvPr id="3" name="Notes Placeholder 2"/>
+          <p:cNvSpPr>
+            <a:spLocks noGrp="1"/>
+          </p:cNvSpPr>
+          <p:nvPr>
+            <p:ph type="body" idx="1"/>
+          </p:nvPr>
+        </p:nvSpPr>
+        <p:spPr/>
+        <p:txBody>
+          <a:bodyPr/>
+          <a:lstStyle/>
+          <a:p>
+            <a:r>
               <a:rPr lang="en-US" dirty="0"/>
               <a:t>In Python lambda has been available since version 1.0</a:t>
             </a:r>
@@ -2359,7 +2353,151 @@
 </p:notes>
 </file>
 
-<file path=ppt/notesSlides/notesSlide19.xml><?xml version="1.0" encoding="utf-8"?>
+<file path=ppt/notesSlides/notesSlide2.xml><?xml version="1.0" encoding="utf-8"?>
+<p:notes xmlns:a="http://schemas.openxmlformats.org/drawingml/2006/main" xmlns:r="http://schemas.openxmlformats.org/officeDocument/2006/relationships" xmlns:p="http://schemas.openxmlformats.org/presentationml/2006/main">
+  <p:cSld>
+    <p:spTree>
+      <p:nvGrpSpPr>
+        <p:cNvPr id="1" name=""/>
+        <p:cNvGrpSpPr/>
+        <p:nvPr/>
+      </p:nvGrpSpPr>
+      <p:grpSpPr>
+        <a:xfrm>
+          <a:off x="0" y="0"/>
+          <a:ext cx="0" cy="0"/>
+          <a:chOff x="0" y="0"/>
+          <a:chExt cx="0" cy="0"/>
+        </a:xfrm>
+      </p:grpSpPr>
+      <p:sp>
+        <p:nvSpPr>
+          <p:cNvPr id="2" name="Slide Image Placeholder 1"/>
+          <p:cNvSpPr>
+            <a:spLocks noGrp="1" noRot="1" noChangeAspect="1"/>
+          </p:cNvSpPr>
+          <p:nvPr>
+            <p:ph type="sldImg"/>
+          </p:nvPr>
+        </p:nvSpPr>
+        <p:spPr/>
+      </p:sp>
+      <p:sp>
+        <p:nvSpPr>
+          <p:cNvPr id="3" name="Notes Placeholder 2"/>
+          <p:cNvSpPr>
+            <a:spLocks noGrp="1"/>
+          </p:cNvSpPr>
+          <p:nvPr>
+            <p:ph type="body" idx="1"/>
+          </p:nvPr>
+        </p:nvSpPr>
+        <p:spPr/>
+        <p:txBody>
+          <a:bodyPr/>
+          <a:lstStyle/>
+          <a:p>
+            <a:r>
+              <a:rPr lang="da-DK" dirty="0"/>
+              <a:t>Java </a:t>
+            </a:r>
+            <a:r>
+              <a:rPr lang="da-DK" dirty="0" err="1"/>
+              <a:t>mascot</a:t>
+            </a:r>
+            <a:r>
+              <a:rPr lang="da-DK" dirty="0"/>
+              <a:t> </a:t>
+            </a:r>
+            <a:r>
+              <a:rPr lang="da-DK" dirty="0" err="1"/>
+              <a:t>Juke</a:t>
+            </a:r>
+            <a:endParaRPr lang="da-DK" dirty="0"/>
+          </a:p>
+          <a:p>
+            <a:r>
+              <a:rPr lang="da-DK" dirty="0" err="1"/>
+              <a:t>Hotspot</a:t>
+            </a:r>
+            <a:r>
+              <a:rPr lang="da-DK" baseline="0" dirty="0"/>
+              <a:t> </a:t>
+            </a:r>
+            <a:r>
+              <a:rPr lang="da-DK" baseline="0" dirty="0" err="1"/>
+              <a:t>primary</a:t>
+            </a:r>
+            <a:r>
+              <a:rPr lang="da-DK" baseline="0" dirty="0"/>
+              <a:t> developer, Lars Bak from Aarhus </a:t>
+            </a:r>
+            <a:r>
+              <a:rPr lang="da-DK" baseline="0" dirty="0" err="1"/>
+              <a:t>University</a:t>
+            </a:r>
+            <a:endParaRPr lang="da-DK" baseline="0" dirty="0"/>
+          </a:p>
+          <a:p>
+            <a:r>
+              <a:rPr lang="en-US" dirty="0"/>
+              <a:t>https://en.wikipedia.org/wiki/Java_(programming_language)</a:t>
+            </a:r>
+          </a:p>
+          <a:p>
+            <a:endParaRPr lang="en-US" dirty="0"/>
+          </a:p>
+          <a:p>
+            <a:r>
+              <a:rPr lang="en-US" dirty="0"/>
+              <a:t>Current JDK version:</a:t>
+            </a:r>
+          </a:p>
+          <a:p>
+            <a:r>
+              <a:rPr lang="en-US" dirty="0"/>
+              <a:t>https://www.oracle.com/java/technologies/downloads/</a:t>
+            </a:r>
+          </a:p>
+        </p:txBody>
+      </p:sp>
+      <p:sp>
+        <p:nvSpPr>
+          <p:cNvPr id="4" name="Slide Number Placeholder 3"/>
+          <p:cNvSpPr>
+            <a:spLocks noGrp="1"/>
+          </p:cNvSpPr>
+          <p:nvPr>
+            <p:ph type="sldNum" sz="quarter" idx="10"/>
+          </p:nvPr>
+        </p:nvSpPr>
+        <p:spPr/>
+        <p:txBody>
+          <a:bodyPr/>
+          <a:lstStyle/>
+          <a:p>
+            <a:fld id="{CD563DD8-32AB-41BE-B1C6-8EAC45222ACE}" type="slidenum">
+              <a:rPr lang="en-US" smtClean="0"/>
+              <a:t>3</a:t>
+            </a:fld>
+            <a:endParaRPr lang="en-US"/>
+          </a:p>
+        </p:txBody>
+      </p:sp>
+    </p:spTree>
+    <p:extLst>
+      <p:ext uri="{BB962C8B-B14F-4D97-AF65-F5344CB8AC3E}">
+        <p14:creationId xmlns:p14="http://schemas.microsoft.com/office/powerpoint/2010/main" val="651770665"/>
+      </p:ext>
+    </p:extLst>
+  </p:cSld>
+  <p:clrMapOvr>
+    <a:masterClrMapping/>
+  </p:clrMapOvr>
+</p:notes>
+</file>
+
+<file path=ppt/notesSlides/notesSlide20.xml><?xml version="1.0" encoding="utf-8"?>
 <p:notes xmlns:a="http://schemas.openxmlformats.org/drawingml/2006/main" xmlns:r="http://schemas.openxmlformats.org/officeDocument/2006/relationships" xmlns:p="http://schemas.openxmlformats.org/presentationml/2006/main">
   <p:cSld>
     <p:spTree>
@@ -2434,150 +2572,6 @@
     <p:extLst>
       <p:ext uri="{BB962C8B-B14F-4D97-AF65-F5344CB8AC3E}">
         <p14:creationId xmlns:p14="http://schemas.microsoft.com/office/powerpoint/2010/main" val="1092305226"/>
-      </p:ext>
-    </p:extLst>
-  </p:cSld>
-  <p:clrMapOvr>
-    <a:masterClrMapping/>
-  </p:clrMapOvr>
-</p:notes>
-</file>
-
-<file path=ppt/notesSlides/notesSlide2.xml><?xml version="1.0" encoding="utf-8"?>
-<p:notes xmlns:a="http://schemas.openxmlformats.org/drawingml/2006/main" xmlns:r="http://schemas.openxmlformats.org/officeDocument/2006/relationships" xmlns:p="http://schemas.openxmlformats.org/presentationml/2006/main">
-  <p:cSld>
-    <p:spTree>
-      <p:nvGrpSpPr>
-        <p:cNvPr id="1" name=""/>
-        <p:cNvGrpSpPr/>
-        <p:nvPr/>
-      </p:nvGrpSpPr>
-      <p:grpSpPr>
-        <a:xfrm>
-          <a:off x="0" y="0"/>
-          <a:ext cx="0" cy="0"/>
-          <a:chOff x="0" y="0"/>
-          <a:chExt cx="0" cy="0"/>
-        </a:xfrm>
-      </p:grpSpPr>
-      <p:sp>
-        <p:nvSpPr>
-          <p:cNvPr id="2" name="Slide Image Placeholder 1"/>
-          <p:cNvSpPr>
-            <a:spLocks noGrp="1" noRot="1" noChangeAspect="1"/>
-          </p:cNvSpPr>
-          <p:nvPr>
-            <p:ph type="sldImg"/>
-          </p:nvPr>
-        </p:nvSpPr>
-        <p:spPr/>
-      </p:sp>
-      <p:sp>
-        <p:nvSpPr>
-          <p:cNvPr id="3" name="Notes Placeholder 2"/>
-          <p:cNvSpPr>
-            <a:spLocks noGrp="1"/>
-          </p:cNvSpPr>
-          <p:nvPr>
-            <p:ph type="body" idx="1"/>
-          </p:nvPr>
-        </p:nvSpPr>
-        <p:spPr/>
-        <p:txBody>
-          <a:bodyPr/>
-          <a:lstStyle/>
-          <a:p>
-            <a:r>
-              <a:rPr lang="da-DK" dirty="0"/>
-              <a:t>Java </a:t>
-            </a:r>
-            <a:r>
-              <a:rPr lang="da-DK" dirty="0" err="1"/>
-              <a:t>mascot</a:t>
-            </a:r>
-            <a:r>
-              <a:rPr lang="da-DK" dirty="0"/>
-              <a:t> </a:t>
-            </a:r>
-            <a:r>
-              <a:rPr lang="da-DK" dirty="0" err="1"/>
-              <a:t>Juke</a:t>
-            </a:r>
-            <a:endParaRPr lang="da-DK" dirty="0"/>
-          </a:p>
-          <a:p>
-            <a:r>
-              <a:rPr lang="da-DK" dirty="0" err="1"/>
-              <a:t>Hotspot</a:t>
-            </a:r>
-            <a:r>
-              <a:rPr lang="da-DK" baseline="0" dirty="0"/>
-              <a:t> </a:t>
-            </a:r>
-            <a:r>
-              <a:rPr lang="da-DK" baseline="0" dirty="0" err="1"/>
-              <a:t>primary</a:t>
-            </a:r>
-            <a:r>
-              <a:rPr lang="da-DK" baseline="0" dirty="0"/>
-              <a:t> developer, Lars Bak from Aarhus </a:t>
-            </a:r>
-            <a:r>
-              <a:rPr lang="da-DK" baseline="0" dirty="0" err="1"/>
-              <a:t>University</a:t>
-            </a:r>
-            <a:endParaRPr lang="da-DK" baseline="0" dirty="0"/>
-          </a:p>
-          <a:p>
-            <a:r>
-              <a:rPr lang="en-US" dirty="0"/>
-              <a:t>https://en.wikipedia.org/wiki/Java_(programming_language)</a:t>
-            </a:r>
-          </a:p>
-          <a:p>
-            <a:endParaRPr lang="en-US" dirty="0"/>
-          </a:p>
-          <a:p>
-            <a:r>
-              <a:rPr lang="en-US" dirty="0"/>
-              <a:t>Current JDK version:</a:t>
-            </a:r>
-          </a:p>
-          <a:p>
-            <a:r>
-              <a:rPr lang="en-US" dirty="0"/>
-              <a:t>https://www.oracle.com/java/technologies/downloads/</a:t>
-            </a:r>
-          </a:p>
-        </p:txBody>
-      </p:sp>
-      <p:sp>
-        <p:nvSpPr>
-          <p:cNvPr id="4" name="Slide Number Placeholder 3"/>
-          <p:cNvSpPr>
-            <a:spLocks noGrp="1"/>
-          </p:cNvSpPr>
-          <p:nvPr>
-            <p:ph type="sldNum" sz="quarter" idx="10"/>
-          </p:nvPr>
-        </p:nvSpPr>
-        <p:spPr/>
-        <p:txBody>
-          <a:bodyPr/>
-          <a:lstStyle/>
-          <a:p>
-            <a:fld id="{CD563DD8-32AB-41BE-B1C6-8EAC45222ACE}" type="slidenum">
-              <a:rPr lang="en-US" smtClean="0"/>
-              <a:t>3</a:t>
-            </a:fld>
-            <a:endParaRPr lang="en-US"/>
-          </a:p>
-        </p:txBody>
-      </p:sp>
-    </p:spTree>
-    <p:extLst>
-      <p:ext uri="{BB962C8B-B14F-4D97-AF65-F5344CB8AC3E}">
-        <p14:creationId xmlns:p14="http://schemas.microsoft.com/office/powerpoint/2010/main" val="651770665"/>
       </p:ext>
     </p:extLst>
   </p:cSld>
@@ -3150,7 +3144,47 @@
           <a:bodyPr/>
           <a:lstStyle/>
           <a:p>
-            <a:endParaRPr lang="da-DK" dirty="0"/>
+            <a:r>
+              <a:rPr lang="da-DK" dirty="0"/>
+              <a:t>/* … */ is in Python </a:t>
+            </a:r>
+            <a:r>
+              <a:rPr lang="da-DK" dirty="0" err="1"/>
+              <a:t>often</a:t>
+            </a:r>
+            <a:r>
+              <a:rPr lang="da-DK" dirty="0"/>
+              <a:t> </a:t>
+            </a:r>
+            <a:r>
+              <a:rPr lang="da-DK" dirty="0" err="1"/>
+              <a:t>simulated</a:t>
+            </a:r>
+            <a:r>
+              <a:rPr lang="da-DK" dirty="0"/>
+              <a:t> </a:t>
+            </a:r>
+            <a:r>
+              <a:rPr lang="da-DK" dirty="0" err="1"/>
+              <a:t>using</a:t>
+            </a:r>
+            <a:r>
+              <a:rPr lang="da-DK" dirty="0"/>
+              <a:t> </a:t>
+            </a:r>
+            <a:r>
+              <a:rPr lang="da-DK" dirty="0" err="1"/>
+              <a:t>triple-quoted</a:t>
+            </a:r>
+            <a:r>
+              <a:rPr lang="da-DK" dirty="0"/>
+              <a:t> </a:t>
+            </a:r>
+            <a:r>
+              <a:rPr lang="da-DK" dirty="0" err="1"/>
+              <a:t>strings</a:t>
+            </a:r>
+            <a:endParaRPr lang="en-US" dirty="0"/>
           </a:p>
         </p:txBody>
       </p:sp>
@@ -3171,7 +3205,7 @@
           <a:p>
             <a:fld id="{CD563DD8-32AB-41BE-B1C6-8EAC45222ACE}" type="slidenum">
               <a:rPr lang="en-US" smtClean="0"/>
-              <a:t>11</a:t>
+              <a:t>10</a:t>
             </a:fld>
             <a:endParaRPr lang="en-US"/>
           </a:p>
@@ -3180,7 +3214,7 @@
     </p:spTree>
     <p:extLst>
       <p:ext uri="{BB962C8B-B14F-4D97-AF65-F5344CB8AC3E}">
-        <p14:creationId xmlns:p14="http://schemas.microsoft.com/office/powerpoint/2010/main" val="480068916"/>
+        <p14:creationId xmlns:p14="http://schemas.microsoft.com/office/powerpoint/2010/main" val="384341941"/>
       </p:ext>
     </p:extLst>
   </p:cSld>
@@ -3234,152 +3268,7 @@
           <a:bodyPr/>
           <a:lstStyle/>
           <a:p>
-            <a:r>
-              <a:rPr lang="da-DK" dirty="0"/>
-              <a:t>byte</a:t>
-            </a:r>
-            <a:r>
-              <a:rPr lang="da-DK" baseline="0" dirty="0"/>
-              <a:t> = </a:t>
-            </a:r>
-            <a:r>
-              <a:rPr lang="en-US" dirty="0"/>
-              <a:t>-128 to 127</a:t>
-            </a:r>
             <a:endParaRPr lang="da-DK" dirty="0"/>
-          </a:p>
-          <a:p>
-            <a:r>
-              <a:rPr lang="da-DK" dirty="0" err="1"/>
-              <a:t>BigInteger</a:t>
-            </a:r>
-            <a:r>
-              <a:rPr lang="da-DK" dirty="0"/>
-              <a:t> have a </a:t>
-            </a:r>
-            <a:r>
-              <a:rPr lang="da-DK" dirty="0" err="1"/>
-              <a:t>toString</a:t>
-            </a:r>
-            <a:r>
-              <a:rPr lang="da-DK" dirty="0"/>
-              <a:t> </a:t>
-            </a:r>
-            <a:r>
-              <a:rPr lang="da-DK" dirty="0" err="1"/>
-              <a:t>method</a:t>
-            </a:r>
-            <a:r>
-              <a:rPr lang="da-DK" dirty="0"/>
-              <a:t>, </a:t>
-            </a:r>
-            <a:r>
-              <a:rPr lang="da-DK" dirty="0" err="1"/>
-              <a:t>like</a:t>
-            </a:r>
-            <a:r>
-              <a:rPr lang="da-DK" dirty="0"/>
-              <a:t> </a:t>
-            </a:r>
-            <a:r>
-              <a:rPr lang="da-DK" dirty="0" err="1"/>
-              <a:t>Python</a:t>
-            </a:r>
-            <a:r>
-              <a:rPr lang="da-DK" dirty="0"/>
-              <a:t> __</a:t>
-            </a:r>
-            <a:r>
-              <a:rPr lang="da-DK" dirty="0" err="1"/>
-              <a:t>str</a:t>
-            </a:r>
-            <a:r>
-              <a:rPr lang="da-DK" dirty="0"/>
-              <a:t>__</a:t>
-            </a:r>
-            <a:r>
-              <a:rPr lang="da-DK" baseline="0" dirty="0"/>
-              <a:t> </a:t>
-            </a:r>
-            <a:r>
-              <a:rPr lang="da-DK" baseline="0" dirty="0" err="1"/>
-              <a:t>method</a:t>
-            </a:r>
-            <a:r>
-              <a:rPr lang="da-DK" baseline="0" dirty="0"/>
-              <a:t>, and </a:t>
-            </a:r>
-            <a:r>
-              <a:rPr lang="da-DK" baseline="0" dirty="0" err="1"/>
-              <a:t>str</a:t>
-            </a:r>
-            <a:r>
-              <a:rPr lang="da-DK" baseline="0" dirty="0"/>
-              <a:t>(x)</a:t>
-            </a:r>
-          </a:p>
-          <a:p>
-            <a:r>
-              <a:rPr lang="da-DK" baseline="0" dirty="0"/>
-              <a:t>Java </a:t>
-            </a:r>
-            <a:r>
-              <a:rPr lang="da-DK" baseline="0" dirty="0" err="1"/>
-              <a:t>does</a:t>
-            </a:r>
-            <a:r>
-              <a:rPr lang="da-DK" baseline="0" dirty="0"/>
-              <a:t> not </a:t>
-            </a:r>
-            <a:r>
-              <a:rPr lang="da-DK" baseline="0" dirty="0" err="1"/>
-              <a:t>allow</a:t>
-            </a:r>
-            <a:r>
-              <a:rPr lang="da-DK" baseline="0" dirty="0"/>
-              <a:t> </a:t>
-            </a:r>
-            <a:r>
-              <a:rPr lang="da-DK" baseline="0" dirty="0" err="1"/>
-              <a:t>uses</a:t>
-            </a:r>
-            <a:r>
-              <a:rPr lang="da-DK" baseline="0" dirty="0"/>
-              <a:t> to overload operators, so </a:t>
-            </a:r>
-            <a:r>
-              <a:rPr lang="da-DK" baseline="0" dirty="0" err="1"/>
-              <a:t>we</a:t>
-            </a:r>
-            <a:r>
-              <a:rPr lang="da-DK" baseline="0" dirty="0"/>
-              <a:t> have to </a:t>
-            </a:r>
-            <a:r>
-              <a:rPr lang="da-DK" baseline="0" dirty="0" err="1"/>
-              <a:t>write</a:t>
-            </a:r>
-            <a:r>
-              <a:rPr lang="da-DK" baseline="0" dirty="0"/>
-              <a:t> </a:t>
-            </a:r>
-            <a:r>
-              <a:rPr lang="da-DK" baseline="0" dirty="0" err="1"/>
-              <a:t>x.multiply</a:t>
-            </a:r>
-            <a:r>
-              <a:rPr lang="da-DK" baseline="0" dirty="0"/>
-              <a:t>(x) </a:t>
-            </a:r>
-            <a:r>
-              <a:rPr lang="da-DK" baseline="0" dirty="0" err="1"/>
-              <a:t>instead</a:t>
-            </a:r>
-            <a:r>
-              <a:rPr lang="da-DK" baseline="0" dirty="0"/>
-              <a:t> of x * x</a:t>
-            </a:r>
-            <a:endParaRPr lang="en-US" dirty="0"/>
           </a:p>
         </p:txBody>
       </p:sp>
@@ -3390,7 +3279,7 @@
             <a:spLocks noGrp="1"/>
           </p:cNvSpPr>
           <p:nvPr>
-            <p:ph type="sldNum" sz="quarter" idx="10"/>
+            <p:ph type="sldNum" sz="quarter" idx="5"/>
           </p:nvPr>
         </p:nvSpPr>
         <p:spPr/>
@@ -3400,7 +3289,7 @@
           <a:p>
             <a:fld id="{CD563DD8-32AB-41BE-B1C6-8EAC45222ACE}" type="slidenum">
               <a:rPr lang="en-US" smtClean="0"/>
-              <a:t>12</a:t>
+              <a:t>11</a:t>
             </a:fld>
             <a:endParaRPr lang="en-US"/>
           </a:p>
@@ -3409,7 +3298,7 @@
     </p:spTree>
     <p:extLst>
       <p:ext uri="{BB962C8B-B14F-4D97-AF65-F5344CB8AC3E}">
-        <p14:creationId xmlns:p14="http://schemas.microsoft.com/office/powerpoint/2010/main" val="4065296491"/>
+        <p14:creationId xmlns:p14="http://schemas.microsoft.com/office/powerpoint/2010/main" val="480068916"/>
       </p:ext>
     </p:extLst>
   </p:cSld>
@@ -3556,7 +3445,7 @@
           <a:p>
             <a:fld id="{0560A9CD-0304-4E0B-9E82-E7E0115DE05B}" type="datetimeFigureOut">
               <a:rPr lang="en-US" smtClean="0"/>
-              <a:t>5/6/2024</a:t>
+              <a:t>4/26/2025</a:t>
             </a:fld>
             <a:endParaRPr lang="en-US"/>
           </a:p>
@@ -3724,7 +3613,7 @@
           <a:p>
             <a:fld id="{0560A9CD-0304-4E0B-9E82-E7E0115DE05B}" type="datetimeFigureOut">
               <a:rPr lang="en-US" smtClean="0"/>
-              <a:t>5/6/2024</a:t>
+              <a:t>4/26/2025</a:t>
             </a:fld>
             <a:endParaRPr lang="en-US"/>
           </a:p>
@@ -3902,7 +3791,7 @@
           <a:p>
             <a:fld id="{0560A9CD-0304-4E0B-9E82-E7E0115DE05B}" type="datetimeFigureOut">
               <a:rPr lang="en-US" smtClean="0"/>
-              <a:t>5/6/2024</a:t>
+              <a:t>4/26/2025</a:t>
             </a:fld>
             <a:endParaRPr lang="en-US"/>
           </a:p>
@@ -4085,7 +3974,7 @@
           <a:p>
             <a:fld id="{0560A9CD-0304-4E0B-9E82-E7E0115DE05B}" type="datetimeFigureOut">
               <a:rPr lang="en-US" smtClean="0"/>
-              <a:t>5/6/2024</a:t>
+              <a:t>4/26/2025</a:t>
             </a:fld>
             <a:endParaRPr lang="en-US"/>
           </a:p>
@@ -4330,7 +4219,7 @@
           <a:p>
             <a:fld id="{0560A9CD-0304-4E0B-9E82-E7E0115DE05B}" type="datetimeFigureOut">
               <a:rPr lang="en-US" smtClean="0"/>
-              <a:t>5/6/2024</a:t>
+              <a:t>4/26/2025</a:t>
             </a:fld>
             <a:endParaRPr lang="en-US"/>
           </a:p>
@@ -4559,7 +4448,7 @@
           <a:p>
             <a:fld id="{0560A9CD-0304-4E0B-9E82-E7E0115DE05B}" type="datetimeFigureOut">
               <a:rPr lang="en-US" smtClean="0"/>
-              <a:t>5/6/2024</a:t>
+              <a:t>4/26/2025</a:t>
             </a:fld>
             <a:endParaRPr lang="en-US"/>
           </a:p>
@@ -4923,7 +4812,7 @@
           <a:p>
             <a:fld id="{0560A9CD-0304-4E0B-9E82-E7E0115DE05B}" type="datetimeFigureOut">
               <a:rPr lang="en-US" smtClean="0"/>
-              <a:t>5/6/2024</a:t>
+              <a:t>4/26/2025</a:t>
             </a:fld>
             <a:endParaRPr lang="en-US"/>
           </a:p>
@@ -5040,7 +4929,7 @@
           <a:p>
             <a:fld id="{0560A9CD-0304-4E0B-9E82-E7E0115DE05B}" type="datetimeFigureOut">
               <a:rPr lang="en-US" smtClean="0"/>
-              <a:t>5/6/2024</a:t>
+              <a:t>4/26/2025</a:t>
             </a:fld>
             <a:endParaRPr lang="en-US"/>
           </a:p>
@@ -5135,7 +5024,7 @@
           <a:p>
             <a:fld id="{0560A9CD-0304-4E0B-9E82-E7E0115DE05B}" type="datetimeFigureOut">
               <a:rPr lang="en-US" smtClean="0"/>
-              <a:t>5/6/2024</a:t>
+              <a:t>4/26/2025</a:t>
             </a:fld>
             <a:endParaRPr lang="en-US"/>
           </a:p>
@@ -5410,7 +5299,7 @@
           <a:p>
             <a:fld id="{0560A9CD-0304-4E0B-9E82-E7E0115DE05B}" type="datetimeFigureOut">
               <a:rPr lang="en-US" smtClean="0"/>
-              <a:t>5/6/2024</a:t>
+              <a:t>4/26/2025</a:t>
             </a:fld>
             <a:endParaRPr lang="en-US"/>
           </a:p>
@@ -5662,7 +5551,7 @@
           <a:p>
             <a:fld id="{0560A9CD-0304-4E0B-9E82-E7E0115DE05B}" type="datetimeFigureOut">
               <a:rPr lang="en-US" smtClean="0"/>
-              <a:t>5/6/2024</a:t>
+              <a:t>4/26/2025</a:t>
             </a:fld>
             <a:endParaRPr lang="en-US"/>
           </a:p>
@@ -5873,7 +5762,7 @@
           <a:p>
             <a:fld id="{0560A9CD-0304-4E0B-9E82-E7E0115DE05B}" type="datetimeFigureOut">
               <a:rPr lang="en-US" smtClean="0"/>
-              <a:t>5/6/2024</a:t>
+              <a:t>4/26/2025</a:t>
             </a:fld>
             <a:endParaRPr lang="en-US"/>
           </a:p>
@@ -18161,10 +18050,10 @@
       </p:grpSpPr>
       <p:pic>
         <p:nvPicPr>
-          <p:cNvPr id="5" name="Picture 4">
+          <p:cNvPr id="6" name="Picture 5">
             <a:extLst>
               <a:ext uri="{FF2B5EF4-FFF2-40B4-BE49-F238E27FC236}">
-                <a16:creationId xmlns:a16="http://schemas.microsoft.com/office/drawing/2014/main" id="{2C662EB3-BAA2-5FB4-92A7-CE08B31D6375}"/>
+                <a16:creationId xmlns:a16="http://schemas.microsoft.com/office/drawing/2014/main" id="{D3D0EFE0-7133-ABEE-37BF-EC398D5E0532}"/>
               </a:ext>
             </a:extLst>
           </p:cNvPr>
@@ -18181,8 +18070,8 @@
         </p:blipFill>
         <p:spPr>
           <a:xfrm>
-            <a:off x="973262" y="3600450"/>
-            <a:ext cx="10245475" cy="3189423"/>
+            <a:off x="0" y="3429000"/>
+            <a:ext cx="12192000" cy="3319203"/>
           </a:xfrm>
           <a:prstGeom prst="rect">
             <a:avLst/>
@@ -18260,7 +18149,7 @@
         </p:nvSpPr>
         <p:spPr>
           <a:xfrm>
-            <a:off x="838200" y="1575254"/>
+            <a:off x="838200" y="1471887"/>
             <a:ext cx="10936294" cy="1984375"/>
           </a:xfrm>
         </p:spPr>
@@ -18281,35 +18170,35 @@
               <a:t> of a </a:t>
             </a:r>
             <a:r>
-              <a:rPr lang="da-DK" dirty="0" err="1"/>
+              <a:rPr lang="da-DK" b="1" dirty="0" err="1"/>
               <a:t>statically</a:t>
+            </a:r>
+            <a:r>
+              <a:rPr lang="da-DK" b="1" dirty="0"/>
+              <a:t> </a:t>
+            </a:r>
+            <a:r>
+              <a:rPr lang="da-DK" b="1" dirty="0" err="1"/>
+              <a:t>typed</a:t>
             </a:r>
             <a:r>
               <a:rPr lang="da-DK" dirty="0"/>
               <a:t> </a:t>
             </a:r>
             <a:r>
-              <a:rPr lang="da-DK" dirty="0" err="1"/>
-              <a:t>typed</a:t>
-            </a:r>
-            <a:r>
-              <a:rPr lang="da-DK" dirty="0"/>
+              <a:rPr lang="da-DK" b="1" dirty="0" err="1"/>
+              <a:t>object</a:t>
+            </a:r>
+            <a:r>
+              <a:rPr lang="da-DK" b="1" dirty="0"/>
               <a:t> </a:t>
             </a:r>
             <a:r>
-              <a:rPr lang="da-DK" dirty="0" err="1"/>
-              <a:t>object</a:t>
-            </a:r>
-            <a:r>
-              <a:rPr lang="da-DK" dirty="0"/>
-              <a:t> </a:t>
-            </a:r>
-            <a:r>
-              <a:rPr lang="da-DK" dirty="0" err="1"/>
+              <a:rPr lang="da-DK" b="1" dirty="0" err="1"/>
               <a:t>oriented</a:t>
             </a:r>
             <a:r>
-              <a:rPr lang="da-DK" dirty="0"/>
+              <a:rPr lang="da-DK" b="1" dirty="0"/>
               <a:t> </a:t>
             </a:r>
             <a:r>
@@ -18466,7 +18355,7 @@
         </p:blipFill>
         <p:spPr>
           <a:xfrm>
-            <a:off x="4303889" y="3744143"/>
+            <a:off x="4303889" y="3680535"/>
             <a:ext cx="4004916" cy="593649"/>
           </a:xfrm>
           <a:prstGeom prst="rect">
@@ -23415,7 +23304,7 @@
             </a:r>
             <a:r>
               <a:rPr lang="da-DK" dirty="0"/>
-              <a:t> version Java 22 (</a:t>
+              <a:t> version Java 24 (</a:t>
             </a:r>
             <a:r>
               <a:rPr lang="da-DK" dirty="0" err="1"/>
@@ -23423,7 +23312,7 @@
             </a:r>
             <a:r>
               <a:rPr lang="da-DK" dirty="0"/>
-              <a:t> March 2024)</a:t>
+              <a:t> March 2025)</a:t>
             </a:r>
           </a:p>
           <a:p>
@@ -27727,10 +27616,10 @@
         </p:nvGrpSpPr>
         <p:grpSpPr>
           <a:xfrm>
-            <a:off x="8294254" y="3679858"/>
-            <a:ext cx="3897745" cy="2336237"/>
+            <a:off x="8294254" y="3679859"/>
+            <a:ext cx="3897745" cy="2323631"/>
             <a:chOff x="8144202" y="3699031"/>
-            <a:chExt cx="4047798" cy="2317064"/>
+            <a:chExt cx="4047798" cy="2304561"/>
           </a:xfrm>
         </p:grpSpPr>
         <p:cxnSp>
@@ -27778,8 +27667,8 @@
           </p:nvSpPr>
           <p:spPr>
             <a:xfrm>
-              <a:off x="9460061" y="4492601"/>
-              <a:ext cx="2731939" cy="1523494"/>
+              <a:off x="9201704" y="4492601"/>
+              <a:ext cx="2990296" cy="1510991"/>
             </a:xfrm>
             <a:prstGeom prst="rect">
               <a:avLst/>
@@ -27815,7 +27704,7 @@
                   <a:latin typeface="Courier New" panose="02070309020205020404" pitchFamily="49" charset="0"/>
                   <a:cs typeface="Courier New" panose="02070309020205020404" pitchFamily="49" charset="0"/>
                 </a:rPr>
-                <a:t>int i=0;</a:t>
+                <a:t>int i = 0;</a:t>
               </a:r>
             </a:p>
             <a:p>
@@ -27824,7 +27713,7 @@
                   <a:latin typeface="Courier New" panose="02070309020205020404" pitchFamily="49" charset="0"/>
                   <a:cs typeface="Courier New" panose="02070309020205020404" pitchFamily="49" charset="0"/>
                 </a:rPr>
-                <a:t>while (i&lt;args.length) {</a:t>
+                <a:t>while (i &lt; args.length) {</a:t>
               </a:r>
             </a:p>
             <a:p>
@@ -27871,8 +27760,8 @@
           </p:nvSpPr>
           <p:spPr>
             <a:xfrm>
-              <a:off x="9488513" y="4859625"/>
-              <a:ext cx="2658688" cy="1088967"/>
+              <a:off x="9201704" y="4859625"/>
+              <a:ext cx="2945497" cy="1088967"/>
             </a:xfrm>
             <a:prstGeom prst="rect">
               <a:avLst/>
